--- a/Presentation/Final_ADA.pptx
+++ b/Presentation/Final_ADA.pptx
@@ -254,7 +254,7 @@
           <a:p>
             <a:fld id="{C764DE79-268F-4C1A-8933-263129D2AF90}" type="datetimeFigureOut">
               <a:rPr lang="en-US" dirty="0"/>
-              <a:t>1/20/17</a:t>
+              <a:t>1/26/17</a:t>
             </a:fld>
             <a:endParaRPr lang="en-US" dirty="0"/>
           </a:p>
@@ -424,7 +424,7 @@
           <a:p>
             <a:fld id="{C764DE79-268F-4C1A-8933-263129D2AF90}" type="datetimeFigureOut">
               <a:rPr lang="en-US" dirty="0"/>
-              <a:t>1/20/17</a:t>
+              <a:t>1/26/17</a:t>
             </a:fld>
             <a:endParaRPr lang="en-US" dirty="0"/>
           </a:p>
@@ -604,7 +604,7 @@
           <a:p>
             <a:fld id="{C764DE79-268F-4C1A-8933-263129D2AF90}" type="datetimeFigureOut">
               <a:rPr lang="en-US" dirty="0"/>
-              <a:t>1/20/17</a:t>
+              <a:t>1/26/17</a:t>
             </a:fld>
             <a:endParaRPr lang="en-US" dirty="0"/>
           </a:p>
@@ -804,7 +804,7 @@
           <a:p>
             <a:fld id="{C764DE79-268F-4C1A-8933-263129D2AF90}" type="datetimeFigureOut">
               <a:rPr lang="en-US" dirty="0"/>
-              <a:t>1/20/17</a:t>
+              <a:t>1/26/17</a:t>
             </a:fld>
             <a:endParaRPr lang="en-US" dirty="0"/>
           </a:p>
@@ -1048,7 +1048,7 @@
           <a:p>
             <a:fld id="{C764DE79-268F-4C1A-8933-263129D2AF90}" type="datetimeFigureOut">
               <a:rPr lang="en-US" dirty="0"/>
-              <a:t>1/20/17</a:t>
+              <a:t>1/26/17</a:t>
             </a:fld>
             <a:endParaRPr lang="en-US" dirty="0"/>
           </a:p>
@@ -1280,7 +1280,7 @@
           <a:p>
             <a:fld id="{C764DE79-268F-4C1A-8933-263129D2AF90}" type="datetimeFigureOut">
               <a:rPr lang="en-US" dirty="0"/>
-              <a:t>1/20/17</a:t>
+              <a:t>1/26/17</a:t>
             </a:fld>
             <a:endParaRPr lang="en-US" dirty="0"/>
           </a:p>
@@ -1647,7 +1647,7 @@
           <a:p>
             <a:fld id="{C764DE79-268F-4C1A-8933-263129D2AF90}" type="datetimeFigureOut">
               <a:rPr lang="en-US" dirty="0"/>
-              <a:t>1/20/17</a:t>
+              <a:t>1/26/17</a:t>
             </a:fld>
             <a:endParaRPr lang="en-US" dirty="0"/>
           </a:p>
@@ -1765,7 +1765,7 @@
           <a:p>
             <a:fld id="{C764DE79-268F-4C1A-8933-263129D2AF90}" type="datetimeFigureOut">
               <a:rPr lang="en-US" dirty="0"/>
-              <a:t>1/20/17</a:t>
+              <a:t>1/26/17</a:t>
             </a:fld>
             <a:endParaRPr lang="en-US" dirty="0"/>
           </a:p>
@@ -1860,7 +1860,7 @@
           <a:p>
             <a:fld id="{C764DE79-268F-4C1A-8933-263129D2AF90}" type="datetimeFigureOut">
               <a:rPr lang="en-US" dirty="0"/>
-              <a:t>1/20/17</a:t>
+              <a:t>1/26/17</a:t>
             </a:fld>
             <a:endParaRPr lang="en-US" dirty="0"/>
           </a:p>
@@ -2137,7 +2137,7 @@
           <a:p>
             <a:fld id="{C764DE79-268F-4C1A-8933-263129D2AF90}" type="datetimeFigureOut">
               <a:rPr lang="en-US" dirty="0"/>
-              <a:t>1/20/17</a:t>
+              <a:t>1/26/17</a:t>
             </a:fld>
             <a:endParaRPr lang="en-US" dirty="0"/>
           </a:p>
@@ -2394,7 +2394,7 @@
           <a:p>
             <a:fld id="{C764DE79-268F-4C1A-8933-263129D2AF90}" type="datetimeFigureOut">
               <a:rPr lang="en-US" dirty="0"/>
-              <a:t>1/20/17</a:t>
+              <a:t>1/26/17</a:t>
             </a:fld>
             <a:endParaRPr lang="en-US" dirty="0"/>
           </a:p>
@@ -2607,7 +2607,7 @@
           <a:p>
             <a:fld id="{C764DE79-268F-4C1A-8933-263129D2AF90}" type="datetimeFigureOut">
               <a:rPr lang="en-US" dirty="0"/>
-              <a:t>1/20/17</a:t>
+              <a:t>1/26/17</a:t>
             </a:fld>
             <a:endParaRPr lang="en-US" dirty="0"/>
           </a:p>
@@ -3333,398 +3333,6 @@
           </a:p>
         </p:txBody>
       </p:sp>
-      <p:sp>
-        <p:nvSpPr>
-          <p:cNvPr id="5" name="Content Placeholder 2"/>
-          <p:cNvSpPr txBox="1">
-            <a:spLocks/>
-          </p:cNvSpPr>
-          <p:nvPr/>
-        </p:nvSpPr>
-        <p:spPr>
-          <a:xfrm>
-            <a:off x="380316" y="2235200"/>
-            <a:ext cx="9220884" cy="5384800"/>
-          </a:xfrm>
-          <a:prstGeom prst="rect">
-            <a:avLst/>
-          </a:prstGeom>
-        </p:spPr>
-        <p:txBody>
-          <a:bodyPr vert="horz" lIns="91440" tIns="45720" rIns="91440" bIns="45720" rtlCol="0">
-            <a:normAutofit/>
-          </a:bodyPr>
-          <a:lstStyle>
-            <a:lvl1pPr marL="228600" indent="-228600" algn="l" defTabSz="914400" rtl="0" eaLnBrk="1" latinLnBrk="0" hangingPunct="1">
-              <a:spcBef>
-                <a:spcPts val="1800"/>
-              </a:spcBef>
-              <a:buClr>
-                <a:schemeClr val="accent1"/>
-              </a:buClr>
-              <a:buSzPct val="100000"/>
-              <a:buFont typeface="Wingdings 2" pitchFamily="18" charset="2"/>
-              <a:buChar char="¡"/>
-              <a:defRPr sz="2000" kern="1200">
-                <a:solidFill>
-                  <a:schemeClr val="tx2"/>
-                </a:solidFill>
-                <a:latin typeface="+mn-lt"/>
-                <a:ea typeface="+mn-ea"/>
-                <a:cs typeface="+mn-cs"/>
-              </a:defRPr>
-            </a:lvl1pPr>
-            <a:lvl2pPr marL="457200" indent="-228600" algn="l" defTabSz="914400" rtl="0" eaLnBrk="1" latinLnBrk="0" hangingPunct="1">
-              <a:spcBef>
-                <a:spcPts val="600"/>
-              </a:spcBef>
-              <a:buClr>
-                <a:schemeClr val="accent1">
-                  <a:lumMod val="50000"/>
-                </a:schemeClr>
-              </a:buClr>
-              <a:buSzPct val="100000"/>
-              <a:buFont typeface="Wingdings 2" pitchFamily="18" charset="2"/>
-              <a:buChar char="¡"/>
-              <a:defRPr sz="1800" kern="1200">
-                <a:solidFill>
-                  <a:schemeClr val="tx2"/>
-                </a:solidFill>
-                <a:latin typeface="+mn-lt"/>
-                <a:ea typeface="+mn-ea"/>
-                <a:cs typeface="+mn-cs"/>
-              </a:defRPr>
-            </a:lvl2pPr>
-            <a:lvl3pPr marL="685800" indent="-228600" algn="l" defTabSz="914400" rtl="0" eaLnBrk="1" latinLnBrk="0" hangingPunct="1">
-              <a:spcBef>
-                <a:spcPts val="600"/>
-              </a:spcBef>
-              <a:buClr>
-                <a:schemeClr val="accent1"/>
-              </a:buClr>
-              <a:buSzPct val="100000"/>
-              <a:buFont typeface="Wingdings 2" pitchFamily="18" charset="2"/>
-              <a:buChar char="¡"/>
-              <a:defRPr sz="1800" kern="1200">
-                <a:solidFill>
-                  <a:schemeClr val="tx2"/>
-                </a:solidFill>
-                <a:latin typeface="+mn-lt"/>
-                <a:ea typeface="+mn-ea"/>
-                <a:cs typeface="+mn-cs"/>
-              </a:defRPr>
-            </a:lvl3pPr>
-            <a:lvl4pPr marL="914400" indent="-228600" algn="l" defTabSz="914400" rtl="0" eaLnBrk="1" latinLnBrk="0" hangingPunct="1">
-              <a:spcBef>
-                <a:spcPts val="600"/>
-              </a:spcBef>
-              <a:buClr>
-                <a:schemeClr val="accent1">
-                  <a:lumMod val="50000"/>
-                </a:schemeClr>
-              </a:buClr>
-              <a:buSzPct val="100000"/>
-              <a:buFont typeface="Wingdings 2" pitchFamily="18" charset="2"/>
-              <a:buChar char="¡"/>
-              <a:defRPr sz="1800" kern="1200">
-                <a:solidFill>
-                  <a:schemeClr val="tx2"/>
-                </a:solidFill>
-                <a:latin typeface="+mn-lt"/>
-                <a:ea typeface="+mn-ea"/>
-                <a:cs typeface="+mn-cs"/>
-              </a:defRPr>
-            </a:lvl4pPr>
-            <a:lvl5pPr marL="1143000" indent="-228600" algn="l" defTabSz="914400" rtl="0" eaLnBrk="1" latinLnBrk="0" hangingPunct="1">
-              <a:spcBef>
-                <a:spcPts val="600"/>
-              </a:spcBef>
-              <a:buClr>
-                <a:schemeClr val="accent1"/>
-              </a:buClr>
-              <a:buSzPct val="100000"/>
-              <a:buFont typeface="Wingdings 2" pitchFamily="18" charset="2"/>
-              <a:buChar char="¡"/>
-              <a:defRPr sz="1800" kern="1200">
-                <a:solidFill>
-                  <a:schemeClr val="tx2"/>
-                </a:solidFill>
-                <a:latin typeface="+mn-lt"/>
-                <a:ea typeface="+mn-ea"/>
-                <a:cs typeface="+mn-cs"/>
-              </a:defRPr>
-            </a:lvl5pPr>
-            <a:lvl6pPr marL="1377950" indent="-228600" algn="l" defTabSz="914400" rtl="0" eaLnBrk="1" latinLnBrk="0" hangingPunct="1">
-              <a:spcBef>
-                <a:spcPct val="20000"/>
-              </a:spcBef>
-              <a:buClr>
-                <a:schemeClr val="accent1">
-                  <a:lumMod val="50000"/>
-                </a:schemeClr>
-              </a:buClr>
-              <a:buFont typeface="Wingdings 2" pitchFamily="18" charset="2"/>
-              <a:buChar char=""/>
-              <a:defRPr lang="en-US" sz="1800" kern="1200" dirty="0" smtClean="0">
-                <a:solidFill>
-                  <a:schemeClr val="tx2"/>
-                </a:solidFill>
-                <a:latin typeface="+mn-lt"/>
-                <a:ea typeface="+mn-ea"/>
-                <a:cs typeface="+mn-cs"/>
-              </a:defRPr>
-            </a:lvl6pPr>
-            <a:lvl7pPr marL="1603375" indent="-228600" algn="l" defTabSz="914400" rtl="0" eaLnBrk="1" latinLnBrk="0" hangingPunct="1">
-              <a:spcBef>
-                <a:spcPct val="20000"/>
-              </a:spcBef>
-              <a:buClr>
-                <a:schemeClr val="accent1"/>
-              </a:buClr>
-              <a:buFont typeface="Wingdings 2" pitchFamily="18" charset="2"/>
-              <a:buChar char=""/>
-              <a:defRPr lang="en-US" sz="1800" kern="1200" dirty="0" smtClean="0">
-                <a:solidFill>
-                  <a:schemeClr val="tx2"/>
-                </a:solidFill>
-                <a:latin typeface="+mn-lt"/>
-                <a:ea typeface="+mn-ea"/>
-                <a:cs typeface="+mn-cs"/>
-              </a:defRPr>
-            </a:lvl7pPr>
-            <a:lvl8pPr marL="1830388" indent="-228600" algn="l" defTabSz="914400" rtl="0" eaLnBrk="1" latinLnBrk="0" hangingPunct="1">
-              <a:spcBef>
-                <a:spcPct val="20000"/>
-              </a:spcBef>
-              <a:buClr>
-                <a:schemeClr val="accent1">
-                  <a:lumMod val="50000"/>
-                </a:schemeClr>
-              </a:buClr>
-              <a:buFont typeface="Wingdings 2" pitchFamily="18" charset="2"/>
-              <a:buChar char=""/>
-              <a:defRPr lang="en-US" sz="1800" kern="1200" dirty="0" smtClean="0">
-                <a:solidFill>
-                  <a:schemeClr val="tx2"/>
-                </a:solidFill>
-                <a:latin typeface="+mn-lt"/>
-                <a:ea typeface="+mn-ea"/>
-                <a:cs typeface="+mn-cs"/>
-              </a:defRPr>
-            </a:lvl8pPr>
-            <a:lvl9pPr marL="2057400" indent="-228600" algn="l" defTabSz="914400" rtl="0" eaLnBrk="1" latinLnBrk="0" hangingPunct="1">
-              <a:spcBef>
-                <a:spcPct val="20000"/>
-              </a:spcBef>
-              <a:buClr>
-                <a:schemeClr val="accent1"/>
-              </a:buClr>
-              <a:buFont typeface="Wingdings 2" pitchFamily="18" charset="2"/>
-              <a:buChar char=""/>
-              <a:defRPr lang="en-US" sz="1800" kern="1200" dirty="0">
-                <a:solidFill>
-                  <a:schemeClr val="tx2"/>
-                </a:solidFill>
-                <a:latin typeface="+mn-lt"/>
-                <a:ea typeface="+mn-ea"/>
-                <a:cs typeface="+mn-cs"/>
-              </a:defRPr>
-            </a:lvl9pPr>
-          </a:lstStyle>
-          <a:p>
-            <a:pPr marL="0" marR="0" lvl="0" indent="0" algn="l" defTabSz="914400" rtl="0" eaLnBrk="1" fontAlgn="auto" latinLnBrk="0" hangingPunct="1">
-              <a:lnSpc>
-                <a:spcPct val="100000"/>
-              </a:lnSpc>
-              <a:spcBef>
-                <a:spcPts val="1800"/>
-              </a:spcBef>
-              <a:spcAft>
-                <a:spcPts val="0"/>
-              </a:spcAft>
-              <a:buClr>
-                <a:srgbClr val="990000"/>
-              </a:buClr>
-              <a:buSzPct val="100000"/>
-              <a:buNone/>
-              <a:tabLst/>
-              <a:defRPr/>
-            </a:pPr>
-            <a:r>
-              <a:rPr kumimoji="0" lang="fr-CH" sz="4400" b="1" i="0" u="none" strike="noStrike" kern="1200" cap="none" spc="0" normalizeH="0" baseline="0" noProof="0" dirty="0" smtClean="0">
-                <a:ln>
-                  <a:noFill/>
-                </a:ln>
-                <a:solidFill>
-                  <a:srgbClr val="333333"/>
-                </a:solidFill>
-                <a:effectLst/>
-                <a:uLnTx/>
-                <a:uFillTx/>
-                <a:latin typeface="Century Gothic"/>
-                <a:ea typeface=""/>
-                <a:cs typeface=""/>
-              </a:rPr>
-              <a:t>The </a:t>
-            </a:r>
-            <a:r>
-              <a:rPr kumimoji="0" lang="fr-CH" sz="4400" b="1" i="0" u="none" strike="noStrike" kern="1200" cap="none" spc="0" normalizeH="0" baseline="0" noProof="0" dirty="0" err="1" smtClean="0">
-                <a:ln>
-                  <a:noFill/>
-                </a:ln>
-                <a:solidFill>
-                  <a:srgbClr val="333333"/>
-                </a:solidFill>
-                <a:effectLst/>
-                <a:uLnTx/>
-                <a:uFillTx/>
-                <a:latin typeface="Century Gothic"/>
-                <a:ea typeface=""/>
-                <a:cs typeface=""/>
-              </a:rPr>
-              <a:t>Dataset</a:t>
-            </a:r>
-            <a:r>
-              <a:rPr lang="fr-CH" sz="4400" b="1" dirty="0">
-                <a:solidFill>
-                  <a:srgbClr val="333333"/>
-                </a:solidFill>
-                <a:latin typeface="Century Gothic"/>
-                <a:ea typeface=""/>
-                <a:cs typeface=""/>
-              </a:rPr>
-              <a:t> </a:t>
-            </a:r>
-            <a:r>
-              <a:rPr lang="fr-CH" sz="4400" b="1" dirty="0" smtClean="0">
-                <a:solidFill>
-                  <a:srgbClr val="333333"/>
-                </a:solidFill>
-                <a:latin typeface="Century Gothic"/>
-                <a:ea typeface=""/>
-                <a:cs typeface=""/>
-              </a:rPr>
-              <a:t>:</a:t>
-            </a:r>
-          </a:p>
-          <a:p>
-            <a:pPr>
-              <a:buClr>
-                <a:srgbClr val="990000"/>
-              </a:buClr>
-            </a:pPr>
-            <a:r>
-              <a:rPr lang="fr-CH" sz="3600" noProof="0" dirty="0">
-                <a:solidFill>
-                  <a:srgbClr val="333333"/>
-                </a:solidFill>
-                <a:latin typeface="Century Gothic"/>
-                <a:ea typeface=""/>
-                <a:cs typeface=""/>
-              </a:rPr>
-              <a:t> </a:t>
-            </a:r>
-            <a:r>
-              <a:rPr lang="fr-CH" sz="3600" noProof="0" dirty="0" smtClean="0">
-                <a:solidFill>
-                  <a:srgbClr val="333333"/>
-                </a:solidFill>
-                <a:latin typeface="Century Gothic"/>
-                <a:ea typeface=""/>
-                <a:cs typeface=""/>
-              </a:rPr>
-              <a:t>200 </a:t>
-            </a:r>
-            <a:r>
-              <a:rPr lang="fr-CH" sz="3600" noProof="0" dirty="0" err="1" smtClean="0">
-                <a:solidFill>
-                  <a:srgbClr val="333333"/>
-                </a:solidFill>
-                <a:latin typeface="Century Gothic"/>
-                <a:ea typeface=""/>
-                <a:cs typeface=""/>
-              </a:rPr>
-              <a:t>Years</a:t>
-            </a:r>
-            <a:r>
-              <a:rPr lang="fr-CH" sz="3600" noProof="0" dirty="0" smtClean="0">
-                <a:solidFill>
-                  <a:srgbClr val="333333"/>
-                </a:solidFill>
-                <a:latin typeface="Century Gothic"/>
-                <a:ea typeface=""/>
-                <a:cs typeface=""/>
-              </a:rPr>
-              <a:t> of </a:t>
-            </a:r>
-            <a:r>
-              <a:rPr lang="fr-CH" sz="3600" noProof="0" dirty="0" err="1" smtClean="0">
-                <a:solidFill>
-                  <a:srgbClr val="333333"/>
-                </a:solidFill>
-                <a:latin typeface="Century Gothic"/>
-                <a:ea typeface=""/>
-                <a:cs typeface=""/>
-              </a:rPr>
-              <a:t>Scanned</a:t>
-            </a:r>
-            <a:r>
-              <a:rPr lang="fr-CH" sz="3600" noProof="0" dirty="0" smtClean="0">
-                <a:solidFill>
-                  <a:srgbClr val="333333"/>
-                </a:solidFill>
-                <a:latin typeface="Century Gothic"/>
-                <a:ea typeface=""/>
-                <a:cs typeface=""/>
-              </a:rPr>
-              <a:t> archives </a:t>
-            </a:r>
-            <a:r>
-              <a:rPr lang="fr-CH" sz="3600" noProof="0" dirty="0" err="1" smtClean="0">
-                <a:solidFill>
-                  <a:srgbClr val="333333"/>
-                </a:solidFill>
-                <a:latin typeface="Century Gothic"/>
-                <a:ea typeface=""/>
-                <a:cs typeface=""/>
-              </a:rPr>
-              <a:t>from</a:t>
-            </a:r>
-            <a:r>
-              <a:rPr lang="fr-CH" sz="3600" noProof="0" dirty="0" smtClean="0">
-                <a:solidFill>
-                  <a:srgbClr val="333333"/>
-                </a:solidFill>
-                <a:latin typeface="Century Gothic"/>
-                <a:ea typeface=""/>
-                <a:cs typeface=""/>
-              </a:rPr>
-              <a:t>:</a:t>
-            </a:r>
-          </a:p>
-          <a:p>
-            <a:pPr lvl="1">
-              <a:buClr>
-                <a:srgbClr val="990000"/>
-              </a:buClr>
-            </a:pPr>
-            <a:endParaRPr kumimoji="0" lang="fr-CH" sz="3400" i="0" u="none" strike="noStrike" kern="1200" cap="none" spc="0" normalizeH="0" baseline="0" noProof="0" dirty="0">
-              <a:ln>
-                <a:noFill/>
-              </a:ln>
-              <a:solidFill>
-                <a:srgbClr val="333333"/>
-              </a:solidFill>
-              <a:effectLst/>
-              <a:uLnTx/>
-              <a:uFillTx/>
-              <a:latin typeface="Century Gothic"/>
-              <a:ea typeface=""/>
-              <a:cs typeface=""/>
-            </a:endParaRPr>
-          </a:p>
-        </p:txBody>
-      </p:sp>
       <p:pic>
         <p:nvPicPr>
           <p:cNvPr id="1026" name="Picture 2" descr="https://encrypted-tbn2.gstatic.com/images?q=tbn:ANd9GcQuFFZOWCJYRgmPkXz0VkBTUDvxREeWdZIma4mupYDgMpLxq8AnUzg1WrU"/>
@@ -3768,14 +3376,1014 @@
       </p:pic>
       <p:pic>
         <p:nvPicPr>
-          <p:cNvPr id="1032" name="Picture 8" descr="ésultat de recherche d'images pour &quot;gazette de lausanne&quot;"/>
+          <p:cNvPr id="2" name="Picture 1"/>
+          <p:cNvPicPr>
+            <a:picLocks noChangeAspect="1"/>
+          </p:cNvPicPr>
+          <p:nvPr/>
+        </p:nvPicPr>
+        <p:blipFill>
+          <a:blip r:embed="rId3">
+            <a:extLst>
+              <a:ext uri="{28A0092B-C50C-407E-A947-70E740481C1C}">
+                <a14:useLocalDpi xmlns:a14="http://schemas.microsoft.com/office/drawing/2010/main" val="0"/>
+              </a:ext>
+            </a:extLst>
+          </a:blip>
+          <a:stretch>
+            <a:fillRect/>
+          </a:stretch>
+        </p:blipFill>
+        <p:spPr>
+          <a:xfrm>
+            <a:off x="888657" y="6598327"/>
+            <a:ext cx="5323030" cy="738044"/>
+          </a:xfrm>
+          <a:prstGeom prst="rect">
+            <a:avLst/>
+          </a:prstGeom>
+        </p:spPr>
+      </p:pic>
+      <p:sp>
+        <p:nvSpPr>
+          <p:cNvPr id="9" name="TextBox 8"/>
+          <p:cNvSpPr txBox="1"/>
+          <p:nvPr/>
+        </p:nvSpPr>
+        <p:spPr>
+          <a:xfrm>
+            <a:off x="16381862" y="2260600"/>
+            <a:ext cx="13360401" cy="8956298"/>
+          </a:xfrm>
+          <a:prstGeom prst="rect">
+            <a:avLst/>
+          </a:prstGeom>
+          <a:noFill/>
+        </p:spPr>
+        <p:txBody>
+          <a:bodyPr wrap="square" rtlCol="0">
+            <a:spAutoFit/>
+          </a:bodyPr>
+          <a:lstStyle/>
+          <a:p>
+            <a:pPr>
+              <a:buClr>
+                <a:srgbClr val="990000"/>
+              </a:buClr>
+            </a:pPr>
+            <a:r>
+              <a:rPr lang="fr-CH" sz="4800" b="1" dirty="0" smtClean="0">
+                <a:solidFill>
+                  <a:srgbClr val="333333"/>
+                </a:solidFill>
+                <a:latin typeface="Century Gothic"/>
+              </a:rPr>
+              <a:t>Data Extraction:</a:t>
+            </a:r>
+          </a:p>
+          <a:p>
+            <a:pPr marL="914400" indent="-914400">
+              <a:buClr>
+                <a:srgbClr val="990000"/>
+              </a:buClr>
+              <a:buFont typeface="+mj-lt"/>
+              <a:buAutoNum type="arabicPeriod"/>
+            </a:pPr>
+            <a:r>
+              <a:rPr lang="fr-CH" sz="4000" dirty="0" err="1" smtClean="0">
+                <a:solidFill>
+                  <a:srgbClr val="333333"/>
+                </a:solidFill>
+                <a:latin typeface="Century Gothic"/>
+              </a:rPr>
+              <a:t>Removal</a:t>
+            </a:r>
+            <a:r>
+              <a:rPr lang="fr-CH" sz="4000" dirty="0" smtClean="0">
+                <a:solidFill>
+                  <a:srgbClr val="333333"/>
+                </a:solidFill>
+                <a:latin typeface="Century Gothic"/>
+              </a:rPr>
+              <a:t> of </a:t>
+            </a:r>
+            <a:r>
+              <a:rPr lang="fr-CH" sz="4000" dirty="0" err="1" smtClean="0">
+                <a:solidFill>
+                  <a:srgbClr val="333333"/>
+                </a:solidFill>
+                <a:latin typeface="Century Gothic"/>
+              </a:rPr>
+              <a:t>punctuation</a:t>
+            </a:r>
+            <a:endParaRPr lang="fr-CH" sz="4000" dirty="0" smtClean="0">
+              <a:solidFill>
+                <a:srgbClr val="333333"/>
+              </a:solidFill>
+              <a:latin typeface="Century Gothic"/>
+            </a:endParaRPr>
+          </a:p>
+          <a:p>
+            <a:pPr marL="914400" indent="-914400">
+              <a:buClr>
+                <a:srgbClr val="990000"/>
+              </a:buClr>
+              <a:buFont typeface="+mj-lt"/>
+              <a:buAutoNum type="arabicPeriod"/>
+            </a:pPr>
+            <a:r>
+              <a:rPr lang="fr-CH" sz="4000" dirty="0" err="1" smtClean="0">
+                <a:solidFill>
+                  <a:srgbClr val="333333"/>
+                </a:solidFill>
+                <a:latin typeface="Century Gothic"/>
+              </a:rPr>
+              <a:t>Removal</a:t>
+            </a:r>
+            <a:r>
+              <a:rPr lang="fr-CH" sz="4000" dirty="0" smtClean="0">
+                <a:solidFill>
+                  <a:srgbClr val="333333"/>
+                </a:solidFill>
+                <a:latin typeface="Century Gothic"/>
+              </a:rPr>
+              <a:t> of French stop </a:t>
+            </a:r>
+            <a:r>
+              <a:rPr lang="fr-CH" sz="4000" dirty="0" err="1" smtClean="0">
+                <a:solidFill>
+                  <a:srgbClr val="333333"/>
+                </a:solidFill>
+                <a:latin typeface="Century Gothic"/>
+              </a:rPr>
+              <a:t>words</a:t>
+            </a:r>
+            <a:endParaRPr lang="fr-CH" sz="4000" dirty="0" smtClean="0">
+              <a:solidFill>
+                <a:srgbClr val="333333"/>
+              </a:solidFill>
+              <a:latin typeface="Century Gothic"/>
+            </a:endParaRPr>
+          </a:p>
+          <a:p>
+            <a:pPr marL="914400" indent="-914400">
+              <a:buClr>
+                <a:srgbClr val="990000"/>
+              </a:buClr>
+              <a:buFont typeface="+mj-lt"/>
+              <a:buAutoNum type="arabicPeriod"/>
+            </a:pPr>
+            <a:r>
+              <a:rPr lang="fr-CH" sz="4000" dirty="0" smtClean="0">
+                <a:solidFill>
+                  <a:srgbClr val="333333"/>
+                </a:solidFill>
+                <a:latin typeface="Century Gothic"/>
+              </a:rPr>
+              <a:t>Custom NLTK </a:t>
+            </a:r>
+            <a:r>
+              <a:rPr lang="fr-CH" sz="4000" dirty="0" err="1" smtClean="0">
+                <a:solidFill>
+                  <a:srgbClr val="333333"/>
+                </a:solidFill>
+                <a:latin typeface="Century Gothic"/>
+              </a:rPr>
+              <a:t>processing</a:t>
+            </a:r>
+            <a:r>
+              <a:rPr lang="fr-CH" sz="4000" dirty="0" smtClean="0">
+                <a:solidFill>
+                  <a:srgbClr val="333333"/>
+                </a:solidFill>
+                <a:latin typeface="Century Gothic"/>
+              </a:rPr>
+              <a:t>:</a:t>
+            </a:r>
+          </a:p>
+          <a:p>
+            <a:pPr marL="2668188" lvl="1" indent="-914400">
+              <a:buClr>
+                <a:srgbClr val="990000"/>
+              </a:buClr>
+              <a:buFont typeface="Arial" charset="0"/>
+              <a:buChar char="•"/>
+            </a:pPr>
+            <a:r>
+              <a:rPr lang="fr-CH" sz="4000" dirty="0" err="1" smtClean="0">
+                <a:solidFill>
+                  <a:srgbClr val="333333"/>
+                </a:solidFill>
+                <a:latin typeface="Century Gothic"/>
+              </a:rPr>
+              <a:t>Singular</a:t>
+            </a:r>
+            <a:r>
+              <a:rPr lang="fr-CH" sz="4000" dirty="0" smtClean="0">
+                <a:solidFill>
+                  <a:srgbClr val="333333"/>
+                </a:solidFill>
+                <a:latin typeface="Century Gothic"/>
+              </a:rPr>
+              <a:t> / Plural</a:t>
+            </a:r>
+          </a:p>
+          <a:p>
+            <a:pPr marL="2668188" lvl="1" indent="-914400">
+              <a:buClr>
+                <a:srgbClr val="990000"/>
+              </a:buClr>
+              <a:buFont typeface="Arial" charset="0"/>
+              <a:buChar char="•"/>
+            </a:pPr>
+            <a:r>
+              <a:rPr lang="fr-CH" sz="4000" dirty="0" smtClean="0">
+                <a:solidFill>
+                  <a:srgbClr val="333333"/>
+                </a:solidFill>
+                <a:latin typeface="Century Gothic"/>
+              </a:rPr>
+              <a:t>Masculin / Féminin</a:t>
+            </a:r>
+          </a:p>
+          <a:p>
+            <a:pPr marL="2668188" lvl="1" indent="-914400">
+              <a:buClr>
+                <a:srgbClr val="990000"/>
+              </a:buClr>
+              <a:buFont typeface="Arial" charset="0"/>
+              <a:buChar char="•"/>
+            </a:pPr>
+            <a:r>
+              <a:rPr lang="fr-CH" sz="4000" dirty="0" err="1" smtClean="0">
+                <a:solidFill>
+                  <a:srgbClr val="333333"/>
+                </a:solidFill>
+                <a:latin typeface="Century Gothic"/>
+              </a:rPr>
+              <a:t>Verbs</a:t>
+            </a:r>
+            <a:r>
+              <a:rPr lang="fr-CH" sz="4000" dirty="0" smtClean="0">
+                <a:solidFill>
+                  <a:srgbClr val="333333"/>
+                </a:solidFill>
+                <a:latin typeface="Century Gothic"/>
+              </a:rPr>
+              <a:t> and </a:t>
+            </a:r>
+            <a:r>
+              <a:rPr lang="fr-CH" sz="4000" dirty="0" err="1" smtClean="0">
+                <a:solidFill>
+                  <a:srgbClr val="333333"/>
+                </a:solidFill>
+                <a:latin typeface="Century Gothic"/>
+              </a:rPr>
+              <a:t>their</a:t>
+            </a:r>
+            <a:r>
+              <a:rPr lang="fr-CH" sz="4000" dirty="0" smtClean="0">
+                <a:solidFill>
+                  <a:srgbClr val="333333"/>
+                </a:solidFill>
+                <a:latin typeface="Century Gothic"/>
+              </a:rPr>
+              <a:t> </a:t>
+            </a:r>
+            <a:r>
+              <a:rPr lang="fr-CH" sz="4000" dirty="0" err="1" smtClean="0">
+                <a:solidFill>
+                  <a:srgbClr val="333333"/>
+                </a:solidFill>
+                <a:latin typeface="Century Gothic"/>
+              </a:rPr>
+              <a:t>conjugations</a:t>
+            </a:r>
+            <a:r>
+              <a:rPr lang="fr-CH" sz="4000" dirty="0">
+                <a:solidFill>
+                  <a:srgbClr val="333333"/>
+                </a:solidFill>
+                <a:latin typeface="Century Gothic"/>
+              </a:rPr>
+              <a:t> </a:t>
+            </a:r>
+          </a:p>
+          <a:p>
+            <a:pPr marL="2668188" lvl="1" indent="-914400">
+              <a:buClr>
+                <a:srgbClr val="990000"/>
+              </a:buClr>
+              <a:buFont typeface="Arial" charset="0"/>
+              <a:buChar char="•"/>
+            </a:pPr>
+            <a:r>
+              <a:rPr lang="fr-CH" sz="4000" dirty="0" err="1" smtClean="0">
+                <a:solidFill>
+                  <a:srgbClr val="333333"/>
+                </a:solidFill>
+                <a:latin typeface="Century Gothic"/>
+              </a:rPr>
+              <a:t>Adverbs</a:t>
+            </a:r>
+            <a:r>
+              <a:rPr lang="fr-CH" sz="4000" dirty="0" smtClean="0">
+                <a:solidFill>
+                  <a:srgbClr val="333333"/>
+                </a:solidFill>
+                <a:latin typeface="Century Gothic"/>
+              </a:rPr>
+              <a:t> + Noun</a:t>
+            </a:r>
+          </a:p>
+          <a:p>
+            <a:pPr marL="914400" indent="-914400">
+              <a:buClr>
+                <a:srgbClr val="990000"/>
+              </a:buClr>
+              <a:buFont typeface="+mj-lt"/>
+              <a:buAutoNum type="arabicPeriod"/>
+            </a:pPr>
+            <a:endParaRPr lang="fr-CH" sz="4000" dirty="0">
+              <a:solidFill>
+                <a:srgbClr val="333333"/>
+              </a:solidFill>
+              <a:latin typeface="Century Gothic"/>
+            </a:endParaRPr>
+          </a:p>
+          <a:p>
+            <a:pPr marL="914400" indent="-914400">
+              <a:buClr>
+                <a:srgbClr val="990000"/>
+              </a:buClr>
+              <a:buFont typeface="+mj-lt"/>
+              <a:buAutoNum type="arabicPeriod"/>
+            </a:pPr>
+            <a:r>
+              <a:rPr lang="fr-CH" sz="4000" dirty="0" err="1" smtClean="0">
+                <a:solidFill>
+                  <a:srgbClr val="333333"/>
+                </a:solidFill>
+                <a:latin typeface="Century Gothic"/>
+              </a:rPr>
+              <a:t>Removal</a:t>
+            </a:r>
+            <a:r>
+              <a:rPr lang="fr-CH" sz="4000" dirty="0" smtClean="0">
+                <a:solidFill>
+                  <a:srgbClr val="333333"/>
+                </a:solidFill>
+                <a:latin typeface="Century Gothic"/>
+              </a:rPr>
+              <a:t> of </a:t>
+            </a:r>
+            <a:r>
+              <a:rPr lang="fr-CH" sz="4000" dirty="0" err="1" smtClean="0">
+                <a:solidFill>
+                  <a:srgbClr val="333333"/>
+                </a:solidFill>
+                <a:latin typeface="Century Gothic"/>
+              </a:rPr>
+              <a:t>words</a:t>
+            </a:r>
+            <a:r>
+              <a:rPr lang="fr-CH" sz="4000" dirty="0" smtClean="0">
+                <a:solidFill>
+                  <a:srgbClr val="333333"/>
+                </a:solidFill>
+                <a:latin typeface="Century Gothic"/>
+              </a:rPr>
+              <a:t> </a:t>
+            </a:r>
+            <a:r>
+              <a:rPr lang="fr-CH" sz="4000" dirty="0" err="1" smtClean="0">
+                <a:solidFill>
+                  <a:srgbClr val="333333"/>
+                </a:solidFill>
+                <a:latin typeface="Century Gothic"/>
+              </a:rPr>
+              <a:t>that</a:t>
+            </a:r>
+            <a:r>
+              <a:rPr lang="fr-CH" sz="4000" dirty="0" smtClean="0">
+                <a:solidFill>
+                  <a:srgbClr val="333333"/>
+                </a:solidFill>
+                <a:latin typeface="Century Gothic"/>
+              </a:rPr>
+              <a:t> </a:t>
+            </a:r>
+            <a:r>
+              <a:rPr lang="fr-CH" sz="4000" dirty="0" err="1" smtClean="0">
+                <a:solidFill>
+                  <a:srgbClr val="333333"/>
+                </a:solidFill>
+                <a:latin typeface="Century Gothic"/>
+              </a:rPr>
+              <a:t>were</a:t>
+            </a:r>
+            <a:r>
+              <a:rPr lang="fr-CH" sz="4000" dirty="0" smtClean="0">
+                <a:solidFill>
+                  <a:srgbClr val="333333"/>
+                </a:solidFill>
+                <a:latin typeface="Century Gothic"/>
+              </a:rPr>
+              <a:t> not </a:t>
+            </a:r>
+            <a:r>
+              <a:rPr lang="fr-CH" sz="4000" dirty="0" err="1" smtClean="0">
+                <a:solidFill>
+                  <a:srgbClr val="333333"/>
+                </a:solidFill>
+                <a:latin typeface="Century Gothic"/>
+              </a:rPr>
+              <a:t>present</a:t>
+            </a:r>
+            <a:r>
+              <a:rPr lang="fr-CH" sz="4000" dirty="0" smtClean="0">
+                <a:solidFill>
+                  <a:srgbClr val="333333"/>
+                </a:solidFill>
+                <a:latin typeface="Century Gothic"/>
+              </a:rPr>
+              <a:t> </a:t>
+            </a:r>
+            <a:r>
+              <a:rPr lang="fr-CH" sz="4000" dirty="0" err="1" smtClean="0">
+                <a:solidFill>
+                  <a:srgbClr val="333333"/>
+                </a:solidFill>
+                <a:latin typeface="Century Gothic"/>
+              </a:rPr>
+              <a:t>enough</a:t>
+            </a:r>
+            <a:endParaRPr lang="fr-CH" sz="4000" dirty="0" smtClean="0">
+              <a:solidFill>
+                <a:srgbClr val="333333"/>
+              </a:solidFill>
+              <a:latin typeface="Century Gothic"/>
+            </a:endParaRPr>
+          </a:p>
+          <a:p>
+            <a:pPr>
+              <a:buClr>
+                <a:srgbClr val="990000"/>
+              </a:buClr>
+            </a:pPr>
+            <a:endParaRPr lang="fr-CH" sz="4000" b="1" dirty="0">
+              <a:solidFill>
+                <a:srgbClr val="333333"/>
+              </a:solidFill>
+              <a:latin typeface="Century Gothic"/>
+            </a:endParaRPr>
+          </a:p>
+          <a:p>
+            <a:pPr>
+              <a:buClr>
+                <a:srgbClr val="990000"/>
+              </a:buClr>
+            </a:pPr>
+            <a:r>
+              <a:rPr lang="fr-CH" sz="4000" b="1" dirty="0" err="1" smtClean="0">
+                <a:solidFill>
+                  <a:srgbClr val="333333"/>
+                </a:solidFill>
+                <a:latin typeface="Century Gothic"/>
+              </a:rPr>
+              <a:t>Result</a:t>
+            </a:r>
+            <a:r>
+              <a:rPr lang="fr-CH" sz="4000" b="1" dirty="0" smtClean="0">
+                <a:solidFill>
+                  <a:srgbClr val="333333"/>
+                </a:solidFill>
+                <a:latin typeface="Century Gothic"/>
+              </a:rPr>
+              <a:t>: </a:t>
+            </a:r>
+            <a:r>
+              <a:rPr lang="fr-CH" sz="4000" dirty="0" smtClean="0">
+                <a:solidFill>
+                  <a:srgbClr val="333333"/>
+                </a:solidFill>
+                <a:latin typeface="Century Gothic"/>
+              </a:rPr>
+              <a:t>Time </a:t>
+            </a:r>
+            <a:r>
+              <a:rPr lang="fr-CH" sz="4000" dirty="0" err="1" smtClean="0">
+                <a:solidFill>
+                  <a:srgbClr val="333333"/>
+                </a:solidFill>
+                <a:latin typeface="Century Gothic"/>
+              </a:rPr>
+              <a:t>serie</a:t>
+            </a:r>
+            <a:r>
+              <a:rPr lang="fr-CH" sz="4000" dirty="0" smtClean="0">
+                <a:solidFill>
+                  <a:srgbClr val="333333"/>
+                </a:solidFill>
+                <a:latin typeface="Century Gothic"/>
+              </a:rPr>
+              <a:t> of the </a:t>
+            </a:r>
+            <a:r>
+              <a:rPr lang="fr-CH" sz="4000" dirty="0" err="1" smtClean="0">
+                <a:solidFill>
+                  <a:srgbClr val="333333"/>
+                </a:solidFill>
+                <a:latin typeface="Century Gothic"/>
+              </a:rPr>
+              <a:t>frequency</a:t>
+            </a:r>
+            <a:r>
+              <a:rPr lang="fr-CH" sz="4000" dirty="0" smtClean="0">
+                <a:solidFill>
+                  <a:srgbClr val="333333"/>
+                </a:solidFill>
+                <a:latin typeface="Century Gothic"/>
+              </a:rPr>
+              <a:t> of </a:t>
+            </a:r>
+            <a:r>
+              <a:rPr lang="fr-CH" sz="4000" dirty="0" err="1" smtClean="0">
+                <a:solidFill>
+                  <a:srgbClr val="333333"/>
+                </a:solidFill>
+                <a:latin typeface="Century Gothic"/>
+              </a:rPr>
+              <a:t>each</a:t>
+            </a:r>
+            <a:r>
+              <a:rPr lang="fr-CH" sz="4000" dirty="0" smtClean="0">
+                <a:solidFill>
+                  <a:srgbClr val="333333"/>
+                </a:solidFill>
+                <a:latin typeface="Century Gothic"/>
+              </a:rPr>
+              <a:t> </a:t>
+            </a:r>
+            <a:r>
+              <a:rPr lang="fr-CH" sz="4000" dirty="0" err="1" smtClean="0">
+                <a:solidFill>
+                  <a:srgbClr val="333333"/>
+                </a:solidFill>
+                <a:latin typeface="Century Gothic"/>
+              </a:rPr>
+              <a:t>word</a:t>
+            </a:r>
+            <a:endParaRPr lang="fr-CH" sz="4000" b="1" dirty="0" smtClean="0">
+              <a:solidFill>
+                <a:srgbClr val="333333"/>
+              </a:solidFill>
+              <a:latin typeface="Century Gothic"/>
+            </a:endParaRPr>
+          </a:p>
+          <a:p>
+            <a:pPr marL="2668188" lvl="1" indent="-914400">
+              <a:buClr>
+                <a:srgbClr val="990000"/>
+              </a:buClr>
+              <a:buFont typeface="+mj-lt"/>
+              <a:buAutoNum type="arabicPeriod"/>
+            </a:pPr>
+            <a:endParaRPr lang="fr-CH" sz="4000" dirty="0" smtClean="0">
+              <a:solidFill>
+                <a:srgbClr val="333333"/>
+              </a:solidFill>
+              <a:latin typeface="Century Gothic"/>
+            </a:endParaRPr>
+          </a:p>
+          <a:p>
+            <a:pPr marL="914400" indent="-914400">
+              <a:buClr>
+                <a:srgbClr val="990000"/>
+              </a:buClr>
+              <a:buFont typeface="+mj-lt"/>
+              <a:buAutoNum type="arabicPeriod"/>
+            </a:pPr>
+            <a:endParaRPr lang="fr-CH" sz="4800" b="1" dirty="0">
+              <a:solidFill>
+                <a:srgbClr val="333333"/>
+              </a:solidFill>
+              <a:latin typeface="Century Gothic"/>
+            </a:endParaRPr>
+          </a:p>
+        </p:txBody>
+      </p:sp>
+      <p:sp>
+        <p:nvSpPr>
+          <p:cNvPr id="12" name="TextBox 11"/>
+          <p:cNvSpPr txBox="1"/>
+          <p:nvPr/>
+        </p:nvSpPr>
+        <p:spPr>
+          <a:xfrm>
+            <a:off x="888657" y="2260600"/>
+            <a:ext cx="13716000" cy="8340745"/>
+          </a:xfrm>
+          <a:prstGeom prst="rect">
+            <a:avLst/>
+          </a:prstGeom>
+          <a:noFill/>
+        </p:spPr>
+        <p:txBody>
+          <a:bodyPr wrap="square" rtlCol="0">
+            <a:spAutoFit/>
+          </a:bodyPr>
+          <a:lstStyle/>
+          <a:p>
+            <a:pPr>
+              <a:buClr>
+                <a:srgbClr val="990000"/>
+              </a:buClr>
+            </a:pPr>
+            <a:r>
+              <a:rPr lang="fr-CH" sz="4800" b="1" dirty="0" smtClean="0">
+                <a:solidFill>
+                  <a:srgbClr val="333333"/>
+                </a:solidFill>
+                <a:latin typeface="Century Gothic"/>
+              </a:rPr>
+              <a:t>The </a:t>
+            </a:r>
+            <a:r>
+              <a:rPr lang="fr-CH" sz="4800" b="1" dirty="0" err="1" smtClean="0">
+                <a:solidFill>
+                  <a:srgbClr val="333333"/>
+                </a:solidFill>
+                <a:latin typeface="Century Gothic"/>
+              </a:rPr>
+              <a:t>Dataset</a:t>
+            </a:r>
+            <a:r>
+              <a:rPr lang="fr-CH" sz="4800" b="1" dirty="0" smtClean="0">
+                <a:solidFill>
+                  <a:srgbClr val="333333"/>
+                </a:solidFill>
+                <a:latin typeface="Century Gothic"/>
+              </a:rPr>
+              <a:t>:</a:t>
+            </a:r>
+          </a:p>
+          <a:p>
+            <a:pPr>
+              <a:buClr>
+                <a:srgbClr val="990000"/>
+              </a:buClr>
+            </a:pPr>
+            <a:r>
+              <a:rPr lang="fr-CH" sz="4000" dirty="0" smtClean="0">
+                <a:solidFill>
+                  <a:srgbClr val="333333"/>
+                </a:solidFill>
+                <a:latin typeface="Century Gothic"/>
+              </a:rPr>
+              <a:t>200 </a:t>
+            </a:r>
+            <a:r>
+              <a:rPr lang="fr-CH" sz="4000" dirty="0" err="1" smtClean="0">
+                <a:solidFill>
+                  <a:srgbClr val="333333"/>
+                </a:solidFill>
+                <a:latin typeface="Century Gothic"/>
+              </a:rPr>
+              <a:t>years</a:t>
+            </a:r>
+            <a:r>
+              <a:rPr lang="fr-CH" sz="4000" dirty="0" smtClean="0">
+                <a:solidFill>
+                  <a:srgbClr val="333333"/>
+                </a:solidFill>
+                <a:latin typeface="Century Gothic"/>
+              </a:rPr>
+              <a:t> of </a:t>
+            </a:r>
+            <a:r>
+              <a:rPr lang="fr-CH" sz="4000" dirty="0" err="1" smtClean="0">
+                <a:solidFill>
+                  <a:srgbClr val="333333"/>
+                </a:solidFill>
+                <a:latin typeface="Century Gothic"/>
+              </a:rPr>
+              <a:t>daily</a:t>
+            </a:r>
+            <a:r>
+              <a:rPr lang="fr-CH" sz="4000" dirty="0" smtClean="0">
+                <a:solidFill>
+                  <a:srgbClr val="333333"/>
+                </a:solidFill>
+                <a:latin typeface="Century Gothic"/>
+              </a:rPr>
+              <a:t> articles </a:t>
+            </a:r>
+            <a:r>
+              <a:rPr lang="fr-CH" sz="4000" dirty="0" err="1" smtClean="0">
+                <a:solidFill>
+                  <a:srgbClr val="333333"/>
+                </a:solidFill>
+                <a:latin typeface="Century Gothic"/>
+              </a:rPr>
+              <a:t>from</a:t>
+            </a:r>
+            <a:r>
+              <a:rPr lang="fr-CH" sz="4000" dirty="0" smtClean="0">
+                <a:solidFill>
+                  <a:srgbClr val="333333"/>
+                </a:solidFill>
+                <a:latin typeface="Century Gothic"/>
+              </a:rPr>
+              <a:t>:</a:t>
+            </a:r>
+          </a:p>
+          <a:p>
+            <a:pPr>
+              <a:buClr>
+                <a:srgbClr val="990000"/>
+              </a:buClr>
+            </a:pPr>
+            <a:endParaRPr lang="fr-CH" sz="4000" dirty="0">
+              <a:solidFill>
+                <a:srgbClr val="333333"/>
+              </a:solidFill>
+              <a:latin typeface="Century Gothic"/>
+            </a:endParaRPr>
+          </a:p>
+          <a:p>
+            <a:pPr>
+              <a:buClr>
+                <a:srgbClr val="990000"/>
+              </a:buClr>
+            </a:pPr>
+            <a:endParaRPr lang="fr-CH" sz="4000" dirty="0" smtClean="0">
+              <a:solidFill>
+                <a:srgbClr val="333333"/>
+              </a:solidFill>
+              <a:latin typeface="Century Gothic"/>
+            </a:endParaRPr>
+          </a:p>
+          <a:p>
+            <a:pPr>
+              <a:buClr>
+                <a:srgbClr val="990000"/>
+              </a:buClr>
+            </a:pPr>
+            <a:r>
+              <a:rPr lang="fr-CH" sz="4000" dirty="0" smtClean="0">
+                <a:solidFill>
+                  <a:srgbClr val="333333"/>
+                </a:solidFill>
+                <a:latin typeface="Century Gothic"/>
+              </a:rPr>
+              <a:t> 	                Publication dates: 1798 </a:t>
+            </a:r>
+            <a:r>
+              <a:rPr lang="mr-IN" sz="4000" dirty="0" smtClean="0">
+                <a:solidFill>
+                  <a:srgbClr val="333333"/>
+                </a:solidFill>
+                <a:latin typeface="Century Gothic"/>
+              </a:rPr>
+              <a:t>–</a:t>
+            </a:r>
+            <a:r>
+              <a:rPr lang="fr-CH" sz="4000" dirty="0" smtClean="0">
+                <a:solidFill>
+                  <a:srgbClr val="333333"/>
+                </a:solidFill>
+                <a:latin typeface="Century Gothic"/>
+              </a:rPr>
+              <a:t> 1998</a:t>
+            </a:r>
+          </a:p>
+          <a:p>
+            <a:pPr>
+              <a:buClr>
+                <a:srgbClr val="990000"/>
+              </a:buClr>
+            </a:pPr>
+            <a:endParaRPr lang="fr-CH" sz="4000" dirty="0">
+              <a:solidFill>
+                <a:srgbClr val="333333"/>
+              </a:solidFill>
+              <a:latin typeface="Century Gothic"/>
+            </a:endParaRPr>
+          </a:p>
+          <a:p>
+            <a:pPr>
+              <a:buClr>
+                <a:srgbClr val="990000"/>
+              </a:buClr>
+            </a:pPr>
+            <a:r>
+              <a:rPr lang="fr-CH" sz="4000" dirty="0" smtClean="0">
+                <a:solidFill>
+                  <a:srgbClr val="333333"/>
+                </a:solidFill>
+                <a:latin typeface="Century Gothic"/>
+              </a:rPr>
+              <a:t>	</a:t>
+            </a:r>
+          </a:p>
+          <a:p>
+            <a:pPr>
+              <a:buClr>
+                <a:srgbClr val="990000"/>
+              </a:buClr>
+            </a:pPr>
+            <a:r>
+              <a:rPr lang="fr-CH" sz="4000" dirty="0">
+                <a:solidFill>
+                  <a:srgbClr val="333333"/>
+                </a:solidFill>
+                <a:latin typeface="Century Gothic"/>
+              </a:rPr>
+              <a:t>	 </a:t>
+            </a:r>
+            <a:r>
+              <a:rPr lang="fr-CH" sz="4000" dirty="0" smtClean="0">
+                <a:solidFill>
+                  <a:srgbClr val="333333"/>
+                </a:solidFill>
+                <a:latin typeface="Century Gothic"/>
+              </a:rPr>
+              <a:t>               Publication dates: 1826 </a:t>
+            </a:r>
+            <a:r>
+              <a:rPr lang="mr-IN" sz="4000" dirty="0" smtClean="0">
+                <a:solidFill>
+                  <a:srgbClr val="333333"/>
+                </a:solidFill>
+                <a:latin typeface="Century Gothic"/>
+              </a:rPr>
+              <a:t>–</a:t>
+            </a:r>
+            <a:r>
+              <a:rPr lang="fr-CH" sz="4000" dirty="0" smtClean="0">
+                <a:solidFill>
+                  <a:srgbClr val="333333"/>
+                </a:solidFill>
+                <a:latin typeface="Century Gothic"/>
+              </a:rPr>
+              <a:t> 1998</a:t>
+            </a:r>
+          </a:p>
+          <a:p>
+            <a:pPr>
+              <a:buClr>
+                <a:srgbClr val="990000"/>
+              </a:buClr>
+            </a:pPr>
+            <a:endParaRPr lang="fr-CH" sz="4000" dirty="0">
+              <a:solidFill>
+                <a:srgbClr val="333333"/>
+              </a:solidFill>
+              <a:latin typeface="Century Gothic"/>
+            </a:endParaRPr>
+          </a:p>
+          <a:p>
+            <a:pPr>
+              <a:buClr>
+                <a:srgbClr val="990000"/>
+              </a:buClr>
+            </a:pPr>
+            <a:endParaRPr lang="fr-CH" sz="4000" b="1" dirty="0" smtClean="0">
+              <a:solidFill>
+                <a:srgbClr val="333333"/>
+              </a:solidFill>
+              <a:latin typeface="Century Gothic"/>
+            </a:endParaRPr>
+          </a:p>
+          <a:p>
+            <a:pPr>
+              <a:buClr>
+                <a:srgbClr val="990000"/>
+              </a:buClr>
+            </a:pPr>
+            <a:r>
+              <a:rPr lang="fr-CH" sz="4000" b="1" dirty="0" smtClean="0">
+                <a:solidFill>
+                  <a:srgbClr val="333333"/>
+                </a:solidFill>
+                <a:latin typeface="Century Gothic"/>
+              </a:rPr>
+              <a:t>Extraction: </a:t>
+            </a:r>
+            <a:r>
+              <a:rPr lang="fr-CH" sz="4000" dirty="0" err="1" smtClean="0">
+                <a:solidFill>
+                  <a:srgbClr val="333333"/>
+                </a:solidFill>
+                <a:latin typeface="Century Gothic"/>
+              </a:rPr>
+              <a:t>Counting</a:t>
+            </a:r>
+            <a:r>
+              <a:rPr lang="fr-CH" sz="4000" dirty="0" smtClean="0">
+                <a:solidFill>
+                  <a:srgbClr val="333333"/>
+                </a:solidFill>
+                <a:latin typeface="Century Gothic"/>
+              </a:rPr>
+              <a:t> the 3000+ </a:t>
+            </a:r>
+            <a:r>
+              <a:rPr lang="fr-CH" sz="4000" dirty="0" err="1" smtClean="0">
+                <a:solidFill>
+                  <a:srgbClr val="333333"/>
+                </a:solidFill>
+                <a:latin typeface="Century Gothic"/>
+              </a:rPr>
+              <a:t>most</a:t>
+            </a:r>
+            <a:r>
+              <a:rPr lang="fr-CH" sz="4000" dirty="0" smtClean="0">
+                <a:solidFill>
+                  <a:srgbClr val="333333"/>
+                </a:solidFill>
+                <a:latin typeface="Century Gothic"/>
+              </a:rPr>
+              <a:t> </a:t>
+            </a:r>
+            <a:r>
+              <a:rPr lang="fr-CH" sz="4000" dirty="0" err="1" smtClean="0">
+                <a:solidFill>
+                  <a:srgbClr val="333333"/>
+                </a:solidFill>
+                <a:latin typeface="Century Gothic"/>
+              </a:rPr>
+              <a:t>frequent</a:t>
+            </a:r>
+            <a:r>
+              <a:rPr lang="fr-CH" sz="4000" dirty="0" smtClean="0">
+                <a:solidFill>
+                  <a:srgbClr val="333333"/>
+                </a:solidFill>
+                <a:latin typeface="Century Gothic"/>
+              </a:rPr>
+              <a:t> </a:t>
+            </a:r>
+            <a:r>
+              <a:rPr lang="fr-CH" sz="4000" dirty="0" err="1" smtClean="0">
+                <a:solidFill>
+                  <a:srgbClr val="333333"/>
+                </a:solidFill>
+                <a:latin typeface="Century Gothic"/>
+              </a:rPr>
+              <a:t>words</a:t>
+            </a:r>
+            <a:r>
+              <a:rPr lang="fr-CH" sz="4000" dirty="0" smtClean="0">
+                <a:solidFill>
+                  <a:srgbClr val="333333"/>
+                </a:solidFill>
+                <a:latin typeface="Century Gothic"/>
+              </a:rPr>
+              <a:t> per </a:t>
+            </a:r>
+            <a:r>
+              <a:rPr lang="fr-CH" sz="4000" dirty="0" err="1" smtClean="0">
+                <a:solidFill>
+                  <a:srgbClr val="333333"/>
+                </a:solidFill>
+                <a:latin typeface="Century Gothic"/>
+              </a:rPr>
+              <a:t>month</a:t>
+            </a:r>
+            <a:endParaRPr lang="fr-CH" sz="4000" b="1" dirty="0" smtClean="0">
+              <a:solidFill>
+                <a:srgbClr val="333333"/>
+              </a:solidFill>
+              <a:latin typeface="Century Gothic"/>
+            </a:endParaRPr>
+          </a:p>
+          <a:p>
+            <a:pPr>
+              <a:buClr>
+                <a:srgbClr val="990000"/>
+              </a:buClr>
+            </a:pPr>
+            <a:endParaRPr lang="fr-CH" sz="4800" dirty="0">
+              <a:solidFill>
+                <a:srgbClr val="333333"/>
+              </a:solidFill>
+              <a:latin typeface="Century Gothic"/>
+            </a:endParaRPr>
+          </a:p>
+        </p:txBody>
+      </p:sp>
+      <p:pic>
+        <p:nvPicPr>
+          <p:cNvPr id="13" name="Picture 8" descr="ésultat de recherche d'images pour &quot;gazette de lausanne&quot;"/>
           <p:cNvPicPr>
             <a:picLocks noChangeAspect="1" noChangeArrowheads="1"/>
           </p:cNvPicPr>
           <p:nvPr/>
         </p:nvPicPr>
         <p:blipFill>
-          <a:blip r:embed="rId3">
+          <a:blip r:embed="rId4">
             <a:extLst>
               <a:ext uri="{28A0092B-C50C-407E-A947-70E740481C1C}">
                 <a14:useLocalDpi xmlns:a14="http://schemas.microsoft.com/office/drawing/2010/main" val="0"/>
@@ -3789,8 +4397,8 @@
         </p:blipFill>
         <p:spPr bwMode="auto">
           <a:xfrm>
-            <a:off x="1152525" y="4022725"/>
-            <a:ext cx="7229475" cy="1809750"/>
+            <a:off x="888657" y="4468735"/>
+            <a:ext cx="5070474" cy="1382943"/>
           </a:xfrm>
           <a:prstGeom prst="rect">
             <a:avLst/>
@@ -3807,36 +4415,78 @@
           </a:extLst>
         </p:spPr>
       </p:pic>
-      <p:pic>
-        <p:nvPicPr>
-          <p:cNvPr id="2" name="Picture 1"/>
-          <p:cNvPicPr>
-            <a:picLocks noChangeAspect="1"/>
-          </p:cNvPicPr>
+      <p:cxnSp>
+        <p:nvCxnSpPr>
+          <p:cNvPr id="14" name="Straight Connector 13"/>
+          <p:cNvCxnSpPr>
+            <a:stCxn id="3" idx="2"/>
+          </p:cNvCxnSpPr>
           <p:nvPr/>
-        </p:nvPicPr>
-        <p:blipFill>
-          <a:blip r:embed="rId4">
-            <a:extLst>
-              <a:ext uri="{28A0092B-C50C-407E-A947-70E740481C1C}">
-                <a14:useLocalDpi xmlns:a14="http://schemas.microsoft.com/office/drawing/2010/main" val="0"/>
-              </a:ext>
-            </a:extLst>
-          </a:blip>
-          <a:stretch>
-            <a:fillRect/>
-          </a:stretch>
-        </p:blipFill>
+        </p:nvCxnSpPr>
+        <p:spPr>
+          <a:xfrm flipH="1">
+            <a:off x="15137605" y="1727200"/>
+            <a:ext cx="1" cy="8569345"/>
+          </a:xfrm>
+          <a:prstGeom prst="line">
+            <a:avLst/>
+          </a:prstGeom>
+          <a:ln>
+            <a:solidFill>
+              <a:schemeClr val="accent3"/>
+            </a:solidFill>
+          </a:ln>
+        </p:spPr>
+        <p:style>
+          <a:lnRef idx="1">
+            <a:schemeClr val="accent1"/>
+          </a:lnRef>
+          <a:fillRef idx="0">
+            <a:schemeClr val="accent1"/>
+          </a:fillRef>
+          <a:effectRef idx="0">
+            <a:schemeClr val="accent1"/>
+          </a:effectRef>
+          <a:fontRef idx="minor">
+            <a:schemeClr val="tx1"/>
+          </a:fontRef>
+        </p:style>
+      </p:cxnSp>
+      <p:cxnSp>
+        <p:nvCxnSpPr>
+          <p:cNvPr id="19" name="Straight Connector 18"/>
+          <p:cNvCxnSpPr/>
+          <p:nvPr/>
+        </p:nvCxnSpPr>
         <p:spPr>
           <a:xfrm>
-            <a:off x="1152525" y="5839619"/>
-            <a:ext cx="7403805" cy="942181"/>
+            <a:off x="-1" y="10296545"/>
+            <a:ext cx="30275214" cy="0"/>
           </a:xfrm>
-          <a:prstGeom prst="rect">
+          <a:prstGeom prst="line">
             <a:avLst/>
           </a:prstGeom>
+          <a:ln>
+            <a:solidFill>
+              <a:schemeClr val="accent3"/>
+            </a:solidFill>
+          </a:ln>
         </p:spPr>
-      </p:pic>
+        <p:style>
+          <a:lnRef idx="1">
+            <a:schemeClr val="accent1"/>
+          </a:lnRef>
+          <a:fillRef idx="0">
+            <a:schemeClr val="accent1"/>
+          </a:fillRef>
+          <a:effectRef idx="0">
+            <a:schemeClr val="accent1"/>
+          </a:effectRef>
+          <a:fontRef idx="minor">
+            <a:schemeClr val="tx1"/>
+          </a:fontRef>
+        </p:style>
+      </p:cxnSp>
     </p:spTree>
     <p:extLst>
       <p:ext uri="{BB962C8B-B14F-4D97-AF65-F5344CB8AC3E}">

--- a/Presentation/Final_ADA.pptx
+++ b/Presentation/Final_ADA.pptx
@@ -254,7 +254,7 @@
           <a:p>
             <a:fld id="{C764DE79-268F-4C1A-8933-263129D2AF90}" type="datetimeFigureOut">
               <a:rPr lang="en-US" dirty="0"/>
-              <a:t>1/26/17</a:t>
+              <a:t>1/27/17</a:t>
             </a:fld>
             <a:endParaRPr lang="en-US" dirty="0"/>
           </a:p>
@@ -424,7 +424,7 @@
           <a:p>
             <a:fld id="{C764DE79-268F-4C1A-8933-263129D2AF90}" type="datetimeFigureOut">
               <a:rPr lang="en-US" dirty="0"/>
-              <a:t>1/26/17</a:t>
+              <a:t>1/27/17</a:t>
             </a:fld>
             <a:endParaRPr lang="en-US" dirty="0"/>
           </a:p>
@@ -604,7 +604,7 @@
           <a:p>
             <a:fld id="{C764DE79-268F-4C1A-8933-263129D2AF90}" type="datetimeFigureOut">
               <a:rPr lang="en-US" dirty="0"/>
-              <a:t>1/26/17</a:t>
+              <a:t>1/27/17</a:t>
             </a:fld>
             <a:endParaRPr lang="en-US" dirty="0"/>
           </a:p>
@@ -804,7 +804,7 @@
           <a:p>
             <a:fld id="{C764DE79-268F-4C1A-8933-263129D2AF90}" type="datetimeFigureOut">
               <a:rPr lang="en-US" dirty="0"/>
-              <a:t>1/26/17</a:t>
+              <a:t>1/27/17</a:t>
             </a:fld>
             <a:endParaRPr lang="en-US" dirty="0"/>
           </a:p>
@@ -1048,7 +1048,7 @@
           <a:p>
             <a:fld id="{C764DE79-268F-4C1A-8933-263129D2AF90}" type="datetimeFigureOut">
               <a:rPr lang="en-US" dirty="0"/>
-              <a:t>1/26/17</a:t>
+              <a:t>1/27/17</a:t>
             </a:fld>
             <a:endParaRPr lang="en-US" dirty="0"/>
           </a:p>
@@ -1280,7 +1280,7 @@
           <a:p>
             <a:fld id="{C764DE79-268F-4C1A-8933-263129D2AF90}" type="datetimeFigureOut">
               <a:rPr lang="en-US" dirty="0"/>
-              <a:t>1/26/17</a:t>
+              <a:t>1/27/17</a:t>
             </a:fld>
             <a:endParaRPr lang="en-US" dirty="0"/>
           </a:p>
@@ -1647,7 +1647,7 @@
           <a:p>
             <a:fld id="{C764DE79-268F-4C1A-8933-263129D2AF90}" type="datetimeFigureOut">
               <a:rPr lang="en-US" dirty="0"/>
-              <a:t>1/26/17</a:t>
+              <a:t>1/27/17</a:t>
             </a:fld>
             <a:endParaRPr lang="en-US" dirty="0"/>
           </a:p>
@@ -1765,7 +1765,7 @@
           <a:p>
             <a:fld id="{C764DE79-268F-4C1A-8933-263129D2AF90}" type="datetimeFigureOut">
               <a:rPr lang="en-US" dirty="0"/>
-              <a:t>1/26/17</a:t>
+              <a:t>1/27/17</a:t>
             </a:fld>
             <a:endParaRPr lang="en-US" dirty="0"/>
           </a:p>
@@ -1860,7 +1860,7 @@
           <a:p>
             <a:fld id="{C764DE79-268F-4C1A-8933-263129D2AF90}" type="datetimeFigureOut">
               <a:rPr lang="en-US" dirty="0"/>
-              <a:t>1/26/17</a:t>
+              <a:t>1/27/17</a:t>
             </a:fld>
             <a:endParaRPr lang="en-US" dirty="0"/>
           </a:p>
@@ -2137,7 +2137,7 @@
           <a:p>
             <a:fld id="{C764DE79-268F-4C1A-8933-263129D2AF90}" type="datetimeFigureOut">
               <a:rPr lang="en-US" dirty="0"/>
-              <a:t>1/26/17</a:t>
+              <a:t>1/27/17</a:t>
             </a:fld>
             <a:endParaRPr lang="en-US" dirty="0"/>
           </a:p>
@@ -2394,7 +2394,7 @@
           <a:p>
             <a:fld id="{C764DE79-268F-4C1A-8933-263129D2AF90}" type="datetimeFigureOut">
               <a:rPr lang="en-US" dirty="0"/>
-              <a:t>1/26/17</a:t>
+              <a:t>1/27/17</a:t>
             </a:fld>
             <a:endParaRPr lang="en-US" dirty="0"/>
           </a:p>
@@ -2607,7 +2607,7 @@
           <a:p>
             <a:fld id="{C764DE79-268F-4C1A-8933-263129D2AF90}" type="datetimeFigureOut">
               <a:rPr lang="en-US" dirty="0"/>
-              <a:t>1/26/17</a:t>
+              <a:t>1/27/17</a:t>
             </a:fld>
             <a:endParaRPr lang="en-US" dirty="0"/>
           </a:p>
@@ -3021,8 +3021,8 @@
         </p:nvSpPr>
         <p:spPr>
           <a:xfrm>
-            <a:off x="-1" y="0"/>
-            <a:ext cx="30275213" cy="1727200"/>
+            <a:off x="-2" y="0"/>
+            <a:ext cx="26658889" cy="1727200"/>
           </a:xfrm>
           <a:prstGeom prst="rect">
             <a:avLst/>
@@ -3084,8 +3084,8 @@
         </p:nvSpPr>
         <p:spPr>
           <a:xfrm>
-            <a:off x="380316" y="736600"/>
-            <a:ext cx="15596284" cy="762000"/>
+            <a:off x="380315" y="0"/>
+            <a:ext cx="26278571" cy="1498600"/>
           </a:xfrm>
           <a:prstGeom prst="rect">
             <a:avLst/>
@@ -3130,7 +3130,7 @@
               <a:defRPr/>
             </a:pPr>
             <a:r>
-              <a:rPr kumimoji="0" lang="fr-CH" sz="3600" b="1" i="0" u="none" strike="noStrike" kern="1200" cap="none" spc="0" normalizeH="0" baseline="0" noProof="0" dirty="0" err="1" smtClean="0">
+              <a:rPr kumimoji="0" lang="fr-CH" sz="6000" b="1" i="0" u="none" strike="noStrike" kern="1200" cap="none" spc="0" normalizeH="0" baseline="0" noProof="0" dirty="0" err="1" smtClean="0">
                 <a:ln>
                   <a:noFill/>
                 </a:ln>
@@ -3147,7 +3147,7 @@
               <a:t>Applied</a:t>
             </a:r>
             <a:r>
-              <a:rPr kumimoji="0" lang="fr-CH" sz="3600" b="1" i="0" u="none" strike="noStrike" kern="1200" cap="none" spc="0" normalizeH="0" noProof="0" dirty="0" smtClean="0">
+              <a:rPr kumimoji="0" lang="fr-CH" sz="6000" b="1" i="0" u="none" strike="noStrike" kern="1200" cap="none" spc="0" normalizeH="0" noProof="0" dirty="0" smtClean="0">
                 <a:ln>
                   <a:noFill/>
                 </a:ln>
@@ -3164,7 +3164,7 @@
               <a:t> Data </a:t>
             </a:r>
             <a:r>
-              <a:rPr kumimoji="0" lang="fr-CH" sz="3600" b="1" i="0" u="none" strike="noStrike" kern="1200" cap="none" spc="0" normalizeH="0" noProof="0" dirty="0" err="1" smtClean="0">
+              <a:rPr kumimoji="0" lang="fr-CH" sz="6000" b="1" i="0" u="none" strike="noStrike" kern="1200" cap="none" spc="0" normalizeH="0" noProof="0" dirty="0" err="1" smtClean="0">
                 <a:ln>
                   <a:noFill/>
                 </a:ln>
@@ -3181,7 +3181,7 @@
               <a:t>Analysis</a:t>
             </a:r>
             <a:r>
-              <a:rPr kumimoji="0" lang="fr-CH" sz="3600" b="1" i="0" u="none" strike="noStrike" kern="1200" cap="none" spc="0" normalizeH="0" noProof="0" dirty="0" smtClean="0">
+              <a:rPr kumimoji="0" lang="fr-CH" sz="6000" b="1" i="0" u="none" strike="noStrike" kern="1200" cap="none" spc="0" normalizeH="0" noProof="0" dirty="0" smtClean="0">
                 <a:ln>
                   <a:noFill/>
                 </a:ln>
@@ -3198,7 +3198,7 @@
               <a:t> </a:t>
             </a:r>
             <a:r>
-              <a:rPr kumimoji="0" lang="mr-IN" sz="3600" b="1" i="0" u="none" strike="noStrike" kern="1200" cap="none" spc="0" normalizeH="0" noProof="0" dirty="0" smtClean="0">
+              <a:rPr kumimoji="0" lang="mr-IN" sz="6000" b="1" i="0" u="none" strike="noStrike" kern="1200" cap="none" spc="0" normalizeH="0" noProof="0" dirty="0" smtClean="0">
                 <a:ln>
                   <a:noFill/>
                 </a:ln>
@@ -3215,7 +3215,7 @@
               <a:t>–</a:t>
             </a:r>
             <a:r>
-              <a:rPr kumimoji="0" lang="fr-CH" sz="3600" b="1" i="0" u="none" strike="noStrike" kern="1200" cap="none" spc="0" normalizeH="0" noProof="0" dirty="0" smtClean="0">
+              <a:rPr kumimoji="0" lang="fr-CH" sz="6000" b="1" i="0" u="none" strike="noStrike" kern="1200" cap="none" spc="0" normalizeH="0" noProof="0" dirty="0" smtClean="0">
                 <a:ln>
                   <a:noFill/>
                 </a:ln>
@@ -3232,7 +3232,7 @@
               <a:t> Le Temps </a:t>
             </a:r>
             <a:r>
-              <a:rPr kumimoji="0" lang="fr-CH" sz="3600" b="1" i="0" u="none" strike="noStrike" kern="1200" cap="none" spc="0" normalizeH="0" noProof="0" dirty="0" err="1" smtClean="0">
+              <a:rPr kumimoji="0" lang="fr-CH" sz="6000" b="1" i="0" u="none" strike="noStrike" kern="1200" cap="none" spc="0" normalizeH="0" noProof="0" dirty="0" err="1" smtClean="0">
                 <a:ln>
                   <a:noFill/>
                 </a:ln>
@@ -3249,7 +3249,7 @@
               <a:t>Dataset</a:t>
             </a:r>
             <a:r>
-              <a:rPr kumimoji="0" lang="fr-CH" sz="3600" b="1" i="0" u="none" strike="noStrike" kern="1200" cap="none" spc="0" normalizeH="0" noProof="0" dirty="0" smtClean="0">
+              <a:rPr kumimoji="0" lang="fr-CH" sz="6000" b="1" i="0" u="none" strike="noStrike" kern="1200" cap="none" spc="0" normalizeH="0" noProof="0" dirty="0" smtClean="0">
                 <a:ln>
                   <a:noFill/>
                 </a:ln>
@@ -3266,7 +3266,7 @@
               <a:t> Word </a:t>
             </a:r>
             <a:r>
-              <a:rPr kumimoji="0" lang="fr-CH" sz="3600" b="1" i="0" u="none" strike="noStrike" kern="1200" cap="none" spc="0" normalizeH="0" noProof="0" dirty="0" err="1" smtClean="0">
+              <a:rPr kumimoji="0" lang="fr-CH" sz="6000" b="1" i="0" u="none" strike="noStrike" kern="1200" cap="none" spc="0" normalizeH="0" noProof="0" dirty="0" err="1" smtClean="0">
                 <a:ln>
                   <a:noFill/>
                 </a:ln>
@@ -3283,7 +3283,7 @@
               <a:t>Frequency</a:t>
             </a:r>
             <a:r>
-              <a:rPr kumimoji="0" lang="fr-CH" sz="3600" b="1" i="0" u="none" strike="noStrike" kern="1200" cap="none" spc="0" normalizeH="0" noProof="0" dirty="0" smtClean="0">
+              <a:rPr kumimoji="0" lang="fr-CH" sz="6000" b="1" i="0" u="none" strike="noStrike" kern="1200" cap="none" spc="0" normalizeH="0" noProof="0" dirty="0" smtClean="0">
                 <a:ln>
                   <a:noFill/>
                 </a:ln>
@@ -3300,7 +3300,7 @@
               <a:t> </a:t>
             </a:r>
             <a:r>
-              <a:rPr kumimoji="0" lang="fr-CH" sz="3600" b="1" i="0" u="none" strike="noStrike" kern="1200" cap="none" spc="0" normalizeH="0" noProof="0" dirty="0" err="1" smtClean="0">
+              <a:rPr kumimoji="0" lang="fr-CH" sz="6000" b="1" i="0" u="none" strike="noStrike" kern="1200" cap="none" spc="0" normalizeH="0" noProof="0" dirty="0" err="1" smtClean="0">
                 <a:ln>
                   <a:noFill/>
                 </a:ln>
@@ -3316,7 +3316,7 @@
               </a:rPr>
               <a:t>Prediction</a:t>
             </a:r>
-            <a:endParaRPr kumimoji="0" lang="fr-CH" sz="3600" b="1" i="0" u="none" strike="noStrike" kern="1200" cap="none" spc="0" normalizeH="0" baseline="0" noProof="0" dirty="0">
+            <a:endParaRPr kumimoji="0" lang="fr-CH" sz="6000" b="1" i="0" u="none" strike="noStrike" kern="1200" cap="none" spc="0" normalizeH="0" baseline="0" noProof="0" dirty="0">
               <a:ln>
                 <a:noFill/>
               </a:ln>
@@ -3356,8 +3356,8 @@
         </p:blipFill>
         <p:spPr bwMode="auto">
           <a:xfrm>
-            <a:off x="23690263" y="39501763"/>
-            <a:ext cx="6381750" cy="3048000"/>
+            <a:off x="26658888" y="0"/>
+            <a:ext cx="3616324" cy="1727200"/>
           </a:xfrm>
           <a:prstGeom prst="rect">
             <a:avLst/>
@@ -4418,15 +4418,13 @@
       <p:cxnSp>
         <p:nvCxnSpPr>
           <p:cNvPr id="14" name="Straight Connector 13"/>
-          <p:cNvCxnSpPr>
-            <a:stCxn id="3" idx="2"/>
-          </p:cNvCxnSpPr>
+          <p:cNvCxnSpPr/>
           <p:nvPr/>
         </p:nvCxnSpPr>
         <p:spPr>
-          <a:xfrm flipH="1">
-            <a:off x="15137605" y="1727200"/>
-            <a:ext cx="1" cy="8569345"/>
+          <a:xfrm>
+            <a:off x="15137606" y="1727200"/>
+            <a:ext cx="0" cy="8569345"/>
           </a:xfrm>
           <a:prstGeom prst="line">
             <a:avLst/>
@@ -4487,6 +4485,36 @@
           </a:fontRef>
         </p:style>
       </p:cxnSp>
+      <p:pic>
+        <p:nvPicPr>
+          <p:cNvPr id="7" name="Picture 6"/>
+          <p:cNvPicPr>
+            <a:picLocks noChangeAspect="1"/>
+          </p:cNvPicPr>
+          <p:nvPr/>
+        </p:nvPicPr>
+        <p:blipFill>
+          <a:blip r:embed="rId5">
+            <a:extLst>
+              <a:ext uri="{28A0092B-C50C-407E-A947-70E740481C1C}">
+                <a14:useLocalDpi xmlns:a14="http://schemas.microsoft.com/office/drawing/2010/main" val="0"/>
+              </a:ext>
+            </a:extLst>
+          </a:blip>
+          <a:stretch>
+            <a:fillRect/>
+          </a:stretch>
+        </p:blipFill>
+        <p:spPr>
+          <a:xfrm>
+            <a:off x="812114" y="12090400"/>
+            <a:ext cx="9079405" cy="6242091"/>
+          </a:xfrm>
+          <a:prstGeom prst="rect">
+            <a:avLst/>
+          </a:prstGeom>
+        </p:spPr>
+      </p:pic>
     </p:spTree>
     <p:extLst>
       <p:ext uri="{BB962C8B-B14F-4D97-AF65-F5344CB8AC3E}">

--- a/Presentation/Final_ADA.pptx
+++ b/Presentation/Final_ADA.pptx
@@ -3693,7 +3693,16 @@
                 </a:solidFill>
                 <a:latin typeface="Century Gothic"/>
               </a:rPr>
-              <a:t> + Noun</a:t>
+              <a:t> + </a:t>
+            </a:r>
+            <a:r>
+              <a:rPr lang="fr-CH" sz="4000" dirty="0" smtClean="0">
+                <a:solidFill>
+                  <a:srgbClr val="333333"/>
+                </a:solidFill>
+                <a:latin typeface="Century Gothic"/>
+              </a:rPr>
+              <a:t>Noun</a:t>
             </a:r>
           </a:p>
           <a:p>
@@ -3704,7 +3713,151 @@
               <a:buFont typeface="+mj-lt"/>
               <a:buAutoNum type="arabicPeriod"/>
             </a:pPr>
-            <a:endParaRPr lang="fr-CH" sz="4000" dirty="0">
+            <a:r>
+              <a:rPr lang="fr-CH" sz="4000" dirty="0" err="1" smtClean="0">
+                <a:solidFill>
+                  <a:srgbClr val="333333"/>
+                </a:solidFill>
+                <a:latin typeface="Century Gothic"/>
+              </a:rPr>
+              <a:t>Cutoff</a:t>
+            </a:r>
+            <a:r>
+              <a:rPr lang="fr-CH" sz="4000" dirty="0" smtClean="0">
+                <a:solidFill>
+                  <a:srgbClr val="333333"/>
+                </a:solidFill>
+                <a:latin typeface="Century Gothic"/>
+              </a:rPr>
+              <a:t> </a:t>
+            </a:r>
+            <a:r>
+              <a:rPr lang="fr-CH" sz="4000" dirty="0" err="1" smtClean="0">
+                <a:solidFill>
+                  <a:srgbClr val="333333"/>
+                </a:solidFill>
+                <a:latin typeface="Century Gothic"/>
+              </a:rPr>
+              <a:t>Frequency</a:t>
+            </a:r>
+            <a:r>
+              <a:rPr lang="fr-CH" sz="4000" dirty="0" smtClean="0">
+                <a:solidFill>
+                  <a:srgbClr val="333333"/>
+                </a:solidFill>
+                <a:latin typeface="Century Gothic"/>
+              </a:rPr>
+              <a:t>: </a:t>
+            </a:r>
+            <a:r>
+              <a:rPr lang="fr-CH" sz="4000" dirty="0" err="1" smtClean="0">
+                <a:solidFill>
+                  <a:srgbClr val="333333"/>
+                </a:solidFill>
+                <a:latin typeface="Century Gothic"/>
+              </a:rPr>
+              <a:t>Removal</a:t>
+            </a:r>
+            <a:r>
+              <a:rPr lang="fr-CH" sz="4000" dirty="0" smtClean="0">
+                <a:solidFill>
+                  <a:srgbClr val="333333"/>
+                </a:solidFill>
+                <a:latin typeface="Century Gothic"/>
+              </a:rPr>
+              <a:t> </a:t>
+            </a:r>
+            <a:r>
+              <a:rPr lang="fr-CH" sz="4000" dirty="0" smtClean="0">
+                <a:solidFill>
+                  <a:srgbClr val="333333"/>
+                </a:solidFill>
+                <a:latin typeface="Century Gothic"/>
+              </a:rPr>
+              <a:t>of </a:t>
+            </a:r>
+            <a:r>
+              <a:rPr lang="fr-CH" sz="4000" dirty="0" err="1" smtClean="0">
+                <a:solidFill>
+                  <a:srgbClr val="333333"/>
+                </a:solidFill>
+                <a:latin typeface="Century Gothic"/>
+              </a:rPr>
+              <a:t>words</a:t>
+            </a:r>
+            <a:r>
+              <a:rPr lang="fr-CH" sz="4000" dirty="0" smtClean="0">
+                <a:solidFill>
+                  <a:srgbClr val="333333"/>
+                </a:solidFill>
+                <a:latin typeface="Century Gothic"/>
+              </a:rPr>
+              <a:t> </a:t>
+            </a:r>
+            <a:r>
+              <a:rPr lang="fr-CH" sz="4000" dirty="0" err="1" smtClean="0">
+                <a:solidFill>
+                  <a:srgbClr val="333333"/>
+                </a:solidFill>
+                <a:latin typeface="Century Gothic"/>
+              </a:rPr>
+              <a:t>that</a:t>
+            </a:r>
+            <a:r>
+              <a:rPr lang="fr-CH" sz="4000" dirty="0" smtClean="0">
+                <a:solidFill>
+                  <a:srgbClr val="333333"/>
+                </a:solidFill>
+                <a:latin typeface="Century Gothic"/>
+              </a:rPr>
+              <a:t> </a:t>
+            </a:r>
+            <a:r>
+              <a:rPr lang="fr-CH" sz="4000" dirty="0" err="1" smtClean="0">
+                <a:solidFill>
+                  <a:srgbClr val="333333"/>
+                </a:solidFill>
+                <a:latin typeface="Century Gothic"/>
+              </a:rPr>
+              <a:t>were</a:t>
+            </a:r>
+            <a:r>
+              <a:rPr lang="fr-CH" sz="4000" dirty="0" smtClean="0">
+                <a:solidFill>
+                  <a:srgbClr val="333333"/>
+                </a:solidFill>
+                <a:latin typeface="Century Gothic"/>
+              </a:rPr>
+              <a:t> not </a:t>
+            </a:r>
+            <a:r>
+              <a:rPr lang="fr-CH" sz="4000" dirty="0" err="1" smtClean="0">
+                <a:solidFill>
+                  <a:srgbClr val="333333"/>
+                </a:solidFill>
+                <a:latin typeface="Century Gothic"/>
+              </a:rPr>
+              <a:t>present</a:t>
+            </a:r>
+            <a:r>
+              <a:rPr lang="fr-CH" sz="4000" dirty="0" smtClean="0">
+                <a:solidFill>
+                  <a:srgbClr val="333333"/>
+                </a:solidFill>
+                <a:latin typeface="Century Gothic"/>
+              </a:rPr>
+              <a:t> </a:t>
+            </a:r>
+            <a:r>
+              <a:rPr lang="fr-CH" sz="4000" dirty="0" err="1" smtClean="0">
+                <a:solidFill>
+                  <a:srgbClr val="333333"/>
+                </a:solidFill>
+                <a:latin typeface="Century Gothic"/>
+              </a:rPr>
+              <a:t>enough</a:t>
+            </a:r>
+            <a:endParaRPr lang="fr-CH" sz="4000" dirty="0" smtClean="0">
               <a:solidFill>
                 <a:srgbClr val="333333"/>
               </a:solidFill>
@@ -3718,118 +3871,6 @@
               </a:buClr>
               <a:buFont typeface="+mj-lt"/>
               <a:buAutoNum type="arabicPeriod"/>
-            </a:pPr>
-            <a:r>
-              <a:rPr lang="fr-CH" sz="4000" dirty="0" err="1" smtClean="0">
-                <a:solidFill>
-                  <a:srgbClr val="333333"/>
-                </a:solidFill>
-                <a:latin typeface="Century Gothic"/>
-              </a:rPr>
-              <a:t>Removal</a:t>
-            </a:r>
-            <a:r>
-              <a:rPr lang="fr-CH" sz="4000" dirty="0" smtClean="0">
-                <a:solidFill>
-                  <a:srgbClr val="333333"/>
-                </a:solidFill>
-                <a:latin typeface="Century Gothic"/>
-              </a:rPr>
-              <a:t> of </a:t>
-            </a:r>
-            <a:r>
-              <a:rPr lang="fr-CH" sz="4000" dirty="0" err="1" smtClean="0">
-                <a:solidFill>
-                  <a:srgbClr val="333333"/>
-                </a:solidFill>
-                <a:latin typeface="Century Gothic"/>
-              </a:rPr>
-              <a:t>words</a:t>
-            </a:r>
-            <a:r>
-              <a:rPr lang="fr-CH" sz="4000" dirty="0" smtClean="0">
-                <a:solidFill>
-                  <a:srgbClr val="333333"/>
-                </a:solidFill>
-                <a:latin typeface="Century Gothic"/>
-              </a:rPr>
-              <a:t> </a:t>
-            </a:r>
-            <a:r>
-              <a:rPr lang="fr-CH" sz="4000" dirty="0" err="1" smtClean="0">
-                <a:solidFill>
-                  <a:srgbClr val="333333"/>
-                </a:solidFill>
-                <a:latin typeface="Century Gothic"/>
-              </a:rPr>
-              <a:t>that</a:t>
-            </a:r>
-            <a:r>
-              <a:rPr lang="fr-CH" sz="4000" dirty="0" smtClean="0">
-                <a:solidFill>
-                  <a:srgbClr val="333333"/>
-                </a:solidFill>
-                <a:latin typeface="Century Gothic"/>
-              </a:rPr>
-              <a:t> </a:t>
-            </a:r>
-            <a:r>
-              <a:rPr lang="fr-CH" sz="4000" dirty="0" err="1" smtClean="0">
-                <a:solidFill>
-                  <a:srgbClr val="333333"/>
-                </a:solidFill>
-                <a:latin typeface="Century Gothic"/>
-              </a:rPr>
-              <a:t>were</a:t>
-            </a:r>
-            <a:r>
-              <a:rPr lang="fr-CH" sz="4000" dirty="0" smtClean="0">
-                <a:solidFill>
-                  <a:srgbClr val="333333"/>
-                </a:solidFill>
-                <a:latin typeface="Century Gothic"/>
-              </a:rPr>
-              <a:t> not </a:t>
-            </a:r>
-            <a:r>
-              <a:rPr lang="fr-CH" sz="4000" dirty="0" err="1" smtClean="0">
-                <a:solidFill>
-                  <a:srgbClr val="333333"/>
-                </a:solidFill>
-                <a:latin typeface="Century Gothic"/>
-              </a:rPr>
-              <a:t>present</a:t>
-            </a:r>
-            <a:r>
-              <a:rPr lang="fr-CH" sz="4000" dirty="0" smtClean="0">
-                <a:solidFill>
-                  <a:srgbClr val="333333"/>
-                </a:solidFill>
-                <a:latin typeface="Century Gothic"/>
-              </a:rPr>
-              <a:t> </a:t>
-            </a:r>
-            <a:r>
-              <a:rPr lang="fr-CH" sz="4000" dirty="0" err="1" smtClean="0">
-                <a:solidFill>
-                  <a:srgbClr val="333333"/>
-                </a:solidFill>
-                <a:latin typeface="Century Gothic"/>
-              </a:rPr>
-              <a:t>enough</a:t>
-            </a:r>
-            <a:endParaRPr lang="fr-CH" sz="4000" dirty="0" smtClean="0">
-              <a:solidFill>
-                <a:srgbClr val="333333"/>
-              </a:solidFill>
-              <a:latin typeface="Century Gothic"/>
-            </a:endParaRPr>
-          </a:p>
-          <a:p>
-            <a:pPr>
-              <a:buClr>
-                <a:srgbClr val="990000"/>
-              </a:buClr>
             </a:pPr>
             <a:endParaRPr lang="fr-CH" sz="4000" b="1" dirty="0">
               <a:solidFill>
@@ -4485,16 +4526,278 @@
           </a:fontRef>
         </p:style>
       </p:cxnSp>
+      <p:sp>
+        <p:nvSpPr>
+          <p:cNvPr id="15" name="TextBox 14"/>
+          <p:cNvSpPr txBox="1"/>
+          <p:nvPr/>
+        </p:nvSpPr>
+        <p:spPr>
+          <a:xfrm>
+            <a:off x="380315" y="10563164"/>
+            <a:ext cx="10770738" cy="1569660"/>
+          </a:xfrm>
+          <a:prstGeom prst="rect">
+            <a:avLst/>
+          </a:prstGeom>
+          <a:noFill/>
+        </p:spPr>
+        <p:txBody>
+          <a:bodyPr wrap="square" rtlCol="0">
+            <a:spAutoFit/>
+          </a:bodyPr>
+          <a:lstStyle/>
+          <a:p>
+            <a:pPr>
+              <a:buClr>
+                <a:srgbClr val="990000"/>
+              </a:buClr>
+            </a:pPr>
+            <a:r>
+              <a:rPr lang="fr-CH" sz="4800" b="1" dirty="0" smtClean="0">
+                <a:solidFill>
+                  <a:srgbClr val="333333"/>
+                </a:solidFill>
+                <a:latin typeface="Century Gothic"/>
+              </a:rPr>
+              <a:t>Data </a:t>
+            </a:r>
+            <a:r>
+              <a:rPr lang="fr-CH" sz="4800" b="1" dirty="0" err="1" smtClean="0">
+                <a:solidFill>
+                  <a:srgbClr val="333333"/>
+                </a:solidFill>
+                <a:latin typeface="Century Gothic"/>
+              </a:rPr>
+              <a:t>Visualization</a:t>
+            </a:r>
+            <a:r>
+              <a:rPr lang="fr-CH" sz="4800" b="1" dirty="0" smtClean="0">
+                <a:solidFill>
+                  <a:srgbClr val="333333"/>
+                </a:solidFill>
+                <a:latin typeface="Century Gothic"/>
+              </a:rPr>
+              <a:t> and </a:t>
+            </a:r>
+            <a:r>
+              <a:rPr lang="fr-CH" sz="4800" b="1" dirty="0" err="1" smtClean="0">
+                <a:solidFill>
+                  <a:srgbClr val="333333"/>
+                </a:solidFill>
+                <a:latin typeface="Century Gothic"/>
+              </a:rPr>
+              <a:t>Processing</a:t>
+            </a:r>
+            <a:r>
+              <a:rPr lang="fr-CH" sz="4800" b="1" dirty="0" smtClean="0">
+                <a:solidFill>
+                  <a:srgbClr val="333333"/>
+                </a:solidFill>
+                <a:latin typeface="Century Gothic"/>
+              </a:rPr>
+              <a:t>:</a:t>
+            </a:r>
+            <a:endParaRPr lang="fr-CH" sz="4000" dirty="0" smtClean="0">
+              <a:solidFill>
+                <a:srgbClr val="333333"/>
+              </a:solidFill>
+              <a:latin typeface="Century Gothic"/>
+            </a:endParaRPr>
+          </a:p>
+          <a:p>
+            <a:pPr marL="914400" indent="-914400">
+              <a:buClr>
+                <a:srgbClr val="990000"/>
+              </a:buClr>
+              <a:buFont typeface="+mj-lt"/>
+              <a:buAutoNum type="arabicPeriod"/>
+            </a:pPr>
+            <a:endParaRPr lang="fr-CH" sz="4800" b="1" dirty="0">
+              <a:solidFill>
+                <a:srgbClr val="333333"/>
+              </a:solidFill>
+              <a:latin typeface="Century Gothic"/>
+            </a:endParaRPr>
+          </a:p>
+        </p:txBody>
+      </p:sp>
+      <p:grpSp>
+        <p:nvGrpSpPr>
+          <p:cNvPr id="11" name="Group 10"/>
+          <p:cNvGrpSpPr/>
+          <p:nvPr/>
+        </p:nvGrpSpPr>
+        <p:grpSpPr>
+          <a:xfrm>
+            <a:off x="380315" y="11692629"/>
+            <a:ext cx="10007600" cy="6304039"/>
+            <a:chOff x="3294417" y="15197830"/>
+            <a:chExt cx="10007600" cy="6304039"/>
+          </a:xfrm>
+        </p:grpSpPr>
+        <p:pic>
+          <p:nvPicPr>
+            <p:cNvPr id="7" name="Picture 6"/>
+            <p:cNvPicPr>
+              <a:picLocks noChangeAspect="1"/>
+            </p:cNvPicPr>
+            <p:nvPr/>
+          </p:nvPicPr>
+          <p:blipFill>
+            <a:blip r:embed="rId5">
+              <a:extLst>
+                <a:ext uri="{28A0092B-C50C-407E-A947-70E740481C1C}">
+                  <a14:useLocalDpi xmlns:a14="http://schemas.microsoft.com/office/drawing/2010/main" val="0"/>
+                </a:ext>
+              </a:extLst>
+            </a:blip>
+            <a:stretch>
+              <a:fillRect/>
+            </a:stretch>
+          </p:blipFill>
+          <p:spPr>
+            <a:xfrm>
+              <a:off x="3758515" y="15905717"/>
+              <a:ext cx="8139858" cy="5596152"/>
+            </a:xfrm>
+            <a:prstGeom prst="rect">
+              <a:avLst/>
+            </a:prstGeom>
+          </p:spPr>
+        </p:pic>
+        <p:sp>
+          <p:nvSpPr>
+            <p:cNvPr id="10" name="TextBox 9"/>
+            <p:cNvSpPr txBox="1"/>
+            <p:nvPr/>
+          </p:nvSpPr>
+          <p:spPr>
+            <a:xfrm>
+              <a:off x="3294417" y="15197830"/>
+              <a:ext cx="10007600" cy="707886"/>
+            </a:xfrm>
+            <a:prstGeom prst="rect">
+              <a:avLst/>
+            </a:prstGeom>
+            <a:noFill/>
+          </p:spPr>
+          <p:txBody>
+            <a:bodyPr wrap="square" rtlCol="0">
+              <a:spAutoFit/>
+            </a:bodyPr>
+            <a:lstStyle/>
+            <a:p>
+              <a:r>
+                <a:rPr lang="en-US" sz="4000" dirty="0" smtClean="0">
+                  <a:latin typeface="Century Gothic" charset="0"/>
+                  <a:ea typeface="Century Gothic" charset="0"/>
+                  <a:cs typeface="Century Gothic" charset="0"/>
+                </a:rPr>
+                <a:t>Total word count over the years</a:t>
+              </a:r>
+              <a:endParaRPr lang="en-US" sz="4000" dirty="0">
+                <a:latin typeface="Century Gothic" charset="0"/>
+                <a:ea typeface="Century Gothic" charset="0"/>
+                <a:cs typeface="Century Gothic" charset="0"/>
+              </a:endParaRPr>
+            </a:p>
+          </p:txBody>
+        </p:sp>
+      </p:grpSp>
+      <p:grpSp>
+        <p:nvGrpSpPr>
+          <p:cNvPr id="21" name="Group 20"/>
+          <p:cNvGrpSpPr/>
+          <p:nvPr/>
+        </p:nvGrpSpPr>
+        <p:grpSpPr>
+          <a:xfrm>
+            <a:off x="20377544" y="10626790"/>
+            <a:ext cx="8838023" cy="7994645"/>
+            <a:chOff x="18612383" y="11679862"/>
+            <a:chExt cx="8838023" cy="7994645"/>
+          </a:xfrm>
+        </p:grpSpPr>
+        <p:sp>
+          <p:nvSpPr>
+            <p:cNvPr id="20" name="TextBox 19"/>
+            <p:cNvSpPr txBox="1"/>
+            <p:nvPr/>
+          </p:nvSpPr>
+          <p:spPr>
+            <a:xfrm>
+              <a:off x="18612383" y="11679862"/>
+              <a:ext cx="8016502" cy="1323439"/>
+            </a:xfrm>
+            <a:prstGeom prst="rect">
+              <a:avLst/>
+            </a:prstGeom>
+            <a:noFill/>
+          </p:spPr>
+          <p:txBody>
+            <a:bodyPr wrap="square" rtlCol="0">
+              <a:spAutoFit/>
+            </a:bodyPr>
+            <a:lstStyle/>
+            <a:p>
+              <a:r>
+                <a:rPr lang="en-US" sz="4000" dirty="0" smtClean="0">
+                  <a:latin typeface="Century Gothic" charset="0"/>
+                  <a:ea typeface="Century Gothic" charset="0"/>
+                  <a:cs typeface="Century Gothic" charset="0"/>
+                </a:rPr>
+                <a:t>How much of the data was not extracted?</a:t>
+              </a:r>
+              <a:endParaRPr lang="en-US" sz="4000" dirty="0">
+                <a:latin typeface="Century Gothic" charset="0"/>
+                <a:ea typeface="Century Gothic" charset="0"/>
+                <a:cs typeface="Century Gothic" charset="0"/>
+              </a:endParaRPr>
+            </a:p>
+          </p:txBody>
+        </p:sp>
+        <p:pic>
+          <p:nvPicPr>
+            <p:cNvPr id="18" name="Picture 17"/>
+            <p:cNvPicPr>
+              <a:picLocks noChangeAspect="1"/>
+            </p:cNvPicPr>
+            <p:nvPr/>
+          </p:nvPicPr>
+          <p:blipFill>
+            <a:blip r:embed="rId6">
+              <a:extLst>
+                <a:ext uri="{28A0092B-C50C-407E-A947-70E740481C1C}">
+                  <a14:useLocalDpi xmlns:a14="http://schemas.microsoft.com/office/drawing/2010/main" val="0"/>
+                </a:ext>
+              </a:extLst>
+            </a:blip>
+            <a:stretch>
+              <a:fillRect/>
+            </a:stretch>
+          </p:blipFill>
+          <p:spPr>
+            <a:xfrm>
+              <a:off x="18612383" y="13598366"/>
+              <a:ext cx="8838023" cy="6076141"/>
+            </a:xfrm>
+            <a:prstGeom prst="rect">
+              <a:avLst/>
+            </a:prstGeom>
+          </p:spPr>
+        </p:pic>
+      </p:grpSp>
       <p:pic>
         <p:nvPicPr>
-          <p:cNvPr id="7" name="Picture 6"/>
+          <p:cNvPr id="24" name="Picture 23"/>
           <p:cNvPicPr>
             <a:picLocks noChangeAspect="1"/>
           </p:cNvPicPr>
           <p:nvPr/>
         </p:nvPicPr>
         <p:blipFill>
-          <a:blip r:embed="rId5">
+          <a:blip r:embed="rId7">
             <a:extLst>
               <a:ext uri="{28A0092B-C50C-407E-A947-70E740481C1C}">
                 <a14:useLocalDpi xmlns:a14="http://schemas.microsoft.com/office/drawing/2010/main" val="0"/>
@@ -4507,14 +4810,97 @@
         </p:blipFill>
         <p:spPr>
           <a:xfrm>
-            <a:off x="812114" y="12090400"/>
-            <a:ext cx="9079405" cy="6242091"/>
+            <a:off x="12165120" y="13281361"/>
+            <a:ext cx="6580288" cy="4523947"/>
           </a:xfrm>
           <a:prstGeom prst="rect">
             <a:avLst/>
           </a:prstGeom>
         </p:spPr>
       </p:pic>
+      <p:sp>
+        <p:nvSpPr>
+          <p:cNvPr id="26" name="TextBox 25"/>
+          <p:cNvSpPr txBox="1"/>
+          <p:nvPr/>
+        </p:nvSpPr>
+        <p:spPr>
+          <a:xfrm>
+            <a:off x="12165120" y="10606302"/>
+            <a:ext cx="7708161" cy="1938992"/>
+          </a:xfrm>
+          <a:prstGeom prst="rect">
+            <a:avLst/>
+          </a:prstGeom>
+          <a:noFill/>
+        </p:spPr>
+        <p:txBody>
+          <a:bodyPr wrap="square" rtlCol="0">
+            <a:spAutoFit/>
+          </a:bodyPr>
+          <a:lstStyle/>
+          <a:p>
+            <a:r>
+              <a:rPr lang="en-US" sz="4000" dirty="0" smtClean="0">
+                <a:latin typeface="Century Gothic" charset="0"/>
+                <a:ea typeface="Century Gothic" charset="0"/>
+                <a:cs typeface="Century Gothic" charset="0"/>
+              </a:rPr>
+              <a:t>Long Tail Distribution of words:</a:t>
+            </a:r>
+          </a:p>
+          <a:p>
+            <a:r>
+              <a:rPr lang="en-US" sz="4000" dirty="0" smtClean="0">
+                <a:latin typeface="Century Gothic" charset="0"/>
+                <a:ea typeface="Century Gothic" charset="0"/>
+                <a:cs typeface="Century Gothic" charset="0"/>
+              </a:rPr>
+              <a:t>Due to our cutoff, we miss a part of the data:</a:t>
+            </a:r>
+            <a:endParaRPr lang="en-US" sz="4000" dirty="0">
+              <a:latin typeface="Century Gothic" charset="0"/>
+              <a:ea typeface="Century Gothic" charset="0"/>
+              <a:cs typeface="Century Gothic" charset="0"/>
+            </a:endParaRPr>
+          </a:p>
+        </p:txBody>
+      </p:sp>
+      <p:cxnSp>
+        <p:nvCxnSpPr>
+          <p:cNvPr id="27" name="Straight Connector 26"/>
+          <p:cNvCxnSpPr/>
+          <p:nvPr/>
+        </p:nvCxnSpPr>
+        <p:spPr>
+          <a:xfrm flipH="1">
+            <a:off x="11151053" y="10296545"/>
+            <a:ext cx="74953" cy="8324890"/>
+          </a:xfrm>
+          <a:prstGeom prst="line">
+            <a:avLst/>
+          </a:prstGeom>
+          <a:ln>
+            <a:solidFill>
+              <a:schemeClr val="accent3"/>
+            </a:solidFill>
+          </a:ln>
+        </p:spPr>
+        <p:style>
+          <a:lnRef idx="1">
+            <a:schemeClr val="accent1"/>
+          </a:lnRef>
+          <a:fillRef idx="0">
+            <a:schemeClr val="accent1"/>
+          </a:fillRef>
+          <a:effectRef idx="0">
+            <a:schemeClr val="accent1"/>
+          </a:effectRef>
+          <a:fontRef idx="minor">
+            <a:schemeClr val="tx1"/>
+          </a:fontRef>
+        </p:style>
+      </p:cxnSp>
     </p:spTree>
     <p:extLst>
       <p:ext uri="{BB962C8B-B14F-4D97-AF65-F5344CB8AC3E}">

--- a/Presentation/Final_ADA.pptx
+++ b/Presentation/Final_ADA.pptx
@@ -254,7 +254,7 @@
           <a:p>
             <a:fld id="{C764DE79-268F-4C1A-8933-263129D2AF90}" type="datetimeFigureOut">
               <a:rPr lang="en-US" dirty="0"/>
-              <a:t>1/27/17</a:t>
+              <a:t>1/29/17</a:t>
             </a:fld>
             <a:endParaRPr lang="en-US" dirty="0"/>
           </a:p>
@@ -424,7 +424,7 @@
           <a:p>
             <a:fld id="{C764DE79-268F-4C1A-8933-263129D2AF90}" type="datetimeFigureOut">
               <a:rPr lang="en-US" dirty="0"/>
-              <a:t>1/27/17</a:t>
+              <a:t>1/29/17</a:t>
             </a:fld>
             <a:endParaRPr lang="en-US" dirty="0"/>
           </a:p>
@@ -604,7 +604,7 @@
           <a:p>
             <a:fld id="{C764DE79-268F-4C1A-8933-263129D2AF90}" type="datetimeFigureOut">
               <a:rPr lang="en-US" dirty="0"/>
-              <a:t>1/27/17</a:t>
+              <a:t>1/29/17</a:t>
             </a:fld>
             <a:endParaRPr lang="en-US" dirty="0"/>
           </a:p>
@@ -804,7 +804,7 @@
           <a:p>
             <a:fld id="{C764DE79-268F-4C1A-8933-263129D2AF90}" type="datetimeFigureOut">
               <a:rPr lang="en-US" dirty="0"/>
-              <a:t>1/27/17</a:t>
+              <a:t>1/29/17</a:t>
             </a:fld>
             <a:endParaRPr lang="en-US" dirty="0"/>
           </a:p>
@@ -1048,7 +1048,7 @@
           <a:p>
             <a:fld id="{C764DE79-268F-4C1A-8933-263129D2AF90}" type="datetimeFigureOut">
               <a:rPr lang="en-US" dirty="0"/>
-              <a:t>1/27/17</a:t>
+              <a:t>1/29/17</a:t>
             </a:fld>
             <a:endParaRPr lang="en-US" dirty="0"/>
           </a:p>
@@ -1280,7 +1280,7 @@
           <a:p>
             <a:fld id="{C764DE79-268F-4C1A-8933-263129D2AF90}" type="datetimeFigureOut">
               <a:rPr lang="en-US" dirty="0"/>
-              <a:t>1/27/17</a:t>
+              <a:t>1/29/17</a:t>
             </a:fld>
             <a:endParaRPr lang="en-US" dirty="0"/>
           </a:p>
@@ -1647,7 +1647,7 @@
           <a:p>
             <a:fld id="{C764DE79-268F-4C1A-8933-263129D2AF90}" type="datetimeFigureOut">
               <a:rPr lang="en-US" dirty="0"/>
-              <a:t>1/27/17</a:t>
+              <a:t>1/29/17</a:t>
             </a:fld>
             <a:endParaRPr lang="en-US" dirty="0"/>
           </a:p>
@@ -1765,7 +1765,7 @@
           <a:p>
             <a:fld id="{C764DE79-268F-4C1A-8933-263129D2AF90}" type="datetimeFigureOut">
               <a:rPr lang="en-US" dirty="0"/>
-              <a:t>1/27/17</a:t>
+              <a:t>1/29/17</a:t>
             </a:fld>
             <a:endParaRPr lang="en-US" dirty="0"/>
           </a:p>
@@ -1860,7 +1860,7 @@
           <a:p>
             <a:fld id="{C764DE79-268F-4C1A-8933-263129D2AF90}" type="datetimeFigureOut">
               <a:rPr lang="en-US" dirty="0"/>
-              <a:t>1/27/17</a:t>
+              <a:t>1/29/17</a:t>
             </a:fld>
             <a:endParaRPr lang="en-US" dirty="0"/>
           </a:p>
@@ -2137,7 +2137,7 @@
           <a:p>
             <a:fld id="{C764DE79-268F-4C1A-8933-263129D2AF90}" type="datetimeFigureOut">
               <a:rPr lang="en-US" dirty="0"/>
-              <a:t>1/27/17</a:t>
+              <a:t>1/29/17</a:t>
             </a:fld>
             <a:endParaRPr lang="en-US" dirty="0"/>
           </a:p>
@@ -2394,7 +2394,7 @@
           <a:p>
             <a:fld id="{C764DE79-268F-4C1A-8933-263129D2AF90}" type="datetimeFigureOut">
               <a:rPr lang="en-US" dirty="0"/>
-              <a:t>1/27/17</a:t>
+              <a:t>1/29/17</a:t>
             </a:fld>
             <a:endParaRPr lang="en-US" dirty="0"/>
           </a:p>
@@ -2607,7 +2607,7 @@
           <a:p>
             <a:fld id="{C764DE79-268F-4C1A-8933-263129D2AF90}" type="datetimeFigureOut">
               <a:rPr lang="en-US" dirty="0"/>
-              <a:t>1/27/17</a:t>
+              <a:t>1/29/17</a:t>
             </a:fld>
             <a:endParaRPr lang="en-US" dirty="0"/>
           </a:p>
@@ -3013,6 +3013,36 @@
           <a:chExt cx="0" cy="0"/>
         </a:xfrm>
       </p:grpSpPr>
+      <p:pic>
+        <p:nvPicPr>
+          <p:cNvPr id="24" name="Picture 23"/>
+          <p:cNvPicPr>
+            <a:picLocks noChangeAspect="1"/>
+          </p:cNvPicPr>
+          <p:nvPr/>
+        </p:nvPicPr>
+        <p:blipFill>
+          <a:blip r:embed="rId2">
+            <a:extLst>
+              <a:ext uri="{28A0092B-C50C-407E-A947-70E740481C1C}">
+                <a14:useLocalDpi xmlns:a14="http://schemas.microsoft.com/office/drawing/2010/main" val="0"/>
+              </a:ext>
+            </a:extLst>
+          </a:blip>
+          <a:stretch>
+            <a:fillRect/>
+          </a:stretch>
+        </p:blipFill>
+        <p:spPr>
+          <a:xfrm>
+            <a:off x="21845934" y="4643388"/>
+            <a:ext cx="6372664" cy="4381205"/>
+          </a:xfrm>
+          <a:prstGeom prst="rect">
+            <a:avLst/>
+          </a:prstGeom>
+        </p:spPr>
+      </p:pic>
       <p:sp>
         <p:nvSpPr>
           <p:cNvPr id="3" name="Rectangle 2"/>
@@ -3342,7 +3372,7 @@
           <p:nvPr/>
         </p:nvPicPr>
         <p:blipFill>
-          <a:blip r:embed="rId2">
+          <a:blip r:embed="rId3">
             <a:extLst>
               <a:ext uri="{28A0092B-C50C-407E-A947-70E740481C1C}">
                 <a14:useLocalDpi xmlns:a14="http://schemas.microsoft.com/office/drawing/2010/main" val="0"/>
@@ -3383,7 +3413,7 @@
           <p:nvPr/>
         </p:nvPicPr>
         <p:blipFill>
-          <a:blip r:embed="rId3">
+          <a:blip r:embed="rId4">
             <a:extLst>
               <a:ext uri="{28A0092B-C50C-407E-A947-70E740481C1C}">
                 <a14:useLocalDpi xmlns:a14="http://schemas.microsoft.com/office/drawing/2010/main" val="0"/>
@@ -3396,7 +3426,7 @@
         </p:blipFill>
         <p:spPr>
           <a:xfrm>
-            <a:off x="888657" y="6598327"/>
+            <a:off x="844413" y="6503994"/>
             <a:ext cx="5323030" cy="738044"/>
           </a:xfrm>
           <a:prstGeom prst="rect">
@@ -3412,8 +3442,8 @@
         </p:nvSpPr>
         <p:spPr>
           <a:xfrm>
-            <a:off x="16381862" y="2260600"/>
-            <a:ext cx="13360401" cy="8956298"/>
+            <a:off x="12659033" y="3083133"/>
+            <a:ext cx="8803968" cy="6924973"/>
           </a:xfrm>
           <a:prstGeom prst="rect">
             <a:avLst/>
@@ -3432,14 +3462,29 @@
               </a:buClr>
             </a:pPr>
             <a:r>
-              <a:rPr lang="fr-CH" sz="4800" b="1" dirty="0" smtClean="0">
-                <a:solidFill>
-                  <a:srgbClr val="333333"/>
-                </a:solidFill>
-                <a:latin typeface="Century Gothic"/>
-              </a:rPr>
-              <a:t>Data Extraction:</a:t>
-            </a:r>
+              <a:rPr lang="fr-CH" sz="4000" b="1" dirty="0" smtClean="0">
+                <a:solidFill>
+                  <a:srgbClr val="333333"/>
+                </a:solidFill>
+                <a:latin typeface="Century Gothic"/>
+              </a:rPr>
+              <a:t>Data </a:t>
+            </a:r>
+            <a:r>
+              <a:rPr lang="fr-CH" sz="4000" b="1" dirty="0" smtClean="0">
+                <a:solidFill>
+                  <a:srgbClr val="333333"/>
+                </a:solidFill>
+                <a:latin typeface="Century Gothic"/>
+              </a:rPr>
+              <a:t>Extraction</a:t>
+            </a:r>
+            <a:endParaRPr lang="fr-CH" sz="4000" b="1" dirty="0" smtClean="0">
+              <a:solidFill>
+                <a:srgbClr val="333333"/>
+              </a:solidFill>
+              <a:latin typeface="Century Gothic"/>
+            </a:endParaRPr>
           </a:p>
           <a:p>
             <a:pPr marL="914400" indent="-914400">
@@ -3450,7 +3495,7 @@
               <a:buAutoNum type="arabicPeriod"/>
             </a:pPr>
             <a:r>
-              <a:rPr lang="fr-CH" sz="4000" dirty="0" err="1" smtClean="0">
+              <a:rPr lang="fr-CH" sz="2800" dirty="0" err="1" smtClean="0">
                 <a:solidFill>
                   <a:srgbClr val="333333"/>
                 </a:solidFill>
@@ -3459,7 +3504,7 @@
               <a:t>Removal</a:t>
             </a:r>
             <a:r>
-              <a:rPr lang="fr-CH" sz="4000" dirty="0" smtClean="0">
+              <a:rPr lang="fr-CH" sz="2800" dirty="0" smtClean="0">
                 <a:solidFill>
                   <a:srgbClr val="333333"/>
                 </a:solidFill>
@@ -3468,7 +3513,7 @@
               <a:t> of </a:t>
             </a:r>
             <a:r>
-              <a:rPr lang="fr-CH" sz="4000" dirty="0" err="1" smtClean="0">
+              <a:rPr lang="fr-CH" sz="2800" dirty="0" err="1" smtClean="0">
                 <a:solidFill>
                   <a:srgbClr val="333333"/>
                 </a:solidFill>
@@ -3476,7 +3521,7 @@
               </a:rPr>
               <a:t>punctuation</a:t>
             </a:r>
-            <a:endParaRPr lang="fr-CH" sz="4000" dirty="0" smtClean="0">
+            <a:endParaRPr lang="fr-CH" sz="2800" dirty="0" smtClean="0">
               <a:solidFill>
                 <a:srgbClr val="333333"/>
               </a:solidFill>
@@ -3492,7 +3537,7 @@
               <a:buAutoNum type="arabicPeriod"/>
             </a:pPr>
             <a:r>
-              <a:rPr lang="fr-CH" sz="4000" dirty="0" err="1" smtClean="0">
+              <a:rPr lang="fr-CH" sz="2800" dirty="0" err="1" smtClean="0">
                 <a:solidFill>
                   <a:srgbClr val="333333"/>
                 </a:solidFill>
@@ -3501,7 +3546,7 @@
               <a:t>Removal</a:t>
             </a:r>
             <a:r>
-              <a:rPr lang="fr-CH" sz="4000" dirty="0" smtClean="0">
+              <a:rPr lang="fr-CH" sz="2800" dirty="0" smtClean="0">
                 <a:solidFill>
                   <a:srgbClr val="333333"/>
                 </a:solidFill>
@@ -3510,7 +3555,7 @@
               <a:t> of French stop </a:t>
             </a:r>
             <a:r>
-              <a:rPr lang="fr-CH" sz="4000" dirty="0" err="1" smtClean="0">
+              <a:rPr lang="fr-CH" sz="2800" dirty="0" err="1" smtClean="0">
                 <a:solidFill>
                   <a:srgbClr val="333333"/>
                 </a:solidFill>
@@ -3518,7 +3563,7 @@
               </a:rPr>
               <a:t>words</a:t>
             </a:r>
-            <a:endParaRPr lang="fr-CH" sz="4000" dirty="0" smtClean="0">
+            <a:endParaRPr lang="fr-CH" sz="2800" dirty="0" smtClean="0">
               <a:solidFill>
                 <a:srgbClr val="333333"/>
               </a:solidFill>
@@ -3534,7 +3579,7 @@
               <a:buAutoNum type="arabicPeriod"/>
             </a:pPr>
             <a:r>
-              <a:rPr lang="fr-CH" sz="4000" dirty="0" smtClean="0">
+              <a:rPr lang="fr-CH" sz="2800" dirty="0" smtClean="0">
                 <a:solidFill>
                   <a:srgbClr val="333333"/>
                 </a:solidFill>
@@ -3543,7 +3588,7 @@
               <a:t>Custom NLTK </a:t>
             </a:r>
             <a:r>
-              <a:rPr lang="fr-CH" sz="4000" dirty="0" err="1" smtClean="0">
+              <a:rPr lang="fr-CH" sz="2800" dirty="0" err="1" smtClean="0">
                 <a:solidFill>
                   <a:srgbClr val="333333"/>
                 </a:solidFill>
@@ -3552,7 +3597,7 @@
               <a:t>processing</a:t>
             </a:r>
             <a:r>
-              <a:rPr lang="fr-CH" sz="4000" dirty="0" smtClean="0">
+              <a:rPr lang="fr-CH" sz="2800" dirty="0" smtClean="0">
                 <a:solidFill>
                   <a:srgbClr val="333333"/>
                 </a:solidFill>
@@ -3570,7 +3615,7 @@
               <a:buChar char="•"/>
             </a:pPr>
             <a:r>
-              <a:rPr lang="fr-CH" sz="4000" dirty="0" err="1" smtClean="0">
+              <a:rPr lang="fr-CH" sz="2800" dirty="0" err="1" smtClean="0">
                 <a:solidFill>
                   <a:srgbClr val="333333"/>
                 </a:solidFill>
@@ -3579,7 +3624,7 @@
               <a:t>Singular</a:t>
             </a:r>
             <a:r>
-              <a:rPr lang="fr-CH" sz="4000" dirty="0" smtClean="0">
+              <a:rPr lang="fr-CH" sz="2800" dirty="0" smtClean="0">
                 <a:solidFill>
                   <a:srgbClr val="333333"/>
                 </a:solidFill>
@@ -3597,7 +3642,7 @@
               <a:buChar char="•"/>
             </a:pPr>
             <a:r>
-              <a:rPr lang="fr-CH" sz="4000" dirty="0" smtClean="0">
+              <a:rPr lang="fr-CH" sz="2800" dirty="0" smtClean="0">
                 <a:solidFill>
                   <a:srgbClr val="333333"/>
                 </a:solidFill>
@@ -3615,7 +3660,7 @@
               <a:buChar char="•"/>
             </a:pPr>
             <a:r>
-              <a:rPr lang="fr-CH" sz="4000" dirty="0" err="1" smtClean="0">
+              <a:rPr lang="fr-CH" sz="2800" dirty="0" err="1" smtClean="0">
                 <a:solidFill>
                   <a:srgbClr val="333333"/>
                 </a:solidFill>
@@ -3624,7 +3669,7 @@
               <a:t>Verbs</a:t>
             </a:r>
             <a:r>
-              <a:rPr lang="fr-CH" sz="4000" dirty="0" smtClean="0">
+              <a:rPr lang="fr-CH" sz="2800" dirty="0" smtClean="0">
                 <a:solidFill>
                   <a:srgbClr val="333333"/>
                 </a:solidFill>
@@ -3633,7 +3678,7 @@
               <a:t> and </a:t>
             </a:r>
             <a:r>
-              <a:rPr lang="fr-CH" sz="4000" dirty="0" err="1" smtClean="0">
+              <a:rPr lang="fr-CH" sz="2800" dirty="0" err="1" smtClean="0">
                 <a:solidFill>
                   <a:srgbClr val="333333"/>
                 </a:solidFill>
@@ -3642,7 +3687,7 @@
               <a:t>their</a:t>
             </a:r>
             <a:r>
-              <a:rPr lang="fr-CH" sz="4000" dirty="0" smtClean="0">
+              <a:rPr lang="fr-CH" sz="2800" dirty="0" smtClean="0">
                 <a:solidFill>
                   <a:srgbClr val="333333"/>
                 </a:solidFill>
@@ -3651,7 +3696,7 @@
               <a:t> </a:t>
             </a:r>
             <a:r>
-              <a:rPr lang="fr-CH" sz="4000" dirty="0" err="1" smtClean="0">
+              <a:rPr lang="fr-CH" sz="2800" dirty="0" err="1" smtClean="0">
                 <a:solidFill>
                   <a:srgbClr val="333333"/>
                 </a:solidFill>
@@ -3660,7 +3705,7 @@
               <a:t>conjugations</a:t>
             </a:r>
             <a:r>
-              <a:rPr lang="fr-CH" sz="4000" dirty="0">
+              <a:rPr lang="fr-CH" sz="2800" dirty="0">
                 <a:solidFill>
                   <a:srgbClr val="333333"/>
                 </a:solidFill>
@@ -3678,7 +3723,7 @@
               <a:buChar char="•"/>
             </a:pPr>
             <a:r>
-              <a:rPr lang="fr-CH" sz="4000" dirty="0" err="1" smtClean="0">
+              <a:rPr lang="fr-CH" sz="2800" dirty="0" err="1" smtClean="0">
                 <a:solidFill>
                   <a:srgbClr val="333333"/>
                 </a:solidFill>
@@ -3687,22 +3732,13 @@
               <a:t>Adverbs</a:t>
             </a:r>
             <a:r>
-              <a:rPr lang="fr-CH" sz="4000" dirty="0" smtClean="0">
-                <a:solidFill>
-                  <a:srgbClr val="333333"/>
-                </a:solidFill>
-                <a:latin typeface="Century Gothic"/>
-              </a:rPr>
-              <a:t> + </a:t>
-            </a:r>
-            <a:r>
-              <a:rPr lang="fr-CH" sz="4000" dirty="0" smtClean="0">
-                <a:solidFill>
-                  <a:srgbClr val="333333"/>
-                </a:solidFill>
-                <a:latin typeface="Century Gothic"/>
-              </a:rPr>
-              <a:t>Noun</a:t>
+              <a:rPr lang="fr-CH" sz="2800" dirty="0" smtClean="0">
+                <a:solidFill>
+                  <a:srgbClr val="333333"/>
+                </a:solidFill>
+                <a:latin typeface="Century Gothic"/>
+              </a:rPr>
+              <a:t> + Noun</a:t>
             </a:r>
           </a:p>
           <a:p>
@@ -3714,7 +3750,7 @@
               <a:buAutoNum type="arabicPeriod"/>
             </a:pPr>
             <a:r>
-              <a:rPr lang="fr-CH" sz="4000" dirty="0" err="1" smtClean="0">
+              <a:rPr lang="fr-CH" sz="2800" dirty="0" err="1" smtClean="0">
                 <a:solidFill>
                   <a:srgbClr val="333333"/>
                 </a:solidFill>
@@ -3723,7 +3759,7 @@
               <a:t>Cutoff</a:t>
             </a:r>
             <a:r>
-              <a:rPr lang="fr-CH" sz="4000" dirty="0" smtClean="0">
+              <a:rPr lang="fr-CH" sz="2800" dirty="0" smtClean="0">
                 <a:solidFill>
                   <a:srgbClr val="333333"/>
                 </a:solidFill>
@@ -3732,7 +3768,7 @@
               <a:t> </a:t>
             </a:r>
             <a:r>
-              <a:rPr lang="fr-CH" sz="4000" dirty="0" err="1" smtClean="0">
+              <a:rPr lang="fr-CH" sz="2800" dirty="0" err="1" smtClean="0">
                 <a:solidFill>
                   <a:srgbClr val="333333"/>
                 </a:solidFill>
@@ -3741,7 +3777,7 @@
               <a:t>Frequency</a:t>
             </a:r>
             <a:r>
-              <a:rPr lang="fr-CH" sz="4000" dirty="0" smtClean="0">
+              <a:rPr lang="fr-CH" sz="2800" dirty="0" smtClean="0">
                 <a:solidFill>
                   <a:srgbClr val="333333"/>
                 </a:solidFill>
@@ -3750,7 +3786,7 @@
               <a:t>: </a:t>
             </a:r>
             <a:r>
-              <a:rPr lang="fr-CH" sz="4000" dirty="0" err="1" smtClean="0">
+              <a:rPr lang="fr-CH" sz="2800" dirty="0" err="1" smtClean="0">
                 <a:solidFill>
                   <a:srgbClr val="333333"/>
                 </a:solidFill>
@@ -3759,7 +3795,38 @@
               <a:t>Removal</a:t>
             </a:r>
             <a:r>
-              <a:rPr lang="fr-CH" sz="4000" dirty="0" smtClean="0">
+              <a:rPr lang="fr-CH" sz="2800" dirty="0" smtClean="0">
+                <a:solidFill>
+                  <a:srgbClr val="333333"/>
+                </a:solidFill>
+                <a:latin typeface="Century Gothic"/>
+              </a:rPr>
+              <a:t> of </a:t>
+            </a:r>
+            <a:r>
+              <a:rPr lang="fr-CH" sz="2800" dirty="0" err="1" smtClean="0">
+                <a:solidFill>
+                  <a:srgbClr val="333333"/>
+                </a:solidFill>
+                <a:latin typeface="Century Gothic"/>
+              </a:rPr>
+              <a:t>words</a:t>
+            </a:r>
+            <a:endParaRPr lang="fr-CH" sz="2800" dirty="0">
+              <a:solidFill>
+                <a:srgbClr val="333333"/>
+              </a:solidFill>
+              <a:latin typeface="Century Gothic"/>
+            </a:endParaRPr>
+          </a:p>
+          <a:p>
+            <a:pPr>
+              <a:buClr>
+                <a:srgbClr val="990000"/>
+              </a:buClr>
+            </a:pPr>
+            <a:r>
+              <a:rPr lang="fr-CH" sz="2800" dirty="0">
                 <a:solidFill>
                   <a:srgbClr val="333333"/>
                 </a:solidFill>
@@ -3768,25 +3835,25 @@
               <a:t> </a:t>
             </a:r>
             <a:r>
-              <a:rPr lang="fr-CH" sz="4000" dirty="0" smtClean="0">
-                <a:solidFill>
-                  <a:srgbClr val="333333"/>
-                </a:solidFill>
-                <a:latin typeface="Century Gothic"/>
-              </a:rPr>
-              <a:t>of </a:t>
-            </a:r>
-            <a:r>
-              <a:rPr lang="fr-CH" sz="4000" dirty="0" err="1" smtClean="0">
-                <a:solidFill>
-                  <a:srgbClr val="333333"/>
-                </a:solidFill>
-                <a:latin typeface="Century Gothic"/>
-              </a:rPr>
-              <a:t>words</a:t>
-            </a:r>
-            <a:r>
-              <a:rPr lang="fr-CH" sz="4000" dirty="0" smtClean="0">
+              <a:rPr lang="fr-CH" sz="2800" dirty="0" smtClean="0">
+                <a:solidFill>
+                  <a:srgbClr val="333333"/>
+                </a:solidFill>
+                <a:latin typeface="Century Gothic"/>
+              </a:rPr>
+              <a:t>        </a:t>
+            </a:r>
+            <a:r>
+              <a:rPr lang="fr-CH" sz="2800" dirty="0" err="1" smtClean="0">
+                <a:solidFill>
+                  <a:srgbClr val="333333"/>
+                </a:solidFill>
+                <a:latin typeface="Century Gothic"/>
+              </a:rPr>
+              <a:t>that</a:t>
+            </a:r>
+            <a:r>
+              <a:rPr lang="fr-CH" sz="2800" dirty="0" smtClean="0">
                 <a:solidFill>
                   <a:srgbClr val="333333"/>
                 </a:solidFill>
@@ -3795,16 +3862,34 @@
               <a:t> </a:t>
             </a:r>
             <a:r>
-              <a:rPr lang="fr-CH" sz="4000" dirty="0" err="1" smtClean="0">
-                <a:solidFill>
-                  <a:srgbClr val="333333"/>
-                </a:solidFill>
-                <a:latin typeface="Century Gothic"/>
-              </a:rPr>
-              <a:t>that</a:t>
-            </a:r>
-            <a:r>
-              <a:rPr lang="fr-CH" sz="4000" dirty="0" smtClean="0">
+              <a:rPr lang="fr-CH" sz="2800" dirty="0" err="1" smtClean="0">
+                <a:solidFill>
+                  <a:srgbClr val="333333"/>
+                </a:solidFill>
+                <a:latin typeface="Century Gothic"/>
+              </a:rPr>
+              <a:t>were</a:t>
+            </a:r>
+            <a:r>
+              <a:rPr lang="fr-CH" sz="2800" dirty="0" smtClean="0">
+                <a:solidFill>
+                  <a:srgbClr val="333333"/>
+                </a:solidFill>
+                <a:latin typeface="Century Gothic"/>
+              </a:rPr>
+              <a:t> not </a:t>
+            </a:r>
+            <a:r>
+              <a:rPr lang="fr-CH" sz="2800" dirty="0" err="1" smtClean="0">
+                <a:solidFill>
+                  <a:srgbClr val="333333"/>
+                </a:solidFill>
+                <a:latin typeface="Century Gothic"/>
+              </a:rPr>
+              <a:t>present</a:t>
+            </a:r>
+            <a:r>
+              <a:rPr lang="fr-CH" sz="2800" dirty="0" smtClean="0">
                 <a:solidFill>
                   <a:srgbClr val="333333"/>
                 </a:solidFill>
@@ -3813,43 +3898,7 @@
               <a:t> </a:t>
             </a:r>
             <a:r>
-              <a:rPr lang="fr-CH" sz="4000" dirty="0" err="1" smtClean="0">
-                <a:solidFill>
-                  <a:srgbClr val="333333"/>
-                </a:solidFill>
-                <a:latin typeface="Century Gothic"/>
-              </a:rPr>
-              <a:t>were</a:t>
-            </a:r>
-            <a:r>
-              <a:rPr lang="fr-CH" sz="4000" dirty="0" smtClean="0">
-                <a:solidFill>
-                  <a:srgbClr val="333333"/>
-                </a:solidFill>
-                <a:latin typeface="Century Gothic"/>
-              </a:rPr>
-              <a:t> not </a:t>
-            </a:r>
-            <a:r>
-              <a:rPr lang="fr-CH" sz="4000" dirty="0" err="1" smtClean="0">
-                <a:solidFill>
-                  <a:srgbClr val="333333"/>
-                </a:solidFill>
-                <a:latin typeface="Century Gothic"/>
-              </a:rPr>
-              <a:t>present</a:t>
-            </a:r>
-            <a:r>
-              <a:rPr lang="fr-CH" sz="4000" dirty="0" smtClean="0">
-                <a:solidFill>
-                  <a:srgbClr val="333333"/>
-                </a:solidFill>
-                <a:latin typeface="Century Gothic"/>
-              </a:rPr>
-              <a:t> </a:t>
-            </a:r>
-            <a:r>
-              <a:rPr lang="fr-CH" sz="4000" dirty="0" err="1" smtClean="0">
+              <a:rPr lang="fr-CH" sz="2800" dirty="0" err="1" smtClean="0">
                 <a:solidFill>
                   <a:srgbClr val="333333"/>
                 </a:solidFill>
@@ -3857,7 +3906,7 @@
               </a:rPr>
               <a:t>enough</a:t>
             </a:r>
-            <a:endParaRPr lang="fr-CH" sz="4000" dirty="0" smtClean="0">
+            <a:endParaRPr lang="fr-CH" sz="2800" dirty="0" smtClean="0">
               <a:solidFill>
                 <a:srgbClr val="333333"/>
               </a:solidFill>
@@ -3872,7 +3921,7 @@
               <a:buFont typeface="+mj-lt"/>
               <a:buAutoNum type="arabicPeriod"/>
             </a:pPr>
-            <a:endParaRPr lang="fr-CH" sz="4000" b="1" dirty="0">
+            <a:endParaRPr lang="fr-CH" sz="2800" b="1" dirty="0">
               <a:solidFill>
                 <a:srgbClr val="333333"/>
               </a:solidFill>
@@ -3886,7 +3935,7 @@
               </a:buClr>
             </a:pPr>
             <a:r>
-              <a:rPr lang="fr-CH" sz="4000" b="1" dirty="0" err="1" smtClean="0">
+              <a:rPr lang="fr-CH" sz="2800" b="1" dirty="0" err="1" smtClean="0">
                 <a:solidFill>
                   <a:srgbClr val="333333"/>
                 </a:solidFill>
@@ -3895,7 +3944,7 @@
               <a:t>Result</a:t>
             </a:r>
             <a:r>
-              <a:rPr lang="fr-CH" sz="4000" b="1" dirty="0" smtClean="0">
+              <a:rPr lang="fr-CH" sz="2800" b="1" dirty="0" smtClean="0">
                 <a:solidFill>
                   <a:srgbClr val="333333"/>
                 </a:solidFill>
@@ -3904,7 +3953,7 @@
               <a:t>: </a:t>
             </a:r>
             <a:r>
-              <a:rPr lang="fr-CH" sz="4000" dirty="0" smtClean="0">
+              <a:rPr lang="fr-CH" sz="2800" dirty="0" smtClean="0">
                 <a:solidFill>
                   <a:srgbClr val="333333"/>
                 </a:solidFill>
@@ -3913,7 +3962,7 @@
               <a:t>Time </a:t>
             </a:r>
             <a:r>
-              <a:rPr lang="fr-CH" sz="4000" dirty="0" err="1" smtClean="0">
+              <a:rPr lang="fr-CH" sz="2800" dirty="0" err="1" smtClean="0">
                 <a:solidFill>
                   <a:srgbClr val="333333"/>
                 </a:solidFill>
@@ -3922,7 +3971,7 @@
               <a:t>serie</a:t>
             </a:r>
             <a:r>
-              <a:rPr lang="fr-CH" sz="4000" dirty="0" smtClean="0">
+              <a:rPr lang="fr-CH" sz="2800" dirty="0" smtClean="0">
                 <a:solidFill>
                   <a:srgbClr val="333333"/>
                 </a:solidFill>
@@ -3931,7 +3980,7 @@
               <a:t> of the </a:t>
             </a:r>
             <a:r>
-              <a:rPr lang="fr-CH" sz="4000" dirty="0" err="1" smtClean="0">
+              <a:rPr lang="fr-CH" sz="2800" dirty="0" err="1" smtClean="0">
                 <a:solidFill>
                   <a:srgbClr val="333333"/>
                 </a:solidFill>
@@ -3940,7 +3989,7 @@
               <a:t>frequency</a:t>
             </a:r>
             <a:r>
-              <a:rPr lang="fr-CH" sz="4000" dirty="0" smtClean="0">
+              <a:rPr lang="fr-CH" sz="2800" dirty="0" smtClean="0">
                 <a:solidFill>
                   <a:srgbClr val="333333"/>
                 </a:solidFill>
@@ -3949,7 +3998,7 @@
               <a:t> of </a:t>
             </a:r>
             <a:r>
-              <a:rPr lang="fr-CH" sz="4000" dirty="0" err="1" smtClean="0">
+              <a:rPr lang="fr-CH" sz="2800" dirty="0" err="1" smtClean="0">
                 <a:solidFill>
                   <a:srgbClr val="333333"/>
                 </a:solidFill>
@@ -3958,7 +4007,7 @@
               <a:t>each</a:t>
             </a:r>
             <a:r>
-              <a:rPr lang="fr-CH" sz="4000" dirty="0" smtClean="0">
+              <a:rPr lang="fr-CH" sz="2800" dirty="0" smtClean="0">
                 <a:solidFill>
                   <a:srgbClr val="333333"/>
                 </a:solidFill>
@@ -3967,7 +4016,7 @@
               <a:t> </a:t>
             </a:r>
             <a:r>
-              <a:rPr lang="fr-CH" sz="4000" dirty="0" err="1" smtClean="0">
+              <a:rPr lang="fr-CH" sz="2800" dirty="0" err="1" smtClean="0">
                 <a:solidFill>
                   <a:srgbClr val="333333"/>
                 </a:solidFill>
@@ -3975,7 +4024,7 @@
               </a:rPr>
               <a:t>word</a:t>
             </a:r>
-            <a:endParaRPr lang="fr-CH" sz="4000" b="1" dirty="0" smtClean="0">
+            <a:endParaRPr lang="fr-CH" sz="2800" b="1" dirty="0" smtClean="0">
               <a:solidFill>
                 <a:srgbClr val="333333"/>
               </a:solidFill>
@@ -4022,8 +4071,8 @@
         </p:nvSpPr>
         <p:spPr>
           <a:xfrm>
-            <a:off x="888657" y="2260600"/>
-            <a:ext cx="13716000" cy="8340745"/>
+            <a:off x="844413" y="3083132"/>
+            <a:ext cx="12318657" cy="5878532"/>
           </a:xfrm>
           <a:prstGeom prst="rect">
             <a:avLst/>
@@ -4042,7 +4091,7 @@
               </a:buClr>
             </a:pPr>
             <a:r>
-              <a:rPr lang="fr-CH" sz="4800" b="1" dirty="0" smtClean="0">
+              <a:rPr lang="fr-CH" sz="4000" b="1" dirty="0" smtClean="0">
                 <a:solidFill>
                   <a:srgbClr val="333333"/>
                 </a:solidFill>
@@ -4051,7 +4100,7 @@
               <a:t>The </a:t>
             </a:r>
             <a:r>
-              <a:rPr lang="fr-CH" sz="4800" b="1" dirty="0" err="1" smtClean="0">
+              <a:rPr lang="fr-CH" sz="4000" b="1" dirty="0" err="1" smtClean="0">
                 <a:solidFill>
                   <a:srgbClr val="333333"/>
                 </a:solidFill>
@@ -4059,237 +4108,6 @@
               </a:rPr>
               <a:t>Dataset</a:t>
             </a:r>
-            <a:r>
-              <a:rPr lang="fr-CH" sz="4800" b="1" dirty="0" smtClean="0">
-                <a:solidFill>
-                  <a:srgbClr val="333333"/>
-                </a:solidFill>
-                <a:latin typeface="Century Gothic"/>
-              </a:rPr>
-              <a:t>:</a:t>
-            </a:r>
-          </a:p>
-          <a:p>
-            <a:pPr>
-              <a:buClr>
-                <a:srgbClr val="990000"/>
-              </a:buClr>
-            </a:pPr>
-            <a:r>
-              <a:rPr lang="fr-CH" sz="4000" dirty="0" smtClean="0">
-                <a:solidFill>
-                  <a:srgbClr val="333333"/>
-                </a:solidFill>
-                <a:latin typeface="Century Gothic"/>
-              </a:rPr>
-              <a:t>200 </a:t>
-            </a:r>
-            <a:r>
-              <a:rPr lang="fr-CH" sz="4000" dirty="0" err="1" smtClean="0">
-                <a:solidFill>
-                  <a:srgbClr val="333333"/>
-                </a:solidFill>
-                <a:latin typeface="Century Gothic"/>
-              </a:rPr>
-              <a:t>years</a:t>
-            </a:r>
-            <a:r>
-              <a:rPr lang="fr-CH" sz="4000" dirty="0" smtClean="0">
-                <a:solidFill>
-                  <a:srgbClr val="333333"/>
-                </a:solidFill>
-                <a:latin typeface="Century Gothic"/>
-              </a:rPr>
-              <a:t> of </a:t>
-            </a:r>
-            <a:r>
-              <a:rPr lang="fr-CH" sz="4000" dirty="0" err="1" smtClean="0">
-                <a:solidFill>
-                  <a:srgbClr val="333333"/>
-                </a:solidFill>
-                <a:latin typeface="Century Gothic"/>
-              </a:rPr>
-              <a:t>daily</a:t>
-            </a:r>
-            <a:r>
-              <a:rPr lang="fr-CH" sz="4000" dirty="0" smtClean="0">
-                <a:solidFill>
-                  <a:srgbClr val="333333"/>
-                </a:solidFill>
-                <a:latin typeface="Century Gothic"/>
-              </a:rPr>
-              <a:t> articles </a:t>
-            </a:r>
-            <a:r>
-              <a:rPr lang="fr-CH" sz="4000" dirty="0" err="1" smtClean="0">
-                <a:solidFill>
-                  <a:srgbClr val="333333"/>
-                </a:solidFill>
-                <a:latin typeface="Century Gothic"/>
-              </a:rPr>
-              <a:t>from</a:t>
-            </a:r>
-            <a:r>
-              <a:rPr lang="fr-CH" sz="4000" dirty="0" smtClean="0">
-                <a:solidFill>
-                  <a:srgbClr val="333333"/>
-                </a:solidFill>
-                <a:latin typeface="Century Gothic"/>
-              </a:rPr>
-              <a:t>:</a:t>
-            </a:r>
-          </a:p>
-          <a:p>
-            <a:pPr>
-              <a:buClr>
-                <a:srgbClr val="990000"/>
-              </a:buClr>
-            </a:pPr>
-            <a:endParaRPr lang="fr-CH" sz="4000" dirty="0">
-              <a:solidFill>
-                <a:srgbClr val="333333"/>
-              </a:solidFill>
-              <a:latin typeface="Century Gothic"/>
-            </a:endParaRPr>
-          </a:p>
-          <a:p>
-            <a:pPr>
-              <a:buClr>
-                <a:srgbClr val="990000"/>
-              </a:buClr>
-            </a:pPr>
-            <a:endParaRPr lang="fr-CH" sz="4000" dirty="0" smtClean="0">
-              <a:solidFill>
-                <a:srgbClr val="333333"/>
-              </a:solidFill>
-              <a:latin typeface="Century Gothic"/>
-            </a:endParaRPr>
-          </a:p>
-          <a:p>
-            <a:pPr>
-              <a:buClr>
-                <a:srgbClr val="990000"/>
-              </a:buClr>
-            </a:pPr>
-            <a:r>
-              <a:rPr lang="fr-CH" sz="4000" dirty="0" smtClean="0">
-                <a:solidFill>
-                  <a:srgbClr val="333333"/>
-                </a:solidFill>
-                <a:latin typeface="Century Gothic"/>
-              </a:rPr>
-              <a:t> 	                Publication dates: 1798 </a:t>
-            </a:r>
-            <a:r>
-              <a:rPr lang="mr-IN" sz="4000" dirty="0" smtClean="0">
-                <a:solidFill>
-                  <a:srgbClr val="333333"/>
-                </a:solidFill>
-                <a:latin typeface="Century Gothic"/>
-              </a:rPr>
-              <a:t>–</a:t>
-            </a:r>
-            <a:r>
-              <a:rPr lang="fr-CH" sz="4000" dirty="0" smtClean="0">
-                <a:solidFill>
-                  <a:srgbClr val="333333"/>
-                </a:solidFill>
-                <a:latin typeface="Century Gothic"/>
-              </a:rPr>
-              <a:t> 1998</a:t>
-            </a:r>
-          </a:p>
-          <a:p>
-            <a:pPr>
-              <a:buClr>
-                <a:srgbClr val="990000"/>
-              </a:buClr>
-            </a:pPr>
-            <a:endParaRPr lang="fr-CH" sz="4000" dirty="0">
-              <a:solidFill>
-                <a:srgbClr val="333333"/>
-              </a:solidFill>
-              <a:latin typeface="Century Gothic"/>
-            </a:endParaRPr>
-          </a:p>
-          <a:p>
-            <a:pPr>
-              <a:buClr>
-                <a:srgbClr val="990000"/>
-              </a:buClr>
-            </a:pPr>
-            <a:r>
-              <a:rPr lang="fr-CH" sz="4000" dirty="0" smtClean="0">
-                <a:solidFill>
-                  <a:srgbClr val="333333"/>
-                </a:solidFill>
-                <a:latin typeface="Century Gothic"/>
-              </a:rPr>
-              <a:t>	</a:t>
-            </a:r>
-          </a:p>
-          <a:p>
-            <a:pPr>
-              <a:buClr>
-                <a:srgbClr val="990000"/>
-              </a:buClr>
-            </a:pPr>
-            <a:r>
-              <a:rPr lang="fr-CH" sz="4000" dirty="0">
-                <a:solidFill>
-                  <a:srgbClr val="333333"/>
-                </a:solidFill>
-                <a:latin typeface="Century Gothic"/>
-              </a:rPr>
-              <a:t>	 </a:t>
-            </a:r>
-            <a:r>
-              <a:rPr lang="fr-CH" sz="4000" dirty="0" smtClean="0">
-                <a:solidFill>
-                  <a:srgbClr val="333333"/>
-                </a:solidFill>
-                <a:latin typeface="Century Gothic"/>
-              </a:rPr>
-              <a:t>               Publication dates: 1826 </a:t>
-            </a:r>
-            <a:r>
-              <a:rPr lang="mr-IN" sz="4000" dirty="0" smtClean="0">
-                <a:solidFill>
-                  <a:srgbClr val="333333"/>
-                </a:solidFill>
-                <a:latin typeface="Century Gothic"/>
-              </a:rPr>
-              <a:t>–</a:t>
-            </a:r>
-            <a:r>
-              <a:rPr lang="fr-CH" sz="4000" dirty="0" smtClean="0">
-                <a:solidFill>
-                  <a:srgbClr val="333333"/>
-                </a:solidFill>
-                <a:latin typeface="Century Gothic"/>
-              </a:rPr>
-              <a:t> 1998</a:t>
-            </a:r>
-          </a:p>
-          <a:p>
-            <a:pPr>
-              <a:buClr>
-                <a:srgbClr val="990000"/>
-              </a:buClr>
-            </a:pPr>
-            <a:endParaRPr lang="fr-CH" sz="4000" dirty="0">
-              <a:solidFill>
-                <a:srgbClr val="333333"/>
-              </a:solidFill>
-              <a:latin typeface="Century Gothic"/>
-            </a:endParaRPr>
-          </a:p>
-          <a:p>
-            <a:pPr>
-              <a:buClr>
-                <a:srgbClr val="990000"/>
-              </a:buClr>
-            </a:pPr>
             <a:endParaRPr lang="fr-CH" sz="4000" b="1" dirty="0" smtClean="0">
               <a:solidFill>
                 <a:srgbClr val="333333"/>
@@ -4304,7 +4122,235 @@
               </a:buClr>
             </a:pPr>
             <a:r>
-              <a:rPr lang="fr-CH" sz="4000" b="1" dirty="0" smtClean="0">
+              <a:rPr lang="fr-CH" sz="2800" dirty="0" smtClean="0">
+                <a:solidFill>
+                  <a:srgbClr val="333333"/>
+                </a:solidFill>
+                <a:latin typeface="Century Gothic"/>
+              </a:rPr>
+              <a:t>200 </a:t>
+            </a:r>
+            <a:r>
+              <a:rPr lang="fr-CH" sz="2800" dirty="0" err="1" smtClean="0">
+                <a:solidFill>
+                  <a:srgbClr val="333333"/>
+                </a:solidFill>
+                <a:latin typeface="Century Gothic"/>
+              </a:rPr>
+              <a:t>years</a:t>
+            </a:r>
+            <a:r>
+              <a:rPr lang="fr-CH" sz="2800" dirty="0" smtClean="0">
+                <a:solidFill>
+                  <a:srgbClr val="333333"/>
+                </a:solidFill>
+                <a:latin typeface="Century Gothic"/>
+              </a:rPr>
+              <a:t> of </a:t>
+            </a:r>
+            <a:r>
+              <a:rPr lang="fr-CH" sz="2800" dirty="0" err="1" smtClean="0">
+                <a:solidFill>
+                  <a:srgbClr val="333333"/>
+                </a:solidFill>
+                <a:latin typeface="Century Gothic"/>
+              </a:rPr>
+              <a:t>daily</a:t>
+            </a:r>
+            <a:r>
+              <a:rPr lang="fr-CH" sz="2800" dirty="0" smtClean="0">
+                <a:solidFill>
+                  <a:srgbClr val="333333"/>
+                </a:solidFill>
+                <a:latin typeface="Century Gothic"/>
+              </a:rPr>
+              <a:t> articles </a:t>
+            </a:r>
+            <a:r>
+              <a:rPr lang="fr-CH" sz="2800" dirty="0" err="1" smtClean="0">
+                <a:solidFill>
+                  <a:srgbClr val="333333"/>
+                </a:solidFill>
+                <a:latin typeface="Century Gothic"/>
+              </a:rPr>
+              <a:t>from</a:t>
+            </a:r>
+            <a:r>
+              <a:rPr lang="fr-CH" sz="2800" dirty="0" smtClean="0">
+                <a:solidFill>
+                  <a:srgbClr val="333333"/>
+                </a:solidFill>
+                <a:latin typeface="Century Gothic"/>
+              </a:rPr>
+              <a:t>:</a:t>
+            </a:r>
+          </a:p>
+          <a:p>
+            <a:pPr>
+              <a:buClr>
+                <a:srgbClr val="990000"/>
+              </a:buClr>
+            </a:pPr>
+            <a:endParaRPr lang="fr-CH" sz="2800" dirty="0">
+              <a:solidFill>
+                <a:srgbClr val="333333"/>
+              </a:solidFill>
+              <a:latin typeface="Century Gothic"/>
+            </a:endParaRPr>
+          </a:p>
+          <a:p>
+            <a:pPr>
+              <a:buClr>
+                <a:srgbClr val="990000"/>
+              </a:buClr>
+            </a:pPr>
+            <a:endParaRPr lang="fr-CH" sz="2800" dirty="0" smtClean="0">
+              <a:solidFill>
+                <a:srgbClr val="333333"/>
+              </a:solidFill>
+              <a:latin typeface="Century Gothic"/>
+            </a:endParaRPr>
+          </a:p>
+          <a:p>
+            <a:pPr>
+              <a:buClr>
+                <a:srgbClr val="990000"/>
+              </a:buClr>
+            </a:pPr>
+            <a:r>
+              <a:rPr lang="fr-CH" sz="2800" dirty="0" smtClean="0">
+                <a:solidFill>
+                  <a:srgbClr val="333333"/>
+                </a:solidFill>
+                <a:latin typeface="Century Gothic"/>
+              </a:rPr>
+              <a:t> 	                    Publication dates: 1798 </a:t>
+            </a:r>
+            <a:r>
+              <a:rPr lang="mr-IN" sz="2800" dirty="0" smtClean="0">
+                <a:solidFill>
+                  <a:srgbClr val="333333"/>
+                </a:solidFill>
+                <a:latin typeface="Century Gothic"/>
+              </a:rPr>
+              <a:t>–</a:t>
+            </a:r>
+            <a:r>
+              <a:rPr lang="fr-CH" sz="2800" dirty="0" smtClean="0">
+                <a:solidFill>
+                  <a:srgbClr val="333333"/>
+                </a:solidFill>
+                <a:latin typeface="Century Gothic"/>
+              </a:rPr>
+              <a:t> 1998</a:t>
+            </a:r>
+          </a:p>
+          <a:p>
+            <a:pPr>
+              <a:buClr>
+                <a:srgbClr val="990000"/>
+              </a:buClr>
+            </a:pPr>
+            <a:endParaRPr lang="fr-CH" sz="2800" dirty="0">
+              <a:solidFill>
+                <a:srgbClr val="333333"/>
+              </a:solidFill>
+              <a:latin typeface="Century Gothic"/>
+            </a:endParaRPr>
+          </a:p>
+          <a:p>
+            <a:pPr>
+              <a:buClr>
+                <a:srgbClr val="990000"/>
+              </a:buClr>
+            </a:pPr>
+            <a:r>
+              <a:rPr lang="fr-CH" sz="2800" dirty="0" smtClean="0">
+                <a:solidFill>
+                  <a:srgbClr val="333333"/>
+                </a:solidFill>
+                <a:latin typeface="Century Gothic"/>
+              </a:rPr>
+              <a:t>	</a:t>
+            </a:r>
+          </a:p>
+          <a:p>
+            <a:pPr>
+              <a:buClr>
+                <a:srgbClr val="990000"/>
+              </a:buClr>
+            </a:pPr>
+            <a:r>
+              <a:rPr lang="fr-CH" sz="2800" dirty="0">
+                <a:solidFill>
+                  <a:srgbClr val="333333"/>
+                </a:solidFill>
+                <a:latin typeface="Century Gothic"/>
+              </a:rPr>
+              <a:t>	 </a:t>
+            </a:r>
+            <a:r>
+              <a:rPr lang="fr-CH" sz="2800" dirty="0" smtClean="0">
+                <a:solidFill>
+                  <a:srgbClr val="333333"/>
+                </a:solidFill>
+                <a:latin typeface="Century Gothic"/>
+              </a:rPr>
+              <a:t>                   Publication dates: 1826 </a:t>
+            </a:r>
+            <a:r>
+              <a:rPr lang="mr-IN" sz="2800" dirty="0" smtClean="0">
+                <a:solidFill>
+                  <a:srgbClr val="333333"/>
+                </a:solidFill>
+                <a:latin typeface="Century Gothic"/>
+              </a:rPr>
+              <a:t>–</a:t>
+            </a:r>
+            <a:r>
+              <a:rPr lang="fr-CH" sz="2800" dirty="0" smtClean="0">
+                <a:solidFill>
+                  <a:srgbClr val="333333"/>
+                </a:solidFill>
+                <a:latin typeface="Century Gothic"/>
+              </a:rPr>
+              <a:t> 1998</a:t>
+            </a:r>
+          </a:p>
+          <a:p>
+            <a:pPr>
+              <a:buClr>
+                <a:srgbClr val="990000"/>
+              </a:buClr>
+            </a:pPr>
+            <a:endParaRPr lang="fr-CH" sz="2800" dirty="0">
+              <a:solidFill>
+                <a:srgbClr val="333333"/>
+              </a:solidFill>
+              <a:latin typeface="Century Gothic"/>
+            </a:endParaRPr>
+          </a:p>
+          <a:p>
+            <a:pPr>
+              <a:buClr>
+                <a:srgbClr val="990000"/>
+              </a:buClr>
+            </a:pPr>
+            <a:endParaRPr lang="fr-CH" sz="2800" b="1" dirty="0" smtClean="0">
+              <a:solidFill>
+                <a:srgbClr val="333333"/>
+              </a:solidFill>
+              <a:latin typeface="Century Gothic"/>
+            </a:endParaRPr>
+          </a:p>
+          <a:p>
+            <a:pPr>
+              <a:buClr>
+                <a:srgbClr val="990000"/>
+              </a:buClr>
+            </a:pPr>
+            <a:r>
+              <a:rPr lang="fr-CH" sz="2800" b="1" dirty="0" smtClean="0">
                 <a:solidFill>
                   <a:srgbClr val="333333"/>
                 </a:solidFill>
@@ -4313,7 +4359,7 @@
               <a:t>Extraction: </a:t>
             </a:r>
             <a:r>
-              <a:rPr lang="fr-CH" sz="4000" dirty="0" err="1" smtClean="0">
+              <a:rPr lang="fr-CH" sz="2800" dirty="0" err="1" smtClean="0">
                 <a:solidFill>
                   <a:srgbClr val="333333"/>
                 </a:solidFill>
@@ -4322,7 +4368,7 @@
               <a:t>Counting</a:t>
             </a:r>
             <a:r>
-              <a:rPr lang="fr-CH" sz="4000" dirty="0" smtClean="0">
+              <a:rPr lang="fr-CH" sz="2800" dirty="0" smtClean="0">
                 <a:solidFill>
                   <a:srgbClr val="333333"/>
                 </a:solidFill>
@@ -4331,7 +4377,7 @@
               <a:t> the 3000+ </a:t>
             </a:r>
             <a:r>
-              <a:rPr lang="fr-CH" sz="4000" dirty="0" err="1" smtClean="0">
+              <a:rPr lang="fr-CH" sz="2800" dirty="0" err="1" smtClean="0">
                 <a:solidFill>
                   <a:srgbClr val="333333"/>
                 </a:solidFill>
@@ -4340,7 +4386,7 @@
               <a:t>most</a:t>
             </a:r>
             <a:r>
-              <a:rPr lang="fr-CH" sz="4000" dirty="0" smtClean="0">
+              <a:rPr lang="fr-CH" sz="2800" dirty="0" smtClean="0">
                 <a:solidFill>
                   <a:srgbClr val="333333"/>
                 </a:solidFill>
@@ -4349,7 +4395,7 @@
               <a:t> </a:t>
             </a:r>
             <a:r>
-              <a:rPr lang="fr-CH" sz="4000" dirty="0" err="1" smtClean="0">
+              <a:rPr lang="fr-CH" sz="2800" dirty="0" err="1" smtClean="0">
                 <a:solidFill>
                   <a:srgbClr val="333333"/>
                 </a:solidFill>
@@ -4358,7 +4404,7 @@
               <a:t>frequent</a:t>
             </a:r>
             <a:r>
-              <a:rPr lang="fr-CH" sz="4000" dirty="0" smtClean="0">
+              <a:rPr lang="fr-CH" sz="2800" dirty="0" smtClean="0">
                 <a:solidFill>
                   <a:srgbClr val="333333"/>
                 </a:solidFill>
@@ -4367,7 +4413,7 @@
               <a:t> </a:t>
             </a:r>
             <a:r>
-              <a:rPr lang="fr-CH" sz="4000" dirty="0" err="1" smtClean="0">
+              <a:rPr lang="fr-CH" sz="2800" dirty="0" err="1" smtClean="0">
                 <a:solidFill>
                   <a:srgbClr val="333333"/>
                 </a:solidFill>
@@ -4376,7 +4422,7 @@
               <a:t>words</a:t>
             </a:r>
             <a:r>
-              <a:rPr lang="fr-CH" sz="4000" dirty="0" smtClean="0">
+              <a:rPr lang="fr-CH" sz="2800" dirty="0" smtClean="0">
                 <a:solidFill>
                   <a:srgbClr val="333333"/>
                 </a:solidFill>
@@ -4385,7 +4431,7 @@
               <a:t> per </a:t>
             </a:r>
             <a:r>
-              <a:rPr lang="fr-CH" sz="4000" dirty="0" err="1" smtClean="0">
+              <a:rPr lang="fr-CH" sz="2800" dirty="0" err="1" smtClean="0">
                 <a:solidFill>
                   <a:srgbClr val="333333"/>
                 </a:solidFill>
@@ -4393,7 +4439,7 @@
               </a:rPr>
               <a:t>month</a:t>
             </a:r>
-            <a:endParaRPr lang="fr-CH" sz="4000" b="1" dirty="0" smtClean="0">
+            <a:endParaRPr lang="fr-CH" sz="2800" b="1" dirty="0" smtClean="0">
               <a:solidFill>
                 <a:srgbClr val="333333"/>
               </a:solidFill>
@@ -4424,7 +4470,7 @@
           <p:nvPr/>
         </p:nvPicPr>
         <p:blipFill>
-          <a:blip r:embed="rId4">
+          <a:blip r:embed="rId5">
             <a:extLst>
               <a:ext uri="{28A0092B-C50C-407E-A947-70E740481C1C}">
                 <a14:useLocalDpi xmlns:a14="http://schemas.microsoft.com/office/drawing/2010/main" val="0"/>
@@ -4438,7 +4484,7 @@
         </p:blipFill>
         <p:spPr bwMode="auto">
           <a:xfrm>
-            <a:off x="888657" y="4468735"/>
+            <a:off x="888657" y="4729630"/>
             <a:ext cx="5070474" cy="1382943"/>
           </a:xfrm>
           <a:prstGeom prst="rect">
@@ -4464,8 +4510,8 @@
         </p:nvCxnSpPr>
         <p:spPr>
           <a:xfrm>
-            <a:off x="15137606" y="1727200"/>
-            <a:ext cx="0" cy="8569345"/>
+            <a:off x="12414009" y="3103531"/>
+            <a:ext cx="35202" cy="5403198"/>
           </a:xfrm>
           <a:prstGeom prst="line">
             <a:avLst/>
@@ -4499,8 +4545,8 @@
         </p:nvCxnSpPr>
         <p:spPr>
           <a:xfrm>
-            <a:off x="-1" y="10296545"/>
-            <a:ext cx="30275214" cy="0"/>
+            <a:off x="380315" y="8993120"/>
+            <a:ext cx="29388485" cy="31473"/>
           </a:xfrm>
           <a:prstGeom prst="line">
             <a:avLst/>
@@ -4534,8 +4580,8 @@
         </p:nvSpPr>
         <p:spPr>
           <a:xfrm>
-            <a:off x="380315" y="10563164"/>
-            <a:ext cx="10770738" cy="1569660"/>
+            <a:off x="782074" y="9427559"/>
+            <a:ext cx="5817518" cy="830997"/>
           </a:xfrm>
           <a:prstGeom prst="rect">
             <a:avLst/>
@@ -4556,7 +4602,7 @@
             <a:r>
               <a:rPr lang="fr-CH" sz="4800" b="1" dirty="0" smtClean="0">
                 <a:solidFill>
-                  <a:srgbClr val="333333"/>
+                  <a:srgbClr val="990100"/>
                 </a:solidFill>
                 <a:latin typeface="Century Gothic"/>
               </a:rPr>
@@ -4565,57 +4611,15 @@
             <a:r>
               <a:rPr lang="fr-CH" sz="4800" b="1" dirty="0" err="1" smtClean="0">
                 <a:solidFill>
-                  <a:srgbClr val="333333"/>
+                  <a:srgbClr val="990100"/>
                 </a:solidFill>
                 <a:latin typeface="Century Gothic"/>
               </a:rPr>
               <a:t>Visualization</a:t>
             </a:r>
-            <a:r>
-              <a:rPr lang="fr-CH" sz="4800" b="1" dirty="0" smtClean="0">
-                <a:solidFill>
-                  <a:srgbClr val="333333"/>
-                </a:solidFill>
-                <a:latin typeface="Century Gothic"/>
-              </a:rPr>
-              <a:t> and </a:t>
-            </a:r>
-            <a:r>
-              <a:rPr lang="fr-CH" sz="4800" b="1" dirty="0" err="1" smtClean="0">
-                <a:solidFill>
-                  <a:srgbClr val="333333"/>
-                </a:solidFill>
-                <a:latin typeface="Century Gothic"/>
-              </a:rPr>
-              <a:t>Processing</a:t>
-            </a:r>
-            <a:r>
-              <a:rPr lang="fr-CH" sz="4800" b="1" dirty="0" smtClean="0">
-                <a:solidFill>
-                  <a:srgbClr val="333333"/>
-                </a:solidFill>
-                <a:latin typeface="Century Gothic"/>
-              </a:rPr>
-              <a:t>:</a:t>
-            </a:r>
-            <a:endParaRPr lang="fr-CH" sz="4000" dirty="0" smtClean="0">
+            <a:endParaRPr lang="fr-CH" sz="4800" dirty="0" smtClean="0">
               <a:solidFill>
-                <a:srgbClr val="333333"/>
-              </a:solidFill>
-              <a:latin typeface="Century Gothic"/>
-            </a:endParaRPr>
-          </a:p>
-          <a:p>
-            <a:pPr marL="914400" indent="-914400">
-              <a:buClr>
-                <a:srgbClr val="990000"/>
-              </a:buClr>
-              <a:buFont typeface="+mj-lt"/>
-              <a:buAutoNum type="arabicPeriod"/>
-            </a:pPr>
-            <a:endParaRPr lang="fr-CH" sz="4800" b="1" dirty="0">
-              <a:solidFill>
-                <a:srgbClr val="333333"/>
+                <a:srgbClr val="990100"/>
               </a:solidFill>
               <a:latin typeface="Century Gothic"/>
             </a:endParaRPr>
@@ -4630,136 +4634,15 @@
         </p:nvGrpSpPr>
         <p:grpSpPr>
           <a:xfrm>
-            <a:off x="380315" y="11692629"/>
-            <a:ext cx="10007600" cy="6304039"/>
-            <a:chOff x="3294417" y="15197830"/>
-            <a:chExt cx="10007600" cy="6304039"/>
+            <a:off x="1142082" y="10627127"/>
+            <a:ext cx="11608682" cy="6534721"/>
+            <a:chOff x="4056184" y="15399344"/>
+            <a:chExt cx="11608682" cy="6534721"/>
           </a:xfrm>
         </p:grpSpPr>
         <p:pic>
           <p:nvPicPr>
             <p:cNvPr id="7" name="Picture 6"/>
-            <p:cNvPicPr>
-              <a:picLocks noChangeAspect="1"/>
-            </p:cNvPicPr>
-            <p:nvPr/>
-          </p:nvPicPr>
-          <p:blipFill>
-            <a:blip r:embed="rId5">
-              <a:extLst>
-                <a:ext uri="{28A0092B-C50C-407E-A947-70E740481C1C}">
-                  <a14:useLocalDpi xmlns:a14="http://schemas.microsoft.com/office/drawing/2010/main" val="0"/>
-                </a:ext>
-              </a:extLst>
-            </a:blip>
-            <a:stretch>
-              <a:fillRect/>
-            </a:stretch>
-          </p:blipFill>
-          <p:spPr>
-            <a:xfrm>
-              <a:off x="3758515" y="15905717"/>
-              <a:ext cx="8139858" cy="5596152"/>
-            </a:xfrm>
-            <a:prstGeom prst="rect">
-              <a:avLst/>
-            </a:prstGeom>
-          </p:spPr>
-        </p:pic>
-        <p:sp>
-          <p:nvSpPr>
-            <p:cNvPr id="10" name="TextBox 9"/>
-            <p:cNvSpPr txBox="1"/>
-            <p:nvPr/>
-          </p:nvSpPr>
-          <p:spPr>
-            <a:xfrm>
-              <a:off x="3294417" y="15197830"/>
-              <a:ext cx="10007600" cy="707886"/>
-            </a:xfrm>
-            <a:prstGeom prst="rect">
-              <a:avLst/>
-            </a:prstGeom>
-            <a:noFill/>
-          </p:spPr>
-          <p:txBody>
-            <a:bodyPr wrap="square" rtlCol="0">
-              <a:spAutoFit/>
-            </a:bodyPr>
-            <a:lstStyle/>
-            <a:p>
-              <a:r>
-                <a:rPr lang="en-US" sz="4000" dirty="0" smtClean="0">
-                  <a:latin typeface="Century Gothic" charset="0"/>
-                  <a:ea typeface="Century Gothic" charset="0"/>
-                  <a:cs typeface="Century Gothic" charset="0"/>
-                </a:rPr>
-                <a:t>Total word count over the years</a:t>
-              </a:r>
-              <a:endParaRPr lang="en-US" sz="4000" dirty="0">
-                <a:latin typeface="Century Gothic" charset="0"/>
-                <a:ea typeface="Century Gothic" charset="0"/>
-                <a:cs typeface="Century Gothic" charset="0"/>
-              </a:endParaRPr>
-            </a:p>
-          </p:txBody>
-        </p:sp>
-      </p:grpSp>
-      <p:grpSp>
-        <p:nvGrpSpPr>
-          <p:cNvPr id="21" name="Group 20"/>
-          <p:cNvGrpSpPr/>
-          <p:nvPr/>
-        </p:nvGrpSpPr>
-        <p:grpSpPr>
-          <a:xfrm>
-            <a:off x="20377544" y="10626790"/>
-            <a:ext cx="8838023" cy="7994645"/>
-            <a:chOff x="18612383" y="11679862"/>
-            <a:chExt cx="8838023" cy="7994645"/>
-          </a:xfrm>
-        </p:grpSpPr>
-        <p:sp>
-          <p:nvSpPr>
-            <p:cNvPr id="20" name="TextBox 19"/>
-            <p:cNvSpPr txBox="1"/>
-            <p:nvPr/>
-          </p:nvSpPr>
-          <p:spPr>
-            <a:xfrm>
-              <a:off x="18612383" y="11679862"/>
-              <a:ext cx="8016502" cy="1323439"/>
-            </a:xfrm>
-            <a:prstGeom prst="rect">
-              <a:avLst/>
-            </a:prstGeom>
-            <a:noFill/>
-          </p:spPr>
-          <p:txBody>
-            <a:bodyPr wrap="square" rtlCol="0">
-              <a:spAutoFit/>
-            </a:bodyPr>
-            <a:lstStyle/>
-            <a:p>
-              <a:r>
-                <a:rPr lang="en-US" sz="4000" dirty="0" smtClean="0">
-                  <a:latin typeface="Century Gothic" charset="0"/>
-                  <a:ea typeface="Century Gothic" charset="0"/>
-                  <a:cs typeface="Century Gothic" charset="0"/>
-                </a:rPr>
-                <a:t>How much of the data was not extracted?</a:t>
-              </a:r>
-              <a:endParaRPr lang="en-US" sz="4000" dirty="0">
-                <a:latin typeface="Century Gothic" charset="0"/>
-                <a:ea typeface="Century Gothic" charset="0"/>
-                <a:cs typeface="Century Gothic" charset="0"/>
-              </a:endParaRPr>
-            </a:p>
-          </p:txBody>
-        </p:sp>
-        <p:pic>
-          <p:nvPicPr>
-            <p:cNvPr id="18" name="Picture 17"/>
             <p:cNvPicPr>
               <a:picLocks noChangeAspect="1"/>
             </p:cNvPicPr>
@@ -4779,55 +4662,63 @@
           </p:blipFill>
           <p:spPr>
             <a:xfrm>
-              <a:off x="18612383" y="13598366"/>
-              <a:ext cx="8838023" cy="6076141"/>
+              <a:off x="4056184" y="15922564"/>
+              <a:ext cx="8744003" cy="6011501"/>
             </a:xfrm>
             <a:prstGeom prst="rect">
               <a:avLst/>
             </a:prstGeom>
           </p:spPr>
         </p:pic>
+        <p:sp>
+          <p:nvSpPr>
+            <p:cNvPr id="10" name="TextBox 9"/>
+            <p:cNvSpPr txBox="1"/>
+            <p:nvPr/>
+          </p:nvSpPr>
+          <p:spPr>
+            <a:xfrm>
+              <a:off x="5657266" y="15399344"/>
+              <a:ext cx="10007600" cy="523220"/>
+            </a:xfrm>
+            <a:prstGeom prst="rect">
+              <a:avLst/>
+            </a:prstGeom>
+            <a:noFill/>
+          </p:spPr>
+          <p:txBody>
+            <a:bodyPr wrap="square" rtlCol="0">
+              <a:spAutoFit/>
+            </a:bodyPr>
+            <a:lstStyle/>
+            <a:p>
+              <a:r>
+                <a:rPr lang="en-US" sz="2800" dirty="0" smtClean="0">
+                  <a:latin typeface="Century Gothic" charset="0"/>
+                  <a:ea typeface="Century Gothic" charset="0"/>
+                  <a:cs typeface="Century Gothic" charset="0"/>
+                </a:rPr>
+                <a:t>Total word count over the years</a:t>
+              </a:r>
+              <a:endParaRPr lang="en-US" sz="2800" dirty="0">
+                <a:latin typeface="Century Gothic" charset="0"/>
+                <a:ea typeface="Century Gothic" charset="0"/>
+                <a:cs typeface="Century Gothic" charset="0"/>
+              </a:endParaRPr>
+            </a:p>
+          </p:txBody>
+        </p:sp>
       </p:grpSp>
-      <p:pic>
-        <p:nvPicPr>
-          <p:cNvPr id="24" name="Picture 23"/>
-          <p:cNvPicPr>
-            <a:picLocks noChangeAspect="1"/>
-          </p:cNvPicPr>
+      <p:sp>
+        <p:nvSpPr>
+          <p:cNvPr id="20" name="TextBox 19"/>
+          <p:cNvSpPr txBox="1"/>
           <p:nvPr/>
-        </p:nvPicPr>
-        <p:blipFill>
-          <a:blip r:embed="rId7">
-            <a:extLst>
-              <a:ext uri="{28A0092B-C50C-407E-A947-70E740481C1C}">
-                <a14:useLocalDpi xmlns:a14="http://schemas.microsoft.com/office/drawing/2010/main" val="0"/>
-              </a:ext>
-            </a:extLst>
-          </a:blip>
-          <a:stretch>
-            <a:fillRect/>
-          </a:stretch>
-        </p:blipFill>
+        </p:nvSpPr>
         <p:spPr>
           <a:xfrm>
-            <a:off x="12165120" y="13281361"/>
-            <a:ext cx="6580288" cy="4523947"/>
-          </a:xfrm>
-          <a:prstGeom prst="rect">
-            <a:avLst/>
-          </a:prstGeom>
-        </p:spPr>
-      </p:pic>
-      <p:sp>
-        <p:nvSpPr>
-          <p:cNvPr id="26" name="TextBox 25"/>
-          <p:cNvSpPr txBox="1"/>
-          <p:nvPr/>
-        </p:nvSpPr>
-        <p:spPr>
-          <a:xfrm>
-            <a:off x="12165120" y="10606302"/>
-            <a:ext cx="7708161" cy="1938992"/>
+            <a:off x="10956000" y="9838143"/>
+            <a:ext cx="8821826" cy="1323439"/>
           </a:xfrm>
           <a:prstGeom prst="rect">
             <a:avLst/>
@@ -4841,24 +4732,65 @@
           <a:lstStyle/>
           <a:p>
             <a:r>
-              <a:rPr lang="en-US" sz="4000" dirty="0" smtClean="0">
+              <a:rPr lang="en-US" sz="4000" b="1" dirty="0" smtClean="0">
                 <a:latin typeface="Century Gothic" charset="0"/>
                 <a:ea typeface="Century Gothic" charset="0"/>
                 <a:cs typeface="Century Gothic" charset="0"/>
               </a:rPr>
-              <a:t>Long Tail Distribution of words:</a:t>
-            </a:r>
-          </a:p>
-          <a:p>
-            <a:r>
-              <a:rPr lang="en-US" sz="4000" dirty="0" smtClean="0">
+              <a:t>How much of the data was not extracted</a:t>
+            </a:r>
+            <a:r>
+              <a:rPr lang="en-US" sz="4000" b="1" dirty="0" smtClean="0">
                 <a:latin typeface="Century Gothic" charset="0"/>
                 <a:ea typeface="Century Gothic" charset="0"/>
                 <a:cs typeface="Century Gothic" charset="0"/>
               </a:rPr>
+              <a:t>?</a:t>
+            </a:r>
+          </a:p>
+        </p:txBody>
+      </p:sp>
+      <p:sp>
+        <p:nvSpPr>
+          <p:cNvPr id="26" name="TextBox 25"/>
+          <p:cNvSpPr txBox="1"/>
+          <p:nvPr/>
+        </p:nvSpPr>
+        <p:spPr>
+          <a:xfrm>
+            <a:off x="21845934" y="3236665"/>
+            <a:ext cx="7708161" cy="1384995"/>
+          </a:xfrm>
+          <a:prstGeom prst="rect">
+            <a:avLst/>
+          </a:prstGeom>
+          <a:noFill/>
+        </p:spPr>
+        <p:txBody>
+          <a:bodyPr wrap="square" rtlCol="0">
+            <a:spAutoFit/>
+          </a:bodyPr>
+          <a:lstStyle/>
+          <a:p>
+            <a:r>
+              <a:rPr lang="en-US" sz="2800" dirty="0" smtClean="0">
+                <a:latin typeface="Century Gothic" charset="0"/>
+                <a:ea typeface="Century Gothic" charset="0"/>
+                <a:cs typeface="Century Gothic" charset="0"/>
+              </a:rPr>
+              <a:t>Long Tail Distribution of words:</a:t>
+            </a:r>
+          </a:p>
+          <a:p>
+            <a:r>
+              <a:rPr lang="en-US" sz="2800" dirty="0" smtClean="0">
+                <a:latin typeface="Century Gothic" charset="0"/>
+                <a:ea typeface="Century Gothic" charset="0"/>
+                <a:cs typeface="Century Gothic" charset="0"/>
+              </a:rPr>
               <a:t>Due to our cutoff, we miss a part of the data:</a:t>
             </a:r>
-            <a:endParaRPr lang="en-US" sz="4000" dirty="0">
+            <a:endParaRPr lang="en-US" sz="2800" dirty="0">
               <a:latin typeface="Century Gothic" charset="0"/>
               <a:ea typeface="Century Gothic" charset="0"/>
               <a:cs typeface="Century Gothic" charset="0"/>
@@ -4873,9 +4805,9 @@
           <p:nvPr/>
         </p:nvCxnSpPr>
         <p:spPr>
-          <a:xfrm flipH="1">
-            <a:off x="11151053" y="10296545"/>
-            <a:ext cx="74953" cy="8324890"/>
+          <a:xfrm>
+            <a:off x="10619345" y="9843057"/>
+            <a:ext cx="81398" cy="7191624"/>
           </a:xfrm>
           <a:prstGeom prst="line">
             <a:avLst/>
@@ -4901,6 +4833,1173 @@
           </a:fontRef>
         </p:style>
       </p:cxnSp>
+      <p:grpSp>
+        <p:nvGrpSpPr>
+          <p:cNvPr id="8" name="Group 7"/>
+          <p:cNvGrpSpPr/>
+          <p:nvPr/>
+        </p:nvGrpSpPr>
+        <p:grpSpPr>
+          <a:xfrm>
+            <a:off x="21437189" y="9838143"/>
+            <a:ext cx="8838023" cy="7295499"/>
+            <a:chOff x="20232009" y="8610461"/>
+            <a:chExt cx="8838023" cy="7295499"/>
+          </a:xfrm>
+        </p:grpSpPr>
+        <p:pic>
+          <p:nvPicPr>
+            <p:cNvPr id="18" name="Picture 17"/>
+            <p:cNvPicPr>
+              <a:picLocks noChangeAspect="1"/>
+            </p:cNvPicPr>
+            <p:nvPr/>
+          </p:nvPicPr>
+          <p:blipFill>
+            <a:blip r:embed="rId7">
+              <a:extLst>
+                <a:ext uri="{28A0092B-C50C-407E-A947-70E740481C1C}">
+                  <a14:useLocalDpi xmlns:a14="http://schemas.microsoft.com/office/drawing/2010/main" val="0"/>
+                </a:ext>
+              </a:extLst>
+            </a:blip>
+            <a:stretch>
+              <a:fillRect/>
+            </a:stretch>
+          </p:blipFill>
+          <p:spPr>
+            <a:xfrm>
+              <a:off x="20232009" y="9829819"/>
+              <a:ext cx="8838023" cy="6076141"/>
+            </a:xfrm>
+            <a:prstGeom prst="rect">
+              <a:avLst/>
+            </a:prstGeom>
+          </p:spPr>
+        </p:pic>
+        <p:sp>
+          <p:nvSpPr>
+            <p:cNvPr id="23" name="TextBox 22"/>
+            <p:cNvSpPr txBox="1"/>
+            <p:nvPr/>
+          </p:nvSpPr>
+          <p:spPr>
+            <a:xfrm>
+              <a:off x="20457219" y="8610461"/>
+              <a:ext cx="8387601" cy="954107"/>
+            </a:xfrm>
+            <a:prstGeom prst="rect">
+              <a:avLst/>
+            </a:prstGeom>
+            <a:noFill/>
+          </p:spPr>
+          <p:txBody>
+            <a:bodyPr wrap="square" rtlCol="0">
+              <a:spAutoFit/>
+            </a:bodyPr>
+            <a:lstStyle/>
+            <a:p>
+              <a:pPr algn="ctr"/>
+              <a:r>
+                <a:rPr lang="en-US" sz="2800" dirty="0" smtClean="0">
+                  <a:latin typeface="Century Gothic" charset="0"/>
+                  <a:ea typeface="Century Gothic" charset="0"/>
+                  <a:cs typeface="Century Gothic" charset="0"/>
+                </a:rPr>
+                <a:t>Number of </a:t>
+              </a:r>
+              <a:r>
+                <a:rPr lang="en-US" sz="2800" dirty="0" err="1" smtClean="0">
+                  <a:latin typeface="Century Gothic" charset="0"/>
+                  <a:ea typeface="Century Gothic" charset="0"/>
+                  <a:cs typeface="Century Gothic" charset="0"/>
+                </a:rPr>
+                <a:t>occurences</a:t>
+              </a:r>
+              <a:r>
+                <a:rPr lang="en-US" sz="2800" dirty="0" smtClean="0">
+                  <a:latin typeface="Century Gothic" charset="0"/>
+                  <a:ea typeface="Century Gothic" charset="0"/>
+                  <a:cs typeface="Century Gothic" charset="0"/>
+                </a:rPr>
+                <a:t> of least frequent word with percentage of the data that was missed</a:t>
+              </a:r>
+              <a:endParaRPr lang="en-US" sz="2800" dirty="0">
+                <a:latin typeface="Century Gothic" charset="0"/>
+                <a:ea typeface="Century Gothic" charset="0"/>
+                <a:cs typeface="Century Gothic" charset="0"/>
+              </a:endParaRPr>
+            </a:p>
+          </p:txBody>
+        </p:sp>
+      </p:grpSp>
+      <p:pic>
+        <p:nvPicPr>
+          <p:cNvPr id="16" name="Picture 15"/>
+          <p:cNvPicPr>
+            <a:picLocks noChangeAspect="1"/>
+          </p:cNvPicPr>
+          <p:nvPr/>
+        </p:nvPicPr>
+        <p:blipFill>
+          <a:blip r:embed="rId8">
+            <a:extLst>
+              <a:ext uri="{28A0092B-C50C-407E-A947-70E740481C1C}">
+                <a14:useLocalDpi xmlns:a14="http://schemas.microsoft.com/office/drawing/2010/main" val="0"/>
+              </a:ext>
+            </a:extLst>
+          </a:blip>
+          <a:stretch>
+            <a:fillRect/>
+          </a:stretch>
+        </p:blipFill>
+        <p:spPr>
+          <a:xfrm>
+            <a:off x="16160713" y="11227464"/>
+            <a:ext cx="4750932" cy="3266265"/>
+          </a:xfrm>
+          <a:prstGeom prst="rect">
+            <a:avLst/>
+          </a:prstGeom>
+        </p:spPr>
+      </p:pic>
+      <p:sp>
+        <p:nvSpPr>
+          <p:cNvPr id="17" name="TextBox 16"/>
+          <p:cNvSpPr txBox="1"/>
+          <p:nvPr/>
+        </p:nvSpPr>
+        <p:spPr>
+          <a:xfrm>
+            <a:off x="11060867" y="11340815"/>
+            <a:ext cx="4814133" cy="5693866"/>
+          </a:xfrm>
+          <a:prstGeom prst="rect">
+            <a:avLst/>
+          </a:prstGeom>
+          <a:noFill/>
+        </p:spPr>
+        <p:txBody>
+          <a:bodyPr wrap="square" rtlCol="0">
+            <a:spAutoFit/>
+          </a:bodyPr>
+          <a:lstStyle/>
+          <a:p>
+            <a:pPr marL="457200" indent="-457200">
+              <a:buFont typeface="Arial" charset="0"/>
+              <a:buChar char="•"/>
+            </a:pPr>
+            <a:r>
+              <a:rPr lang="en-US" sz="2800" dirty="0">
+                <a:latin typeface="Century Gothic" charset="0"/>
+                <a:ea typeface="Century Gothic" charset="0"/>
+                <a:cs typeface="Century Gothic" charset="0"/>
+              </a:rPr>
+              <a:t>Power Law distribution </a:t>
+            </a:r>
+            <a:r>
+              <a:rPr lang="en-US" sz="2800" dirty="0" smtClean="0">
+                <a:latin typeface="Century Gothic" charset="0"/>
+                <a:ea typeface="Century Gothic" charset="0"/>
+                <a:cs typeface="Century Gothic" charset="0"/>
+              </a:rPr>
+              <a:t>is </a:t>
+            </a:r>
+          </a:p>
+          <a:p>
+            <a:r>
+              <a:rPr lang="en-US" sz="2800" dirty="0">
+                <a:latin typeface="Century Gothic" charset="0"/>
+                <a:ea typeface="Century Gothic" charset="0"/>
+                <a:cs typeface="Century Gothic" charset="0"/>
+              </a:rPr>
+              <a:t> </a:t>
+            </a:r>
+            <a:r>
+              <a:rPr lang="en-US" sz="2800" dirty="0" smtClean="0">
+                <a:latin typeface="Century Gothic" charset="0"/>
+                <a:ea typeface="Century Gothic" charset="0"/>
+                <a:cs typeface="Century Gothic" charset="0"/>
+              </a:rPr>
+              <a:t>    linear </a:t>
+            </a:r>
+            <a:r>
+              <a:rPr lang="en-US" sz="2800" dirty="0">
+                <a:latin typeface="Century Gothic" charset="0"/>
+                <a:ea typeface="Century Gothic" charset="0"/>
+                <a:cs typeface="Century Gothic" charset="0"/>
+              </a:rPr>
+              <a:t>in log-</a:t>
+            </a:r>
+            <a:r>
+              <a:rPr lang="en-US" sz="2800" dirty="0" err="1">
+                <a:latin typeface="Century Gothic" charset="0"/>
+                <a:ea typeface="Century Gothic" charset="0"/>
+                <a:cs typeface="Century Gothic" charset="0"/>
+              </a:rPr>
+              <a:t>lin</a:t>
+            </a:r>
+            <a:r>
+              <a:rPr lang="en-US" sz="2800" dirty="0">
+                <a:latin typeface="Century Gothic" charset="0"/>
+                <a:ea typeface="Century Gothic" charset="0"/>
+                <a:cs typeface="Century Gothic" charset="0"/>
+              </a:rPr>
+              <a:t> scale</a:t>
+            </a:r>
+          </a:p>
+          <a:p>
+            <a:pPr marL="457200" indent="-457200">
+              <a:buFont typeface="Arial" charset="0"/>
+              <a:buChar char="•"/>
+            </a:pPr>
+            <a:r>
+              <a:rPr lang="en-US" sz="2800" dirty="0">
+                <a:latin typeface="Century Gothic" charset="0"/>
+                <a:ea typeface="Century Gothic" charset="0"/>
+                <a:cs typeface="Century Gothic" charset="0"/>
+              </a:rPr>
+              <a:t>Linear Regression of the </a:t>
+            </a:r>
+            <a:endParaRPr lang="en-US" sz="2800" dirty="0" smtClean="0">
+              <a:latin typeface="Century Gothic" charset="0"/>
+              <a:ea typeface="Century Gothic" charset="0"/>
+              <a:cs typeface="Century Gothic" charset="0"/>
+            </a:endParaRPr>
+          </a:p>
+          <a:p>
+            <a:r>
+              <a:rPr lang="en-US" sz="2800" dirty="0">
+                <a:latin typeface="Century Gothic" charset="0"/>
+                <a:ea typeface="Century Gothic" charset="0"/>
+                <a:cs typeface="Century Gothic" charset="0"/>
+              </a:rPr>
+              <a:t> </a:t>
+            </a:r>
+            <a:r>
+              <a:rPr lang="en-US" sz="2800" dirty="0" smtClean="0">
+                <a:latin typeface="Century Gothic" charset="0"/>
+                <a:ea typeface="Century Gothic" charset="0"/>
+                <a:cs typeface="Century Gothic" charset="0"/>
+              </a:rPr>
+              <a:t>     distribution </a:t>
+            </a:r>
+            <a:r>
+              <a:rPr lang="en-US" sz="2800" dirty="0">
+                <a:latin typeface="Century Gothic" charset="0"/>
+                <a:ea typeface="Century Gothic" charset="0"/>
+                <a:cs typeface="Century Gothic" charset="0"/>
+              </a:rPr>
+              <a:t>to predict</a:t>
+            </a:r>
+          </a:p>
+          <a:p>
+            <a:r>
+              <a:rPr lang="en-US" sz="2800" dirty="0">
+                <a:latin typeface="Century Gothic" charset="0"/>
+                <a:ea typeface="Century Gothic" charset="0"/>
+                <a:cs typeface="Century Gothic" charset="0"/>
+              </a:rPr>
+              <a:t>     the non extracted part</a:t>
+            </a:r>
+          </a:p>
+          <a:p>
+            <a:r>
+              <a:rPr lang="en-US" sz="2800" dirty="0">
+                <a:latin typeface="Century Gothic" charset="0"/>
+                <a:ea typeface="Century Gothic" charset="0"/>
+                <a:cs typeface="Century Gothic" charset="0"/>
+              </a:rPr>
+              <a:t>      </a:t>
+            </a:r>
+            <a:endParaRPr lang="en-US" sz="2800" dirty="0" smtClean="0">
+              <a:latin typeface="Century Gothic" charset="0"/>
+              <a:ea typeface="Century Gothic" charset="0"/>
+              <a:cs typeface="Century Gothic" charset="0"/>
+            </a:endParaRPr>
+          </a:p>
+          <a:p>
+            <a:endParaRPr lang="en-US" sz="2800" dirty="0">
+              <a:latin typeface="Century Gothic" charset="0"/>
+              <a:ea typeface="Century Gothic" charset="0"/>
+              <a:cs typeface="Century Gothic" charset="0"/>
+            </a:endParaRPr>
+          </a:p>
+          <a:p>
+            <a:endParaRPr lang="en-US" sz="2800" dirty="0" smtClean="0">
+              <a:latin typeface="Century Gothic" charset="0"/>
+              <a:ea typeface="Century Gothic" charset="0"/>
+              <a:cs typeface="Century Gothic" charset="0"/>
+            </a:endParaRPr>
+          </a:p>
+          <a:p>
+            <a:endParaRPr lang="en-US" sz="2800" dirty="0">
+              <a:latin typeface="Century Gothic" charset="0"/>
+              <a:ea typeface="Century Gothic" charset="0"/>
+              <a:cs typeface="Century Gothic" charset="0"/>
+            </a:endParaRPr>
+          </a:p>
+          <a:p>
+            <a:endParaRPr lang="en-US" sz="2800" dirty="0" smtClean="0">
+              <a:latin typeface="Century Gothic" charset="0"/>
+              <a:ea typeface="Century Gothic" charset="0"/>
+              <a:cs typeface="Century Gothic" charset="0"/>
+            </a:endParaRPr>
+          </a:p>
+          <a:p>
+            <a:endParaRPr lang="en-US" sz="2800" dirty="0">
+              <a:latin typeface="Century Gothic" charset="0"/>
+              <a:ea typeface="Century Gothic" charset="0"/>
+              <a:cs typeface="Century Gothic" charset="0"/>
+            </a:endParaRPr>
+          </a:p>
+          <a:p>
+            <a:endParaRPr lang="en-US" sz="2800" dirty="0">
+              <a:latin typeface="Century Gothic" charset="0"/>
+              <a:ea typeface="Century Gothic" charset="0"/>
+              <a:cs typeface="Century Gothic" charset="0"/>
+            </a:endParaRPr>
+          </a:p>
+          <a:p>
+            <a:endParaRPr lang="en-US" sz="2800" dirty="0"/>
+          </a:p>
+        </p:txBody>
+      </p:sp>
+      <p:sp>
+        <p:nvSpPr>
+          <p:cNvPr id="22" name="TextBox 21"/>
+          <p:cNvSpPr txBox="1"/>
+          <p:nvPr/>
+        </p:nvSpPr>
+        <p:spPr>
+          <a:xfrm>
+            <a:off x="11363634" y="14959377"/>
+            <a:ext cx="10099367" cy="2677656"/>
+          </a:xfrm>
+          <a:prstGeom prst="rect">
+            <a:avLst/>
+          </a:prstGeom>
+          <a:noFill/>
+        </p:spPr>
+        <p:txBody>
+          <a:bodyPr wrap="square" rtlCol="0">
+            <a:spAutoFit/>
+          </a:bodyPr>
+          <a:lstStyle/>
+          <a:p>
+            <a:r>
+              <a:rPr lang="en-US" sz="2800" dirty="0">
+                <a:latin typeface="Century Gothic" charset="0"/>
+                <a:ea typeface="Century Gothic" charset="0"/>
+                <a:cs typeface="Century Gothic" charset="0"/>
+              </a:rPr>
+              <a:t>We can predict the percentage of the distribution</a:t>
+            </a:r>
+          </a:p>
+          <a:p>
+            <a:r>
+              <a:rPr lang="en-US" sz="2800" dirty="0" err="1">
+                <a:latin typeface="Century Gothic" charset="0"/>
+                <a:ea typeface="Century Gothic" charset="0"/>
+                <a:cs typeface="Century Gothic" charset="0"/>
+              </a:rPr>
+              <a:t>thst</a:t>
+            </a:r>
+            <a:r>
+              <a:rPr lang="en-US" sz="2800" dirty="0">
+                <a:latin typeface="Century Gothic" charset="0"/>
+                <a:ea typeface="Century Gothic" charset="0"/>
+                <a:cs typeface="Century Gothic" charset="0"/>
+              </a:rPr>
+              <a:t> we did not </a:t>
+            </a:r>
+            <a:r>
+              <a:rPr lang="en-US" sz="2800" dirty="0" smtClean="0">
+                <a:latin typeface="Century Gothic" charset="0"/>
+                <a:ea typeface="Century Gothic" charset="0"/>
+                <a:cs typeface="Century Gothic" charset="0"/>
+              </a:rPr>
+              <a:t>extract.</a:t>
+            </a:r>
+          </a:p>
+          <a:p>
+            <a:endParaRPr lang="en-US" sz="2800" dirty="0">
+              <a:latin typeface="Century Gothic" charset="0"/>
+              <a:ea typeface="Century Gothic" charset="0"/>
+              <a:cs typeface="Century Gothic" charset="0"/>
+            </a:endParaRPr>
+          </a:p>
+          <a:p>
+            <a:r>
+              <a:rPr lang="en-US" sz="2800" dirty="0" smtClean="0">
+                <a:latin typeface="Century Gothic" charset="0"/>
+                <a:ea typeface="Century Gothic" charset="0"/>
+                <a:cs typeface="Century Gothic" charset="0"/>
+              </a:rPr>
+              <a:t>We can see that in theory we did not miss an important </a:t>
+            </a:r>
+          </a:p>
+          <a:p>
+            <a:r>
+              <a:rPr lang="en-US" sz="2800" dirty="0" smtClean="0">
+                <a:latin typeface="Century Gothic" charset="0"/>
+                <a:ea typeface="Century Gothic" charset="0"/>
+                <a:cs typeface="Century Gothic" charset="0"/>
+              </a:rPr>
+              <a:t>part of the word distribution (graph on the right)</a:t>
+            </a:r>
+            <a:endParaRPr lang="en-US" sz="2800" dirty="0">
+              <a:latin typeface="Century Gothic" charset="0"/>
+              <a:ea typeface="Century Gothic" charset="0"/>
+              <a:cs typeface="Century Gothic" charset="0"/>
+            </a:endParaRPr>
+          </a:p>
+          <a:p>
+            <a:endParaRPr lang="en-US" sz="2800" dirty="0"/>
+          </a:p>
+        </p:txBody>
+      </p:sp>
+      <p:sp>
+        <p:nvSpPr>
+          <p:cNvPr id="37" name="TextBox 36"/>
+          <p:cNvSpPr txBox="1"/>
+          <p:nvPr/>
+        </p:nvSpPr>
+        <p:spPr>
+          <a:xfrm>
+            <a:off x="782074" y="2098675"/>
+            <a:ext cx="10770738" cy="830997"/>
+          </a:xfrm>
+          <a:prstGeom prst="rect">
+            <a:avLst/>
+          </a:prstGeom>
+          <a:noFill/>
+        </p:spPr>
+        <p:txBody>
+          <a:bodyPr wrap="square" rtlCol="0">
+            <a:spAutoFit/>
+          </a:bodyPr>
+          <a:lstStyle/>
+          <a:p>
+            <a:pPr>
+              <a:buClr>
+                <a:srgbClr val="990000"/>
+              </a:buClr>
+            </a:pPr>
+            <a:r>
+              <a:rPr lang="fr-CH" sz="4800" b="1" dirty="0" err="1" smtClean="0">
+                <a:solidFill>
+                  <a:srgbClr val="990100"/>
+                </a:solidFill>
+                <a:latin typeface="Century Gothic"/>
+              </a:rPr>
+              <a:t>Extract</a:t>
+            </a:r>
+            <a:r>
+              <a:rPr lang="fr-CH" sz="4800" b="1" dirty="0" smtClean="0">
+                <a:solidFill>
+                  <a:srgbClr val="990100"/>
+                </a:solidFill>
+                <a:latin typeface="Century Gothic"/>
+              </a:rPr>
+              <a:t> </a:t>
+            </a:r>
+            <a:r>
+              <a:rPr lang="fr-CH" sz="4800" b="1" dirty="0" err="1" smtClean="0">
+                <a:solidFill>
+                  <a:srgbClr val="990100"/>
+                </a:solidFill>
+                <a:latin typeface="Century Gothic"/>
+              </a:rPr>
+              <a:t>Transfom</a:t>
+            </a:r>
+            <a:r>
+              <a:rPr lang="fr-CH" sz="4800" b="1" dirty="0" smtClean="0">
+                <a:solidFill>
+                  <a:srgbClr val="990100"/>
+                </a:solidFill>
+                <a:latin typeface="Century Gothic"/>
+              </a:rPr>
+              <a:t> Pipeline</a:t>
+            </a:r>
+            <a:endParaRPr lang="fr-CH" sz="4800" dirty="0" smtClean="0">
+              <a:solidFill>
+                <a:srgbClr val="990100"/>
+              </a:solidFill>
+              <a:latin typeface="Century Gothic"/>
+            </a:endParaRPr>
+          </a:p>
+        </p:txBody>
+      </p:sp>
+      <p:sp>
+        <p:nvSpPr>
+          <p:cNvPr id="44" name="TextBox 43"/>
+          <p:cNvSpPr txBox="1"/>
+          <p:nvPr/>
+        </p:nvSpPr>
+        <p:spPr>
+          <a:xfrm>
+            <a:off x="888657" y="18053639"/>
+            <a:ext cx="8821826" cy="707886"/>
+          </a:xfrm>
+          <a:prstGeom prst="rect">
+            <a:avLst/>
+          </a:prstGeom>
+          <a:noFill/>
+        </p:spPr>
+        <p:txBody>
+          <a:bodyPr wrap="square" rtlCol="0">
+            <a:spAutoFit/>
+          </a:bodyPr>
+          <a:lstStyle/>
+          <a:p>
+            <a:r>
+              <a:rPr lang="en-US" sz="4000" b="1" dirty="0" smtClean="0">
+                <a:latin typeface="Century Gothic" charset="0"/>
+                <a:ea typeface="Century Gothic" charset="0"/>
+                <a:cs typeface="Century Gothic" charset="0"/>
+              </a:rPr>
+              <a:t>Words with interesting time series</a:t>
+            </a:r>
+          </a:p>
+        </p:txBody>
+      </p:sp>
+      <p:grpSp>
+        <p:nvGrpSpPr>
+          <p:cNvPr id="47" name="Group 46"/>
+          <p:cNvGrpSpPr/>
+          <p:nvPr/>
+        </p:nvGrpSpPr>
+        <p:grpSpPr>
+          <a:xfrm>
+            <a:off x="10956000" y="18965443"/>
+            <a:ext cx="6073715" cy="4685694"/>
+            <a:chOff x="11363634" y="19840490"/>
+            <a:chExt cx="6073715" cy="4685694"/>
+          </a:xfrm>
+        </p:grpSpPr>
+        <p:pic>
+          <p:nvPicPr>
+            <p:cNvPr id="42" name="Picture 41"/>
+            <p:cNvPicPr>
+              <a:picLocks noChangeAspect="1"/>
+            </p:cNvPicPr>
+            <p:nvPr/>
+          </p:nvPicPr>
+          <p:blipFill>
+            <a:blip r:embed="rId9">
+              <a:extLst>
+                <a:ext uri="{28A0092B-C50C-407E-A947-70E740481C1C}">
+                  <a14:useLocalDpi xmlns:a14="http://schemas.microsoft.com/office/drawing/2010/main" val="0"/>
+                </a:ext>
+              </a:extLst>
+            </a:blip>
+            <a:stretch>
+              <a:fillRect/>
+            </a:stretch>
+          </p:blipFill>
+          <p:spPr>
+            <a:xfrm>
+              <a:off x="11363634" y="20442842"/>
+              <a:ext cx="5939407" cy="4083342"/>
+            </a:xfrm>
+            <a:prstGeom prst="rect">
+              <a:avLst/>
+            </a:prstGeom>
+          </p:spPr>
+        </p:pic>
+        <p:sp>
+          <p:nvSpPr>
+            <p:cNvPr id="45" name="TextBox 44"/>
+            <p:cNvSpPr txBox="1"/>
+            <p:nvPr/>
+          </p:nvSpPr>
+          <p:spPr>
+            <a:xfrm>
+              <a:off x="11771268" y="19840490"/>
+              <a:ext cx="5666081" cy="524620"/>
+            </a:xfrm>
+            <a:prstGeom prst="rect">
+              <a:avLst/>
+            </a:prstGeom>
+            <a:noFill/>
+          </p:spPr>
+          <p:txBody>
+            <a:bodyPr wrap="square" rtlCol="0">
+              <a:spAutoFit/>
+            </a:bodyPr>
+            <a:lstStyle/>
+            <a:p>
+              <a:r>
+                <a:rPr lang="en-US" sz="2800" dirty="0" smtClean="0">
+                  <a:latin typeface="Century Gothic" charset="0"/>
+                  <a:ea typeface="Century Gothic" charset="0"/>
+                  <a:cs typeface="Century Gothic" charset="0"/>
+                </a:rPr>
+                <a:t>Words with monthly periodicity</a:t>
+              </a:r>
+              <a:endParaRPr lang="en-US" sz="2800" dirty="0">
+                <a:latin typeface="Century Gothic" charset="0"/>
+                <a:ea typeface="Century Gothic" charset="0"/>
+                <a:cs typeface="Century Gothic" charset="0"/>
+              </a:endParaRPr>
+            </a:p>
+          </p:txBody>
+        </p:sp>
+      </p:grpSp>
+      <p:sp>
+        <p:nvSpPr>
+          <p:cNvPr id="46" name="TextBox 45"/>
+          <p:cNvSpPr txBox="1"/>
+          <p:nvPr/>
+        </p:nvSpPr>
+        <p:spPr>
+          <a:xfrm>
+            <a:off x="844412" y="19008118"/>
+            <a:ext cx="9856331" cy="4401205"/>
+          </a:xfrm>
+          <a:prstGeom prst="rect">
+            <a:avLst/>
+          </a:prstGeom>
+          <a:noFill/>
+        </p:spPr>
+        <p:txBody>
+          <a:bodyPr wrap="square" rtlCol="0">
+            <a:spAutoFit/>
+          </a:bodyPr>
+          <a:lstStyle/>
+          <a:p>
+            <a:r>
+              <a:rPr lang="en-US" sz="2800" dirty="0" smtClean="0">
+                <a:latin typeface="Century Gothic" charset="0"/>
+                <a:ea typeface="Century Gothic" charset="0"/>
+                <a:cs typeface="Century Gothic" charset="0"/>
+              </a:rPr>
+              <a:t>To find relevant time series, several methods were used:</a:t>
+            </a:r>
+          </a:p>
+          <a:p>
+            <a:pPr marL="457200" indent="-457200">
+              <a:buFont typeface="Arial" charset="0"/>
+              <a:buChar char="•"/>
+            </a:pPr>
+            <a:r>
+              <a:rPr lang="en-US" sz="2800" dirty="0" smtClean="0">
+                <a:latin typeface="Century Gothic" charset="0"/>
+                <a:ea typeface="Century Gothic" charset="0"/>
+                <a:cs typeface="Century Gothic" charset="0"/>
+              </a:rPr>
+              <a:t>Pearson Correlation : computing similarity between word</a:t>
+            </a:r>
+          </a:p>
+          <a:p>
+            <a:pPr marL="457200" indent="-457200">
+              <a:buFont typeface="Arial" charset="0"/>
+              <a:buChar char="•"/>
+            </a:pPr>
+            <a:r>
+              <a:rPr lang="en-US" sz="2800" dirty="0" smtClean="0">
+                <a:latin typeface="Century Gothic" charset="0"/>
+                <a:ea typeface="Century Gothic" charset="0"/>
+                <a:cs typeface="Century Gothic" charset="0"/>
+              </a:rPr>
+              <a:t>Fourier Transform : Finding words with periodicity</a:t>
+            </a:r>
+          </a:p>
+          <a:p>
+            <a:pPr marL="457200" indent="-457200">
+              <a:buFont typeface="Arial" charset="0"/>
+              <a:buChar char="•"/>
+            </a:pPr>
+            <a:r>
+              <a:rPr lang="en-US" sz="2800" dirty="0" smtClean="0">
+                <a:latin typeface="Century Gothic" charset="0"/>
+                <a:ea typeface="Century Gothic" charset="0"/>
+                <a:cs typeface="Century Gothic" charset="0"/>
+              </a:rPr>
+              <a:t>Gradient : Finding decreasing and increasing time series</a:t>
+            </a:r>
+            <a:endParaRPr lang="en-US" sz="2800" dirty="0">
+              <a:latin typeface="Century Gothic" charset="0"/>
+              <a:ea typeface="Century Gothic" charset="0"/>
+              <a:cs typeface="Century Gothic" charset="0"/>
+            </a:endParaRPr>
+          </a:p>
+          <a:p>
+            <a:pPr marL="457200" indent="-457200">
+              <a:buFont typeface="Arial" charset="0"/>
+              <a:buChar char="•"/>
+            </a:pPr>
+            <a:r>
+              <a:rPr lang="en-US" sz="2800" dirty="0" err="1" smtClean="0">
+                <a:latin typeface="Century Gothic" charset="0"/>
+                <a:ea typeface="Century Gothic" charset="0"/>
+                <a:cs typeface="Century Gothic" charset="0"/>
+              </a:rPr>
+              <a:t>Dendogram</a:t>
+            </a:r>
+            <a:r>
+              <a:rPr lang="en-US" sz="2800" dirty="0" smtClean="0">
+                <a:latin typeface="Century Gothic" charset="0"/>
+                <a:ea typeface="Century Gothic" charset="0"/>
+                <a:cs typeface="Century Gothic" charset="0"/>
+              </a:rPr>
+              <a:t> clustering</a:t>
+            </a:r>
+          </a:p>
+          <a:p>
+            <a:pPr marL="457200" indent="-457200">
+              <a:buFont typeface="Arial" charset="0"/>
+              <a:buChar char="•"/>
+            </a:pPr>
+            <a:r>
+              <a:rPr lang="en-US" sz="2800" dirty="0" smtClean="0">
+                <a:latin typeface="Century Gothic" charset="0"/>
+                <a:ea typeface="Century Gothic" charset="0"/>
+                <a:cs typeface="Century Gothic" charset="0"/>
+              </a:rPr>
+              <a:t>Frequency ranking</a:t>
+            </a:r>
+          </a:p>
+          <a:p>
+            <a:pPr marL="457200" indent="-457200">
+              <a:buFont typeface="Arial" charset="0"/>
+              <a:buChar char="•"/>
+            </a:pPr>
+            <a:r>
+              <a:rPr lang="en-US" sz="2800" dirty="0" smtClean="0">
+                <a:latin typeface="Century Gothic" charset="0"/>
+                <a:ea typeface="Century Gothic" charset="0"/>
+                <a:cs typeface="Century Gothic" charset="0"/>
+              </a:rPr>
+              <a:t>Manual Search</a:t>
+            </a:r>
+          </a:p>
+          <a:p>
+            <a:pPr marL="457200" indent="-457200">
+              <a:buFont typeface="Arial" charset="0"/>
+              <a:buChar char="•"/>
+            </a:pPr>
+            <a:r>
+              <a:rPr lang="en-US" sz="2800" dirty="0" smtClean="0">
+                <a:latin typeface="Century Gothic" charset="0"/>
+                <a:ea typeface="Century Gothic" charset="0"/>
+                <a:cs typeface="Century Gothic" charset="0"/>
+              </a:rPr>
+              <a:t>Search of the smoothed out series (rolling mean)</a:t>
+            </a:r>
+          </a:p>
+        </p:txBody>
+      </p:sp>
+      <p:pic>
+        <p:nvPicPr>
+          <p:cNvPr id="48" name="Picture 47"/>
+          <p:cNvPicPr>
+            <a:picLocks noChangeAspect="1"/>
+          </p:cNvPicPr>
+          <p:nvPr/>
+        </p:nvPicPr>
+        <p:blipFill>
+          <a:blip r:embed="rId10">
+            <a:extLst>
+              <a:ext uri="{28A0092B-C50C-407E-A947-70E740481C1C}">
+                <a14:useLocalDpi xmlns:a14="http://schemas.microsoft.com/office/drawing/2010/main" val="0"/>
+              </a:ext>
+            </a:extLst>
+          </a:blip>
+          <a:stretch>
+            <a:fillRect/>
+          </a:stretch>
+        </p:blipFill>
+        <p:spPr>
+          <a:xfrm>
+            <a:off x="17614557" y="19567796"/>
+            <a:ext cx="5939405" cy="4083342"/>
+          </a:xfrm>
+          <a:prstGeom prst="rect">
+            <a:avLst/>
+          </a:prstGeom>
+        </p:spPr>
+      </p:pic>
+      <p:sp>
+        <p:nvSpPr>
+          <p:cNvPr id="50" name="TextBox 49"/>
+          <p:cNvSpPr txBox="1"/>
+          <p:nvPr/>
+        </p:nvSpPr>
+        <p:spPr>
+          <a:xfrm>
+            <a:off x="17614557" y="18966843"/>
+            <a:ext cx="5981917" cy="523220"/>
+          </a:xfrm>
+          <a:prstGeom prst="rect">
+            <a:avLst/>
+          </a:prstGeom>
+          <a:noFill/>
+        </p:spPr>
+        <p:txBody>
+          <a:bodyPr wrap="square" rtlCol="0">
+            <a:spAutoFit/>
+          </a:bodyPr>
+          <a:lstStyle/>
+          <a:p>
+            <a:r>
+              <a:rPr lang="en-US" sz="2800" dirty="0" smtClean="0">
+                <a:latin typeface="Century Gothic" charset="0"/>
+                <a:ea typeface="Century Gothic" charset="0"/>
+                <a:cs typeface="Century Gothic" charset="0"/>
+              </a:rPr>
+              <a:t>Words with </a:t>
+            </a:r>
+            <a:r>
+              <a:rPr lang="en-US" sz="2800" smtClean="0">
+                <a:latin typeface="Century Gothic" charset="0"/>
+                <a:ea typeface="Century Gothic" charset="0"/>
+                <a:cs typeface="Century Gothic" charset="0"/>
+              </a:rPr>
+              <a:t>multi year periodicity</a:t>
+            </a:r>
+            <a:endParaRPr lang="en-US" sz="2800" dirty="0">
+              <a:latin typeface="Century Gothic" charset="0"/>
+              <a:ea typeface="Century Gothic" charset="0"/>
+              <a:cs typeface="Century Gothic" charset="0"/>
+            </a:endParaRPr>
+          </a:p>
+        </p:txBody>
+      </p:sp>
+      <p:sp>
+        <p:nvSpPr>
+          <p:cNvPr id="51" name="TextBox 50"/>
+          <p:cNvSpPr txBox="1"/>
+          <p:nvPr/>
+        </p:nvSpPr>
+        <p:spPr>
+          <a:xfrm>
+            <a:off x="380315" y="30220383"/>
+            <a:ext cx="13766743" cy="5970865"/>
+          </a:xfrm>
+          <a:prstGeom prst="rect">
+            <a:avLst/>
+          </a:prstGeom>
+          <a:noFill/>
+        </p:spPr>
+        <p:txBody>
+          <a:bodyPr wrap="square" rtlCol="0">
+            <a:spAutoFit/>
+          </a:bodyPr>
+          <a:lstStyle/>
+          <a:p>
+            <a:pPr>
+              <a:buClr>
+                <a:srgbClr val="990000"/>
+              </a:buClr>
+            </a:pPr>
+            <a:r>
+              <a:rPr lang="fr-CH" sz="3200" b="1" dirty="0" smtClean="0">
+                <a:solidFill>
+                  <a:srgbClr val="333333"/>
+                </a:solidFill>
+                <a:latin typeface="Century Gothic"/>
+              </a:rPr>
+              <a:t>LSTM model prediction:</a:t>
+            </a:r>
+          </a:p>
+          <a:p>
+            <a:pPr>
+              <a:buClr>
+                <a:srgbClr val="990000"/>
+              </a:buClr>
+            </a:pPr>
+            <a:endParaRPr lang="fr-CH" sz="3000" dirty="0" smtClean="0">
+              <a:solidFill>
+                <a:srgbClr val="333333"/>
+              </a:solidFill>
+              <a:latin typeface="Century Gothic"/>
+            </a:endParaRPr>
+          </a:p>
+          <a:p>
+            <a:pPr>
+              <a:buClr>
+                <a:srgbClr val="990000"/>
+              </a:buClr>
+            </a:pPr>
+            <a:r>
+              <a:rPr lang="fr-CH" sz="3000" b="1" dirty="0" smtClean="0">
+                <a:solidFill>
+                  <a:srgbClr val="333333"/>
+                </a:solidFill>
+                <a:latin typeface="Century Gothic"/>
+              </a:rPr>
+              <a:t>Models: </a:t>
+            </a:r>
+            <a:r>
+              <a:rPr lang="fr-CH" sz="3000" dirty="0" smtClean="0">
+                <a:solidFill>
+                  <a:srgbClr val="333333"/>
+                </a:solidFill>
+                <a:latin typeface="Century Gothic"/>
+              </a:rPr>
+              <a:t>A simple LSTM (long short term memory). The problem is formed as a regression task with RNN (Recurent neura network). </a:t>
+            </a:r>
+          </a:p>
+          <a:p>
+            <a:pPr>
+              <a:buClr>
+                <a:srgbClr val="990000"/>
+              </a:buClr>
+            </a:pPr>
+            <a:endParaRPr lang="fr-CH" sz="3000" dirty="0" smtClean="0">
+              <a:solidFill>
+                <a:srgbClr val="333333"/>
+              </a:solidFill>
+              <a:latin typeface="Century Gothic"/>
+            </a:endParaRPr>
+          </a:p>
+          <a:p>
+            <a:pPr>
+              <a:buClr>
+                <a:srgbClr val="990000"/>
+              </a:buClr>
+            </a:pPr>
+            <a:endParaRPr lang="fr-CH" sz="3000" b="1" dirty="0">
+              <a:solidFill>
+                <a:srgbClr val="333333"/>
+              </a:solidFill>
+              <a:latin typeface="Century Gothic"/>
+            </a:endParaRPr>
+          </a:p>
+          <a:p>
+            <a:pPr>
+              <a:buClr>
+                <a:srgbClr val="990000"/>
+              </a:buClr>
+            </a:pPr>
+            <a:r>
+              <a:rPr lang="fr-CH" sz="3200" b="1" dirty="0" smtClean="0">
+                <a:solidFill>
+                  <a:srgbClr val="333333"/>
+                </a:solidFill>
+                <a:latin typeface="Century Gothic"/>
+              </a:rPr>
+              <a:t>Result</a:t>
+            </a:r>
+            <a:r>
+              <a:rPr lang="fr-CH" sz="3000" b="1" dirty="0" smtClean="0">
+                <a:solidFill>
+                  <a:srgbClr val="333333"/>
+                </a:solidFill>
+                <a:latin typeface="Century Gothic"/>
+              </a:rPr>
+              <a:t>: </a:t>
+            </a:r>
+            <a:r>
+              <a:rPr lang="fr-CH" sz="3000" dirty="0" smtClean="0">
+                <a:solidFill>
+                  <a:srgbClr val="333333"/>
+                </a:solidFill>
+                <a:latin typeface="Century Gothic"/>
+              </a:rPr>
+              <a:t>The model is not making true forecast. it has simply learn to output the previous time value with some minor change. In oder words, it simply mimick the time serie. It make sense as the model is trying to reduce the error and the previous time value are not to far away from the future time value. </a:t>
+            </a:r>
+          </a:p>
+          <a:p>
+            <a:pPr marL="914400" indent="-914400">
+              <a:buClr>
+                <a:srgbClr val="990000"/>
+              </a:buClr>
+              <a:buFont typeface="+mj-lt"/>
+              <a:buAutoNum type="arabicPeriod"/>
+            </a:pPr>
+            <a:endParaRPr lang="fr-CH" sz="4800" b="1" dirty="0">
+              <a:solidFill>
+                <a:srgbClr val="333333"/>
+              </a:solidFill>
+              <a:latin typeface="Century Gothic"/>
+            </a:endParaRPr>
+          </a:p>
+        </p:txBody>
+      </p:sp>
+      <p:sp>
+        <p:nvSpPr>
+          <p:cNvPr id="52" name="TextBox 51"/>
+          <p:cNvSpPr txBox="1"/>
+          <p:nvPr/>
+        </p:nvSpPr>
+        <p:spPr>
+          <a:xfrm>
+            <a:off x="14350248" y="30220383"/>
+            <a:ext cx="15778518" cy="4708981"/>
+          </a:xfrm>
+          <a:prstGeom prst="rect">
+            <a:avLst/>
+          </a:prstGeom>
+          <a:noFill/>
+        </p:spPr>
+        <p:txBody>
+          <a:bodyPr wrap="square" rtlCol="0">
+            <a:spAutoFit/>
+          </a:bodyPr>
+          <a:lstStyle/>
+          <a:p>
+            <a:pPr>
+              <a:buClr>
+                <a:srgbClr val="990000"/>
+              </a:buClr>
+            </a:pPr>
+            <a:r>
+              <a:rPr lang="fr-CH" sz="3000" b="1" dirty="0" smtClean="0">
+                <a:solidFill>
+                  <a:srgbClr val="333333"/>
+                </a:solidFill>
+                <a:latin typeface="Century Gothic"/>
+              </a:rPr>
+              <a:t>SARIMA model prediction for seasonal words:</a:t>
+            </a:r>
+          </a:p>
+          <a:p>
+            <a:pPr>
+              <a:buClr>
+                <a:srgbClr val="990000"/>
+              </a:buClr>
+            </a:pPr>
+            <a:endParaRPr lang="fr-CH" sz="3000" dirty="0">
+              <a:solidFill>
+                <a:srgbClr val="333333"/>
+              </a:solidFill>
+              <a:latin typeface="Century Gothic"/>
+            </a:endParaRPr>
+          </a:p>
+          <a:p>
+            <a:pPr>
+              <a:buClr>
+                <a:srgbClr val="990000"/>
+              </a:buClr>
+            </a:pPr>
+            <a:r>
+              <a:rPr lang="fr-CH" sz="3000" b="1" dirty="0" smtClean="0">
+                <a:solidFill>
+                  <a:srgbClr val="333333"/>
+                </a:solidFill>
+                <a:latin typeface="Century Gothic"/>
+              </a:rPr>
+              <a:t>Models: </a:t>
+            </a:r>
+            <a:r>
+              <a:rPr lang="fr-CH" sz="3000" dirty="0" smtClean="0">
+                <a:solidFill>
+                  <a:srgbClr val="333333"/>
+                </a:solidFill>
+                <a:latin typeface="Century Gothic"/>
+              </a:rPr>
+              <a:t>A SARIMA (Seasonal autoregressive integraded moving average) model. This is a combination of autoregression with moving average component plus seasonal component in order to predict the future time value.</a:t>
+            </a:r>
+          </a:p>
+          <a:p>
+            <a:pPr>
+              <a:buClr>
+                <a:srgbClr val="990000"/>
+              </a:buClr>
+            </a:pPr>
+            <a:endParaRPr lang="fr-CH" sz="3000" b="1" dirty="0">
+              <a:solidFill>
+                <a:srgbClr val="333333"/>
+              </a:solidFill>
+              <a:latin typeface="Century Gothic"/>
+            </a:endParaRPr>
+          </a:p>
+          <a:p>
+            <a:pPr>
+              <a:buClr>
+                <a:srgbClr val="990000"/>
+              </a:buClr>
+            </a:pPr>
+            <a:r>
+              <a:rPr lang="fr-CH" sz="3000" b="1" dirty="0" smtClean="0">
+                <a:solidFill>
+                  <a:srgbClr val="333333"/>
+                </a:solidFill>
+                <a:latin typeface="Century Gothic"/>
+              </a:rPr>
+              <a:t>Result: </a:t>
+            </a:r>
+            <a:r>
+              <a:rPr lang="fr-CH" sz="3000" dirty="0" smtClean="0">
+                <a:solidFill>
+                  <a:srgbClr val="333333"/>
+                </a:solidFill>
+                <a:latin typeface="Century Gothic"/>
+              </a:rPr>
+              <a:t>The model is able to predict the correct seasonality of the words and output a coherent local trend. It is not able to integrate changing trend which can regarded as random movement. The output is a repetitive sequence in the same direction. The reliability of the prediction decreases as we predict long time horizon. </a:t>
+            </a:r>
+            <a:endParaRPr lang="fr-CH" sz="3000" b="1" dirty="0">
+              <a:solidFill>
+                <a:srgbClr val="333333"/>
+              </a:solidFill>
+              <a:latin typeface="Century Gothic"/>
+            </a:endParaRPr>
+          </a:p>
+        </p:txBody>
+      </p:sp>
+      <p:pic>
+        <p:nvPicPr>
+          <p:cNvPr id="53" name="Picture 52" descr="Neiger_three_year_forecast.png"/>
+          <p:cNvPicPr>
+            <a:picLocks noChangeAspect="1"/>
+          </p:cNvPicPr>
+          <p:nvPr/>
+        </p:nvPicPr>
+        <p:blipFill>
+          <a:blip r:embed="rId11">
+            <a:extLst>
+              <a:ext uri="{28A0092B-C50C-407E-A947-70E740481C1C}">
+                <a14:useLocalDpi xmlns:a14="http://schemas.microsoft.com/office/drawing/2010/main" val="0"/>
+              </a:ext>
+            </a:extLst>
+          </a:blip>
+          <a:stretch>
+            <a:fillRect/>
+          </a:stretch>
+        </p:blipFill>
+        <p:spPr>
+          <a:xfrm>
+            <a:off x="16652446" y="35531646"/>
+            <a:ext cx="10006440" cy="6877391"/>
+          </a:xfrm>
+          <a:prstGeom prst="rect">
+            <a:avLst/>
+          </a:prstGeom>
+        </p:spPr>
+      </p:pic>
+      <p:pic>
+        <p:nvPicPr>
+          <p:cNvPr id="54" name="Picture 53" descr="LSTM_figure.png"/>
+          <p:cNvPicPr>
+            <a:picLocks noChangeAspect="1"/>
+          </p:cNvPicPr>
+          <p:nvPr/>
+        </p:nvPicPr>
+        <p:blipFill>
+          <a:blip r:embed="rId12">
+            <a:extLst>
+              <a:ext uri="{28A0092B-C50C-407E-A947-70E740481C1C}">
+                <a14:useLocalDpi xmlns:a14="http://schemas.microsoft.com/office/drawing/2010/main" val="0"/>
+              </a:ext>
+            </a:extLst>
+          </a:blip>
+          <a:stretch>
+            <a:fillRect/>
+          </a:stretch>
+        </p:blipFill>
+        <p:spPr>
+          <a:xfrm>
+            <a:off x="2253824" y="35531646"/>
+            <a:ext cx="10006441" cy="6877391"/>
+          </a:xfrm>
+          <a:prstGeom prst="rect">
+            <a:avLst/>
+          </a:prstGeom>
+        </p:spPr>
+      </p:pic>
     </p:spTree>
     <p:extLst>
       <p:ext uri="{BB962C8B-B14F-4D97-AF65-F5344CB8AC3E}">

--- a/Presentation/Final_ADA.pptx
+++ b/Presentation/Final_ADA.pptx
@@ -3442,7 +3442,7 @@
         </p:nvSpPr>
         <p:spPr>
           <a:xfrm>
-            <a:off x="12659033" y="3083133"/>
+            <a:off x="10956000" y="3083131"/>
             <a:ext cx="8803968" cy="6924973"/>
           </a:xfrm>
           <a:prstGeom prst="rect">
@@ -4072,7 +4072,7 @@
         <p:spPr>
           <a:xfrm>
             <a:off x="844413" y="3083132"/>
-            <a:ext cx="12318657" cy="5878532"/>
+            <a:ext cx="12318657" cy="6617196"/>
           </a:xfrm>
           <a:prstGeom prst="rect">
             <a:avLst/>
@@ -4224,7 +4224,59 @@
                 </a:solidFill>
                 <a:latin typeface="Century Gothic"/>
               </a:rPr>
-              <a:t> 	                    Publication dates: 1798 </a:t>
+              <a:t> 	                    Publication dates</a:t>
+            </a:r>
+            <a:r>
+              <a:rPr lang="fr-CH" sz="2800" dirty="0" smtClean="0">
+                <a:solidFill>
+                  <a:srgbClr val="333333"/>
+                </a:solidFill>
+                <a:latin typeface="Century Gothic"/>
+              </a:rPr>
+              <a:t>:</a:t>
+            </a:r>
+          </a:p>
+          <a:p>
+            <a:pPr>
+              <a:buClr>
+                <a:srgbClr val="990000"/>
+              </a:buClr>
+            </a:pPr>
+            <a:r>
+              <a:rPr lang="fr-CH" sz="2800" dirty="0">
+                <a:solidFill>
+                  <a:srgbClr val="333333"/>
+                </a:solidFill>
+                <a:latin typeface="Century Gothic"/>
+              </a:rPr>
+              <a:t>	 </a:t>
+            </a:r>
+            <a:r>
+              <a:rPr lang="fr-CH" sz="2800" dirty="0" smtClean="0">
+                <a:solidFill>
+                  <a:srgbClr val="333333"/>
+                </a:solidFill>
+                <a:latin typeface="Century Gothic"/>
+              </a:rPr>
+              <a:t>                   </a:t>
+            </a:r>
+            <a:r>
+              <a:rPr lang="fr-CH" sz="2800" dirty="0" smtClean="0">
+                <a:solidFill>
+                  <a:srgbClr val="333333"/>
+                </a:solidFill>
+                <a:latin typeface="Century Gothic"/>
+              </a:rPr>
+              <a:t> </a:t>
+            </a:r>
+            <a:r>
+              <a:rPr lang="fr-CH" sz="2800" dirty="0" smtClean="0">
+                <a:solidFill>
+                  <a:srgbClr val="333333"/>
+                </a:solidFill>
+                <a:latin typeface="Century Gothic"/>
+              </a:rPr>
+              <a:t>1798 </a:t>
             </a:r>
             <a:r>
               <a:rPr lang="mr-IN" sz="2800" dirty="0" smtClean="0">
@@ -4296,26 +4348,14 @@
                 </a:solidFill>
                 <a:latin typeface="Century Gothic"/>
               </a:rPr>
-              <a:t>                   Publication dates: 1826 </a:t>
-            </a:r>
-            <a:r>
-              <a:rPr lang="mr-IN" sz="2800" dirty="0" smtClean="0">
-                <a:solidFill>
-                  <a:srgbClr val="333333"/>
-                </a:solidFill>
-                <a:latin typeface="Century Gothic"/>
-              </a:rPr>
-              <a:t>–</a:t>
-            </a:r>
-            <a:r>
-              <a:rPr lang="fr-CH" sz="2800" dirty="0" smtClean="0">
-                <a:solidFill>
-                  <a:srgbClr val="333333"/>
-                </a:solidFill>
-                <a:latin typeface="Century Gothic"/>
-              </a:rPr>
-              <a:t> 1998</a:t>
-            </a:r>
+              <a:t>                   Publication dates: </a:t>
+            </a:r>
+            <a:endParaRPr lang="fr-CH" sz="2800" dirty="0" smtClean="0">
+              <a:solidFill>
+                <a:srgbClr val="333333"/>
+              </a:solidFill>
+              <a:latin typeface="Century Gothic"/>
+            </a:endParaRPr>
           </a:p>
           <a:p>
             <a:pPr>
@@ -4323,6 +4363,60 @@
                 <a:srgbClr val="990000"/>
               </a:buClr>
             </a:pPr>
+            <a:r>
+              <a:rPr lang="fr-CH" sz="2800" dirty="0">
+                <a:solidFill>
+                  <a:srgbClr val="333333"/>
+                </a:solidFill>
+                <a:latin typeface="Century Gothic"/>
+              </a:rPr>
+              <a:t>	 </a:t>
+            </a:r>
+            <a:r>
+              <a:rPr lang="fr-CH" sz="2800" dirty="0" smtClean="0">
+                <a:solidFill>
+                  <a:srgbClr val="333333"/>
+                </a:solidFill>
+                <a:latin typeface="Century Gothic"/>
+              </a:rPr>
+              <a:t>                   </a:t>
+            </a:r>
+            <a:r>
+              <a:rPr lang="fr-CH" sz="2800" dirty="0" smtClean="0">
+                <a:solidFill>
+                  <a:srgbClr val="333333"/>
+                </a:solidFill>
+                <a:latin typeface="Century Gothic"/>
+              </a:rPr>
+              <a:t>1826 </a:t>
+            </a:r>
+            <a:r>
+              <a:rPr lang="mr-IN" sz="2800" dirty="0" smtClean="0">
+                <a:solidFill>
+                  <a:srgbClr val="333333"/>
+                </a:solidFill>
+                <a:latin typeface="Century Gothic"/>
+              </a:rPr>
+              <a:t>–</a:t>
+            </a:r>
+            <a:r>
+              <a:rPr lang="fr-CH" sz="2800" dirty="0" smtClean="0">
+                <a:solidFill>
+                  <a:srgbClr val="333333"/>
+                </a:solidFill>
+                <a:latin typeface="Century Gothic"/>
+              </a:rPr>
+              <a:t> </a:t>
+            </a:r>
+            <a:r>
+              <a:rPr lang="fr-CH" sz="2800" dirty="0" smtClean="0">
+                <a:solidFill>
+                  <a:srgbClr val="333333"/>
+                </a:solidFill>
+                <a:latin typeface="Century Gothic"/>
+              </a:rPr>
+              <a:t>1998</a:t>
+            </a:r>
             <a:endParaRPr lang="fr-CH" sz="2800" dirty="0">
               <a:solidFill>
                 <a:srgbClr val="333333"/>
@@ -4336,7 +4430,7 @@
                 <a:srgbClr val="990000"/>
               </a:buClr>
             </a:pPr>
-            <a:endParaRPr lang="fr-CH" sz="2800" b="1" dirty="0" smtClean="0">
+            <a:endParaRPr lang="fr-CH" sz="2800" b="1" dirty="0">
               <a:solidFill>
                 <a:srgbClr val="333333"/>
               </a:solidFill>
@@ -4356,7 +4450,16 @@
                 </a:solidFill>
                 <a:latin typeface="Century Gothic"/>
               </a:rPr>
-              <a:t>Extraction: </a:t>
+              <a:t>Extraction</a:t>
+            </a:r>
+            <a:r>
+              <a:rPr lang="fr-CH" sz="2800" b="1" dirty="0" smtClean="0">
+                <a:solidFill>
+                  <a:srgbClr val="333333"/>
+                </a:solidFill>
+                <a:latin typeface="Century Gothic"/>
+              </a:rPr>
+              <a:t>: </a:t>
             </a:r>
             <a:r>
               <a:rPr lang="fr-CH" sz="2800" dirty="0" err="1" smtClean="0">
@@ -4394,6 +4497,19 @@
               </a:rPr>
               <a:t> </a:t>
             </a:r>
+            <a:endParaRPr lang="fr-CH" sz="2800" dirty="0" smtClean="0">
+              <a:solidFill>
+                <a:srgbClr val="333333"/>
+              </a:solidFill>
+              <a:latin typeface="Century Gothic"/>
+            </a:endParaRPr>
+          </a:p>
+          <a:p>
+            <a:pPr>
+              <a:buClr>
+                <a:srgbClr val="990000"/>
+              </a:buClr>
+            </a:pPr>
             <a:r>
               <a:rPr lang="fr-CH" sz="2800" dirty="0" err="1" smtClean="0">
                 <a:solidFill>
@@ -4510,7 +4626,7 @@
         </p:nvCxnSpPr>
         <p:spPr>
           <a:xfrm>
-            <a:off x="12414009" y="3103531"/>
+            <a:off x="10130017" y="3279007"/>
             <a:ext cx="35202" cy="5403198"/>
           </a:xfrm>
           <a:prstGeom prst="line">
@@ -4545,7 +4661,7 @@
         </p:nvCxnSpPr>
         <p:spPr>
           <a:xfrm>
-            <a:off x="380315" y="8993120"/>
+            <a:off x="380315" y="9193145"/>
             <a:ext cx="29388485" cy="31473"/>
           </a:xfrm>
           <a:prstGeom prst="line">
@@ -4634,10 +4750,10 @@
         </p:nvGrpSpPr>
         <p:grpSpPr>
           <a:xfrm>
-            <a:off x="1142082" y="10627127"/>
-            <a:ext cx="11608682" cy="6534721"/>
-            <a:chOff x="4056184" y="15399344"/>
-            <a:chExt cx="11608682" cy="6534721"/>
+            <a:off x="1142083" y="10627127"/>
+            <a:ext cx="11608681" cy="5880281"/>
+            <a:chOff x="4056185" y="15399344"/>
+            <a:chExt cx="11608681" cy="5880281"/>
           </a:xfrm>
         </p:grpSpPr>
         <p:pic>
@@ -4662,8 +4778,8 @@
           </p:blipFill>
           <p:spPr>
             <a:xfrm>
-              <a:off x="4056184" y="15922564"/>
-              <a:ext cx="8744003" cy="6011501"/>
+              <a:off x="4056185" y="15922565"/>
+              <a:ext cx="7792088" cy="5357060"/>
             </a:xfrm>
             <a:prstGeom prst="rect">
               <a:avLst/>
@@ -4806,8 +4922,8 @@
         </p:nvCxnSpPr>
         <p:spPr>
           <a:xfrm>
-            <a:off x="10619345" y="9843057"/>
-            <a:ext cx="81398" cy="7191624"/>
+            <a:off x="10096833" y="9843057"/>
+            <a:ext cx="33184" cy="6886525"/>
           </a:xfrm>
           <a:prstGeom prst="line">
             <a:avLst/>
@@ -5173,7 +5289,7 @@
         </p:nvSpPr>
         <p:spPr>
           <a:xfrm>
-            <a:off x="11363634" y="14959377"/>
+            <a:off x="11337822" y="14705988"/>
             <a:ext cx="10099367" cy="2677656"/>
           </a:xfrm>
           <a:prstGeom prst="rect">
@@ -5198,12 +5314,12 @@
           </a:p>
           <a:p>
             <a:r>
-              <a:rPr lang="en-US" sz="2800" dirty="0" err="1">
+              <a:rPr lang="en-US" sz="2800" dirty="0" smtClean="0">
                 <a:latin typeface="Century Gothic" charset="0"/>
                 <a:ea typeface="Century Gothic" charset="0"/>
                 <a:cs typeface="Century Gothic" charset="0"/>
               </a:rPr>
-              <a:t>thst</a:t>
+              <a:t>that </a:t>
             </a:r>
             <a:r>
               <a:rPr lang="en-US" sz="2800" dirty="0">
@@ -5211,7 +5327,7 @@
                 <a:ea typeface="Century Gothic" charset="0"/>
                 <a:cs typeface="Century Gothic" charset="0"/>
               </a:rPr>
-              <a:t> we did not </a:t>
+              <a:t>we did not </a:t>
             </a:r>
             <a:r>
               <a:rPr lang="en-US" sz="2800" dirty="0" smtClean="0">
@@ -5339,7 +5455,7 @@
         </p:nvSpPr>
         <p:spPr>
           <a:xfrm>
-            <a:off x="888657" y="18053639"/>
+            <a:off x="888657" y="17779484"/>
             <a:ext cx="8821826" cy="707886"/>
           </a:xfrm>
           <a:prstGeom prst="rect">
@@ -5372,7 +5488,7 @@
         </p:nvGrpSpPr>
         <p:grpSpPr>
           <a:xfrm>
-            <a:off x="10956000" y="18965443"/>
+            <a:off x="777317" y="22411434"/>
             <a:ext cx="6073715" cy="4685694"/>
             <a:chOff x="11363634" y="19840490"/>
             <a:chExt cx="6073715" cy="4685694"/>
@@ -5455,8 +5571,8 @@
         </p:nvSpPr>
         <p:spPr>
           <a:xfrm>
-            <a:off x="844412" y="19008118"/>
-            <a:ext cx="9856331" cy="4401205"/>
+            <a:off x="844412" y="18650696"/>
+            <a:ext cx="9856331" cy="523220"/>
           </a:xfrm>
           <a:prstGeom prst="rect">
             <a:avLst/>
@@ -5476,117 +5592,6 @@
                 <a:cs typeface="Century Gothic" charset="0"/>
               </a:rPr>
               <a:t>To find relevant time series, several methods were used:</a:t>
-            </a:r>
-          </a:p>
-          <a:p>
-            <a:pPr marL="457200" indent="-457200">
-              <a:buFont typeface="Arial" charset="0"/>
-              <a:buChar char="•"/>
-            </a:pPr>
-            <a:r>
-              <a:rPr lang="en-US" sz="2800" dirty="0" smtClean="0">
-                <a:latin typeface="Century Gothic" charset="0"/>
-                <a:ea typeface="Century Gothic" charset="0"/>
-                <a:cs typeface="Century Gothic" charset="0"/>
-              </a:rPr>
-              <a:t>Pearson Correlation : computing similarity between word</a:t>
-            </a:r>
-          </a:p>
-          <a:p>
-            <a:pPr marL="457200" indent="-457200">
-              <a:buFont typeface="Arial" charset="0"/>
-              <a:buChar char="•"/>
-            </a:pPr>
-            <a:r>
-              <a:rPr lang="en-US" sz="2800" dirty="0" smtClean="0">
-                <a:latin typeface="Century Gothic" charset="0"/>
-                <a:ea typeface="Century Gothic" charset="0"/>
-                <a:cs typeface="Century Gothic" charset="0"/>
-              </a:rPr>
-              <a:t>Fourier Transform : Finding words with periodicity</a:t>
-            </a:r>
-          </a:p>
-          <a:p>
-            <a:pPr marL="457200" indent="-457200">
-              <a:buFont typeface="Arial" charset="0"/>
-              <a:buChar char="•"/>
-            </a:pPr>
-            <a:r>
-              <a:rPr lang="en-US" sz="2800" dirty="0" smtClean="0">
-                <a:latin typeface="Century Gothic" charset="0"/>
-                <a:ea typeface="Century Gothic" charset="0"/>
-                <a:cs typeface="Century Gothic" charset="0"/>
-              </a:rPr>
-              <a:t>Gradient : Finding decreasing and increasing time series</a:t>
-            </a:r>
-            <a:endParaRPr lang="en-US" sz="2800" dirty="0">
-              <a:latin typeface="Century Gothic" charset="0"/>
-              <a:ea typeface="Century Gothic" charset="0"/>
-              <a:cs typeface="Century Gothic" charset="0"/>
-            </a:endParaRPr>
-          </a:p>
-          <a:p>
-            <a:pPr marL="457200" indent="-457200">
-              <a:buFont typeface="Arial" charset="0"/>
-              <a:buChar char="•"/>
-            </a:pPr>
-            <a:r>
-              <a:rPr lang="en-US" sz="2800" dirty="0" err="1" smtClean="0">
-                <a:latin typeface="Century Gothic" charset="0"/>
-                <a:ea typeface="Century Gothic" charset="0"/>
-                <a:cs typeface="Century Gothic" charset="0"/>
-              </a:rPr>
-              <a:t>Dendogram</a:t>
-            </a:r>
-            <a:r>
-              <a:rPr lang="en-US" sz="2800" dirty="0" smtClean="0">
-                <a:latin typeface="Century Gothic" charset="0"/>
-                <a:ea typeface="Century Gothic" charset="0"/>
-                <a:cs typeface="Century Gothic" charset="0"/>
-              </a:rPr>
-              <a:t> clustering</a:t>
-            </a:r>
-          </a:p>
-          <a:p>
-            <a:pPr marL="457200" indent="-457200">
-              <a:buFont typeface="Arial" charset="0"/>
-              <a:buChar char="•"/>
-            </a:pPr>
-            <a:r>
-              <a:rPr lang="en-US" sz="2800" dirty="0" smtClean="0">
-                <a:latin typeface="Century Gothic" charset="0"/>
-                <a:ea typeface="Century Gothic" charset="0"/>
-                <a:cs typeface="Century Gothic" charset="0"/>
-              </a:rPr>
-              <a:t>Frequency ranking</a:t>
-            </a:r>
-          </a:p>
-          <a:p>
-            <a:pPr marL="457200" indent="-457200">
-              <a:buFont typeface="Arial" charset="0"/>
-              <a:buChar char="•"/>
-            </a:pPr>
-            <a:r>
-              <a:rPr lang="en-US" sz="2800" dirty="0" smtClean="0">
-                <a:latin typeface="Century Gothic" charset="0"/>
-                <a:ea typeface="Century Gothic" charset="0"/>
-                <a:cs typeface="Century Gothic" charset="0"/>
-              </a:rPr>
-              <a:t>Manual Search</a:t>
-            </a:r>
-          </a:p>
-          <a:p>
-            <a:pPr marL="457200" indent="-457200">
-              <a:buFont typeface="Arial" charset="0"/>
-              <a:buChar char="•"/>
-            </a:pPr>
-            <a:r>
-              <a:rPr lang="en-US" sz="2800" dirty="0" smtClean="0">
-                <a:latin typeface="Century Gothic" charset="0"/>
-                <a:ea typeface="Century Gothic" charset="0"/>
-                <a:cs typeface="Century Gothic" charset="0"/>
-              </a:rPr>
-              <a:t>Search of the smoothed out series (rolling mean)</a:t>
             </a:r>
           </a:p>
         </p:txBody>
@@ -5613,7 +5618,7 @@
         </p:blipFill>
         <p:spPr>
           <a:xfrm>
-            <a:off x="17614557" y="19567796"/>
+            <a:off x="7972751" y="23013786"/>
             <a:ext cx="5939405" cy="4083342"/>
           </a:xfrm>
           <a:prstGeom prst="rect">
@@ -5629,7 +5634,7 @@
         </p:nvSpPr>
         <p:spPr>
           <a:xfrm>
-            <a:off x="17614557" y="18966843"/>
+            <a:off x="8350270" y="22412834"/>
             <a:ext cx="5981917" cy="523220"/>
           </a:xfrm>
           <a:prstGeom prst="rect">
@@ -5675,8 +5680,8 @@
         </p:nvSpPr>
         <p:spPr>
           <a:xfrm>
-            <a:off x="380315" y="30220383"/>
-            <a:ext cx="13766743" cy="5970865"/>
+            <a:off x="782074" y="35644936"/>
+            <a:ext cx="4653526" cy="6432530"/>
           </a:xfrm>
           <a:prstGeom prst="rect">
             <a:avLst/>
@@ -5689,93 +5694,13 @@
           </a:bodyPr>
           <a:lstStyle/>
           <a:p>
-            <a:pPr>
+            <a:pPr algn="just">
               <a:buClr>
                 <a:srgbClr val="990000"/>
               </a:buClr>
             </a:pPr>
             <a:r>
-              <a:rPr lang="fr-CH" sz="3200" b="1" dirty="0" smtClean="0">
-                <a:solidFill>
-                  <a:srgbClr val="333333"/>
-                </a:solidFill>
-                <a:latin typeface="Century Gothic"/>
-              </a:rPr>
-              <a:t>LSTM model prediction:</a:t>
-            </a:r>
-          </a:p>
-          <a:p>
-            <a:pPr>
-              <a:buClr>
-                <a:srgbClr val="990000"/>
-              </a:buClr>
-            </a:pPr>
-            <a:endParaRPr lang="fr-CH" sz="3000" dirty="0" smtClean="0">
-              <a:solidFill>
-                <a:srgbClr val="333333"/>
-              </a:solidFill>
-              <a:latin typeface="Century Gothic"/>
-            </a:endParaRPr>
-          </a:p>
-          <a:p>
-            <a:pPr>
-              <a:buClr>
-                <a:srgbClr val="990000"/>
-              </a:buClr>
-            </a:pPr>
-            <a:r>
-              <a:rPr lang="fr-CH" sz="3000" b="1" dirty="0" smtClean="0">
-                <a:solidFill>
-                  <a:srgbClr val="333333"/>
-                </a:solidFill>
-                <a:latin typeface="Century Gothic"/>
-              </a:rPr>
-              <a:t>Models: </a:t>
-            </a:r>
-            <a:r>
-              <a:rPr lang="fr-CH" sz="3000" dirty="0" smtClean="0">
-                <a:solidFill>
-                  <a:srgbClr val="333333"/>
-                </a:solidFill>
-                <a:latin typeface="Century Gothic"/>
-              </a:rPr>
-              <a:t>A simple LSTM (long short term memory). The problem is formed as a regression task with RNN (Recurent neura network). </a:t>
-            </a:r>
-          </a:p>
-          <a:p>
-            <a:pPr>
-              <a:buClr>
-                <a:srgbClr val="990000"/>
-              </a:buClr>
-            </a:pPr>
-            <a:endParaRPr lang="fr-CH" sz="3000" dirty="0" smtClean="0">
-              <a:solidFill>
-                <a:srgbClr val="333333"/>
-              </a:solidFill>
-              <a:latin typeface="Century Gothic"/>
-            </a:endParaRPr>
-          </a:p>
-          <a:p>
-            <a:pPr>
-              <a:buClr>
-                <a:srgbClr val="990000"/>
-              </a:buClr>
-            </a:pPr>
-            <a:endParaRPr lang="fr-CH" sz="3000" b="1" dirty="0">
-              <a:solidFill>
-                <a:srgbClr val="333333"/>
-              </a:solidFill>
-              <a:latin typeface="Century Gothic"/>
-            </a:endParaRPr>
-          </a:p>
-          <a:p>
-            <a:pPr>
-              <a:buClr>
-                <a:srgbClr val="990000"/>
-              </a:buClr>
-            </a:pPr>
-            <a:r>
-              <a:rPr lang="fr-CH" sz="3200" b="1" dirty="0" smtClean="0">
+              <a:rPr lang="fr-CH" sz="2800" b="1" dirty="0" err="1" smtClean="0">
                 <a:solidFill>
                   <a:srgbClr val="333333"/>
                 </a:solidFill>
@@ -5784,7 +5709,7 @@
               <a:t>Result</a:t>
             </a:r>
             <a:r>
-              <a:rPr lang="fr-CH" sz="3000" b="1" dirty="0" smtClean="0">
+              <a:rPr lang="fr-CH" sz="2800" b="1" dirty="0" smtClean="0">
                 <a:solidFill>
                   <a:srgbClr val="333333"/>
                 </a:solidFill>
@@ -5793,17 +5718,161 @@
               <a:t>: </a:t>
             </a:r>
             <a:r>
-              <a:rPr lang="fr-CH" sz="3000" dirty="0" smtClean="0">
-                <a:solidFill>
-                  <a:srgbClr val="333333"/>
-                </a:solidFill>
-                <a:latin typeface="Century Gothic"/>
-              </a:rPr>
-              <a:t>The model is not making true forecast. it has simply learn to output the previous time value with some minor change. In oder words, it simply mimick the time serie. It make sense as the model is trying to reduce the error and the previous time value are not to far away from the future time value. </a:t>
-            </a:r>
-          </a:p>
-          <a:p>
-            <a:pPr marL="914400" indent="-914400">
+              <a:rPr lang="fr-CH" sz="2800" dirty="0" smtClean="0">
+                <a:solidFill>
+                  <a:srgbClr val="333333"/>
+                </a:solidFill>
+                <a:latin typeface="Century Gothic"/>
+              </a:rPr>
+              <a:t>The model is not </a:t>
+            </a:r>
+            <a:r>
+              <a:rPr lang="fr-CH" sz="2800" dirty="0" err="1" smtClean="0">
+                <a:solidFill>
+                  <a:srgbClr val="333333"/>
+                </a:solidFill>
+                <a:latin typeface="Century Gothic"/>
+              </a:rPr>
+              <a:t>making</a:t>
+            </a:r>
+            <a:r>
+              <a:rPr lang="fr-CH" sz="2800" dirty="0" smtClean="0">
+                <a:solidFill>
+                  <a:srgbClr val="333333"/>
+                </a:solidFill>
+                <a:latin typeface="Century Gothic"/>
+              </a:rPr>
+              <a:t> </a:t>
+            </a:r>
+            <a:r>
+              <a:rPr lang="fr-CH" sz="2800" dirty="0" smtClean="0">
+                <a:solidFill>
+                  <a:srgbClr val="333333"/>
+                </a:solidFill>
+                <a:latin typeface="Century Gothic"/>
+              </a:rPr>
+              <a:t>a </a:t>
+            </a:r>
+            <a:r>
+              <a:rPr lang="fr-CH" sz="2800" dirty="0" err="1" smtClean="0">
+                <a:solidFill>
+                  <a:srgbClr val="333333"/>
+                </a:solidFill>
+                <a:latin typeface="Century Gothic"/>
+              </a:rPr>
+              <a:t>true</a:t>
+            </a:r>
+            <a:r>
+              <a:rPr lang="fr-CH" sz="2800" dirty="0" smtClean="0">
+                <a:solidFill>
+                  <a:srgbClr val="333333"/>
+                </a:solidFill>
+                <a:latin typeface="Century Gothic"/>
+              </a:rPr>
+              <a:t> </a:t>
+            </a:r>
+            <a:r>
+              <a:rPr lang="fr-CH" sz="2800" dirty="0" smtClean="0">
+                <a:solidFill>
+                  <a:srgbClr val="333333"/>
+                </a:solidFill>
+                <a:latin typeface="Century Gothic"/>
+              </a:rPr>
+              <a:t>forecast. it has simply learn to output the previous time value with some minor </a:t>
+            </a:r>
+            <a:r>
+              <a:rPr lang="fr-CH" sz="2800" dirty="0" smtClean="0">
+                <a:solidFill>
+                  <a:srgbClr val="333333"/>
+                </a:solidFill>
+                <a:latin typeface="Century Gothic"/>
+              </a:rPr>
+              <a:t>changes. </a:t>
+            </a:r>
+            <a:r>
+              <a:rPr lang="fr-CH" sz="2800" dirty="0" smtClean="0">
+                <a:solidFill>
+                  <a:srgbClr val="333333"/>
+                </a:solidFill>
+                <a:latin typeface="Century Gothic"/>
+              </a:rPr>
+              <a:t>In oder words, it </a:t>
+            </a:r>
+            <a:r>
+              <a:rPr lang="fr-CH" sz="2800" dirty="0" err="1" smtClean="0">
+                <a:solidFill>
+                  <a:srgbClr val="333333"/>
+                </a:solidFill>
+                <a:latin typeface="Century Gothic"/>
+              </a:rPr>
+              <a:t>simply</a:t>
+            </a:r>
+            <a:r>
+              <a:rPr lang="fr-CH" sz="2800" dirty="0" smtClean="0">
+                <a:solidFill>
+                  <a:srgbClr val="333333"/>
+                </a:solidFill>
+                <a:latin typeface="Century Gothic"/>
+              </a:rPr>
+              <a:t> </a:t>
+            </a:r>
+            <a:r>
+              <a:rPr lang="fr-CH" sz="2800" dirty="0" err="1" smtClean="0">
+                <a:solidFill>
+                  <a:srgbClr val="333333"/>
+                </a:solidFill>
+                <a:latin typeface="Century Gothic"/>
+              </a:rPr>
+              <a:t>mimicks</a:t>
+            </a:r>
+            <a:r>
+              <a:rPr lang="fr-CH" sz="2800" dirty="0" smtClean="0">
+                <a:solidFill>
+                  <a:srgbClr val="333333"/>
+                </a:solidFill>
+                <a:latin typeface="Century Gothic"/>
+              </a:rPr>
+              <a:t> </a:t>
+            </a:r>
+            <a:r>
+              <a:rPr lang="fr-CH" sz="2800" dirty="0" smtClean="0">
+                <a:solidFill>
+                  <a:srgbClr val="333333"/>
+                </a:solidFill>
+                <a:latin typeface="Century Gothic"/>
+              </a:rPr>
+              <a:t>the time serie. It make sense as the model is trying to reduce the error and the previous time value are not </a:t>
+            </a:r>
+            <a:r>
+              <a:rPr lang="fr-CH" sz="2800" dirty="0" err="1" smtClean="0">
+                <a:solidFill>
+                  <a:srgbClr val="333333"/>
+                </a:solidFill>
+                <a:latin typeface="Century Gothic"/>
+              </a:rPr>
+              <a:t>too</a:t>
+            </a:r>
+            <a:r>
+              <a:rPr lang="fr-CH" sz="2800" dirty="0" smtClean="0">
+                <a:solidFill>
+                  <a:srgbClr val="333333"/>
+                </a:solidFill>
+                <a:latin typeface="Century Gothic"/>
+              </a:rPr>
+              <a:t> </a:t>
+            </a:r>
+            <a:r>
+              <a:rPr lang="fr-CH" sz="2800" dirty="0" smtClean="0">
+                <a:solidFill>
+                  <a:srgbClr val="333333"/>
+                </a:solidFill>
+                <a:latin typeface="Century Gothic"/>
+              </a:rPr>
+              <a:t>far away from the future time value. </a:t>
+            </a:r>
+          </a:p>
+          <a:p>
+            <a:pPr marL="914400" indent="-914400" algn="just">
               <a:buClr>
                 <a:srgbClr val="990000"/>
               </a:buClr>
@@ -5827,8 +5896,8 @@
         </p:nvSpPr>
         <p:spPr>
           <a:xfrm>
-            <a:off x="14350248" y="30220383"/>
-            <a:ext cx="15778518" cy="4708981"/>
+            <a:off x="15925178" y="32958330"/>
+            <a:ext cx="14124822" cy="2477036"/>
           </a:xfrm>
           <a:prstGeom prst="rect">
             <a:avLst/>
@@ -5847,7 +5916,7 @@
               </a:buClr>
             </a:pPr>
             <a:r>
-              <a:rPr lang="fr-CH" sz="3000" b="1" dirty="0" smtClean="0">
+              <a:rPr lang="fr-CH" sz="4000" b="1" dirty="0" smtClean="0">
                 <a:solidFill>
                   <a:srgbClr val="333333"/>
                 </a:solidFill>
@@ -5870,13 +5939,13 @@
             </a:endParaRPr>
           </a:p>
           <a:p>
-            <a:pPr>
+            <a:pPr algn="just">
               <a:buClr>
                 <a:srgbClr val="990000"/>
               </a:buClr>
             </a:pPr>
             <a:r>
-              <a:rPr lang="fr-CH" sz="3000" b="1" dirty="0" smtClean="0">
+              <a:rPr lang="fr-CH" sz="2800" b="1" dirty="0" smtClean="0">
                 <a:solidFill>
                   <a:srgbClr val="333333"/>
                 </a:solidFill>
@@ -5885,53 +5954,60 @@
               <a:t>Models: </a:t>
             </a:r>
             <a:r>
-              <a:rPr lang="fr-CH" sz="3000" dirty="0" smtClean="0">
-                <a:solidFill>
-                  <a:srgbClr val="333333"/>
-                </a:solidFill>
-                <a:latin typeface="Century Gothic"/>
-              </a:rPr>
-              <a:t>A SARIMA (Seasonal autoregressive integraded moving average) model. This is a combination of autoregression with moving average component plus seasonal component in order to predict the future time value.</a:t>
-            </a:r>
-          </a:p>
-          <a:p>
-            <a:pPr>
-              <a:buClr>
-                <a:srgbClr val="990000"/>
-              </a:buClr>
-            </a:pPr>
-            <a:endParaRPr lang="fr-CH" sz="3000" b="1" dirty="0">
-              <a:solidFill>
-                <a:srgbClr val="333333"/>
-              </a:solidFill>
-              <a:latin typeface="Century Gothic"/>
-            </a:endParaRPr>
-          </a:p>
-          <a:p>
-            <a:pPr>
-              <a:buClr>
-                <a:srgbClr val="990000"/>
-              </a:buClr>
-            </a:pPr>
-            <a:r>
-              <a:rPr lang="fr-CH" sz="3000" b="1" dirty="0" smtClean="0">
-                <a:solidFill>
-                  <a:srgbClr val="333333"/>
-                </a:solidFill>
-                <a:latin typeface="Century Gothic"/>
-              </a:rPr>
-              <a:t>Result: </a:t>
-            </a:r>
-            <a:r>
-              <a:rPr lang="fr-CH" sz="3000" dirty="0" smtClean="0">
-                <a:solidFill>
-                  <a:srgbClr val="333333"/>
-                </a:solidFill>
-                <a:latin typeface="Century Gothic"/>
-              </a:rPr>
-              <a:t>The model is able to predict the correct seasonality of the words and output a coherent local trend. It is not able to integrate changing trend which can regarded as random movement. The output is a repetitive sequence in the same direction. The reliability of the prediction decreases as we predict long time horizon. </a:t>
-            </a:r>
-            <a:endParaRPr lang="fr-CH" sz="3000" b="1" dirty="0">
+              <a:rPr lang="fr-CH" sz="2800" dirty="0" smtClean="0">
+                <a:solidFill>
+                  <a:srgbClr val="333333"/>
+                </a:solidFill>
+                <a:latin typeface="Century Gothic"/>
+              </a:rPr>
+              <a:t>A SARIMA (Seasonal autoregressive integraded moving average) </a:t>
+            </a:r>
+            <a:r>
+              <a:rPr lang="fr-CH" sz="2800" dirty="0" smtClean="0">
+                <a:solidFill>
+                  <a:srgbClr val="333333"/>
+                </a:solidFill>
+                <a:latin typeface="Century Gothic"/>
+              </a:rPr>
+              <a:t>model </a:t>
+            </a:r>
+            <a:r>
+              <a:rPr lang="fr-CH" sz="2800" dirty="0" err="1" smtClean="0">
+                <a:solidFill>
+                  <a:srgbClr val="333333"/>
+                </a:solidFill>
+                <a:latin typeface="Century Gothic"/>
+              </a:rPr>
+              <a:t>is</a:t>
+            </a:r>
+            <a:r>
+              <a:rPr lang="fr-CH" sz="2800" dirty="0" smtClean="0">
+                <a:solidFill>
+                  <a:srgbClr val="333333"/>
+                </a:solidFill>
+                <a:latin typeface="Century Gothic"/>
+              </a:rPr>
+              <a:t> </a:t>
+            </a:r>
+            <a:r>
+              <a:rPr lang="fr-CH" sz="2800" dirty="0" smtClean="0">
+                <a:solidFill>
+                  <a:srgbClr val="333333"/>
+                </a:solidFill>
+                <a:latin typeface="Century Gothic"/>
+              </a:rPr>
+              <a:t>a combination of autoregression with moving average component plus seasonal component in order to predict the future time </a:t>
+            </a:r>
+            <a:r>
+              <a:rPr lang="fr-CH" sz="2800" dirty="0" smtClean="0">
+                <a:solidFill>
+                  <a:srgbClr val="333333"/>
+                </a:solidFill>
+                <a:latin typeface="Century Gothic"/>
+              </a:rPr>
+              <a:t>value.</a:t>
+            </a:r>
+            <a:endParaRPr lang="fr-CH" sz="2800" dirty="0" smtClean="0">
               <a:solidFill>
                 <a:srgbClr val="333333"/>
               </a:solidFill>
@@ -5962,8 +6038,8 @@
         </p:blipFill>
         <p:spPr>
           <a:xfrm>
-            <a:off x="16652446" y="35531646"/>
-            <a:ext cx="10006440" cy="6877391"/>
+            <a:off x="21055486" y="35644936"/>
+            <a:ext cx="8881878" cy="6104484"/>
           </a:xfrm>
           <a:prstGeom prst="rect">
             <a:avLst/>
@@ -5992,8 +6068,1121 @@
         </p:blipFill>
         <p:spPr>
           <a:xfrm>
-            <a:off x="2253824" y="35531646"/>
-            <a:ext cx="10006441" cy="6877391"/>
+            <a:off x="5911122" y="35644936"/>
+            <a:ext cx="8881880" cy="6104484"/>
+          </a:xfrm>
+          <a:prstGeom prst="rect">
+            <a:avLst/>
+          </a:prstGeom>
+        </p:spPr>
+      </p:pic>
+      <p:sp>
+        <p:nvSpPr>
+          <p:cNvPr id="55" name="TextBox 54"/>
+          <p:cNvSpPr txBox="1"/>
+          <p:nvPr/>
+        </p:nvSpPr>
+        <p:spPr>
+          <a:xfrm>
+            <a:off x="756919" y="33074682"/>
+            <a:ext cx="13766743" cy="2031325"/>
+          </a:xfrm>
+          <a:prstGeom prst="rect">
+            <a:avLst/>
+          </a:prstGeom>
+          <a:noFill/>
+        </p:spPr>
+        <p:txBody>
+          <a:bodyPr wrap="square" rtlCol="0">
+            <a:spAutoFit/>
+          </a:bodyPr>
+          <a:lstStyle/>
+          <a:p>
+            <a:pPr>
+              <a:buClr>
+                <a:srgbClr val="990000"/>
+              </a:buClr>
+            </a:pPr>
+            <a:r>
+              <a:rPr lang="fr-CH" sz="4000" b="1" dirty="0" smtClean="0">
+                <a:solidFill>
+                  <a:srgbClr val="333333"/>
+                </a:solidFill>
+                <a:latin typeface="Century Gothic"/>
+              </a:rPr>
+              <a:t>LSTM model prediction:</a:t>
+            </a:r>
+          </a:p>
+          <a:p>
+            <a:pPr>
+              <a:buClr>
+                <a:srgbClr val="990000"/>
+              </a:buClr>
+            </a:pPr>
+            <a:endParaRPr lang="fr-CH" sz="3000" dirty="0" smtClean="0">
+              <a:solidFill>
+                <a:srgbClr val="333333"/>
+              </a:solidFill>
+              <a:latin typeface="Century Gothic"/>
+            </a:endParaRPr>
+          </a:p>
+          <a:p>
+            <a:pPr>
+              <a:buClr>
+                <a:srgbClr val="990000"/>
+              </a:buClr>
+            </a:pPr>
+            <a:r>
+              <a:rPr lang="fr-CH" sz="2800" b="1" dirty="0" smtClean="0">
+                <a:solidFill>
+                  <a:srgbClr val="333333"/>
+                </a:solidFill>
+                <a:latin typeface="Century Gothic"/>
+              </a:rPr>
+              <a:t>Model: </a:t>
+            </a:r>
+            <a:r>
+              <a:rPr lang="fr-CH" sz="2800" dirty="0" smtClean="0">
+                <a:solidFill>
+                  <a:srgbClr val="333333"/>
+                </a:solidFill>
+                <a:latin typeface="Century Gothic"/>
+              </a:rPr>
+              <a:t>A simple LSTM (long short term memory). The problem is formed as a regression </a:t>
+            </a:r>
+            <a:r>
+              <a:rPr lang="fr-CH" sz="2800" dirty="0" err="1" smtClean="0">
+                <a:solidFill>
+                  <a:srgbClr val="333333"/>
+                </a:solidFill>
+                <a:latin typeface="Century Gothic"/>
+              </a:rPr>
+              <a:t>task</a:t>
+            </a:r>
+            <a:r>
+              <a:rPr lang="fr-CH" sz="2800" dirty="0" smtClean="0">
+                <a:solidFill>
+                  <a:srgbClr val="333333"/>
+                </a:solidFill>
+                <a:latin typeface="Century Gothic"/>
+              </a:rPr>
+              <a:t> </a:t>
+            </a:r>
+            <a:r>
+              <a:rPr lang="fr-CH" sz="2800" dirty="0" err="1" smtClean="0">
+                <a:solidFill>
+                  <a:srgbClr val="333333"/>
+                </a:solidFill>
+                <a:latin typeface="Century Gothic"/>
+              </a:rPr>
+              <a:t>with</a:t>
+            </a:r>
+            <a:r>
+              <a:rPr lang="fr-CH" sz="2800" dirty="0" smtClean="0">
+                <a:solidFill>
+                  <a:srgbClr val="333333"/>
+                </a:solidFill>
+                <a:latin typeface="Century Gothic"/>
+              </a:rPr>
+              <a:t> a </a:t>
+            </a:r>
+            <a:r>
+              <a:rPr lang="fr-CH" sz="2800" dirty="0" smtClean="0">
+                <a:solidFill>
+                  <a:srgbClr val="333333"/>
+                </a:solidFill>
+                <a:latin typeface="Century Gothic"/>
+              </a:rPr>
+              <a:t>RNN (Recurent neura network). </a:t>
+            </a:r>
+          </a:p>
+        </p:txBody>
+      </p:sp>
+      <p:sp>
+        <p:nvSpPr>
+          <p:cNvPr id="56" name="TextBox 55"/>
+          <p:cNvSpPr txBox="1"/>
+          <p:nvPr/>
+        </p:nvSpPr>
+        <p:spPr>
+          <a:xfrm>
+            <a:off x="777317" y="32067181"/>
+            <a:ext cx="8585543" cy="830997"/>
+          </a:xfrm>
+          <a:prstGeom prst="rect">
+            <a:avLst/>
+          </a:prstGeom>
+          <a:noFill/>
+        </p:spPr>
+        <p:txBody>
+          <a:bodyPr wrap="square" rtlCol="0">
+            <a:spAutoFit/>
+          </a:bodyPr>
+          <a:lstStyle/>
+          <a:p>
+            <a:pPr>
+              <a:buClr>
+                <a:srgbClr val="990000"/>
+              </a:buClr>
+            </a:pPr>
+            <a:r>
+              <a:rPr lang="fr-CH" sz="4800" b="1" dirty="0" smtClean="0">
+                <a:solidFill>
+                  <a:srgbClr val="990100"/>
+                </a:solidFill>
+                <a:latin typeface="Century Gothic"/>
+              </a:rPr>
+              <a:t>Word </a:t>
+            </a:r>
+            <a:r>
+              <a:rPr lang="fr-CH" sz="4800" b="1" dirty="0" err="1" smtClean="0">
+                <a:solidFill>
+                  <a:srgbClr val="990100"/>
+                </a:solidFill>
+                <a:latin typeface="Century Gothic"/>
+              </a:rPr>
+              <a:t>Frequency</a:t>
+            </a:r>
+            <a:r>
+              <a:rPr lang="fr-CH" sz="4800" b="1" dirty="0" smtClean="0">
+                <a:solidFill>
+                  <a:srgbClr val="990100"/>
+                </a:solidFill>
+                <a:latin typeface="Century Gothic"/>
+              </a:rPr>
+              <a:t> </a:t>
+            </a:r>
+            <a:r>
+              <a:rPr lang="fr-CH" sz="4800" b="1" dirty="0" err="1" smtClean="0">
+                <a:solidFill>
+                  <a:srgbClr val="990100"/>
+                </a:solidFill>
+                <a:latin typeface="Century Gothic"/>
+              </a:rPr>
+              <a:t>Prediction</a:t>
+            </a:r>
+            <a:endParaRPr lang="fr-CH" sz="4800" dirty="0" smtClean="0">
+              <a:solidFill>
+                <a:srgbClr val="990100"/>
+              </a:solidFill>
+              <a:latin typeface="Century Gothic"/>
+            </a:endParaRPr>
+          </a:p>
+        </p:txBody>
+      </p:sp>
+      <p:sp>
+        <p:nvSpPr>
+          <p:cNvPr id="49" name="TextBox 48"/>
+          <p:cNvSpPr txBox="1"/>
+          <p:nvPr/>
+        </p:nvSpPr>
+        <p:spPr>
+          <a:xfrm>
+            <a:off x="15925178" y="35644936"/>
+            <a:ext cx="4680337" cy="6986528"/>
+          </a:xfrm>
+          <a:prstGeom prst="rect">
+            <a:avLst/>
+          </a:prstGeom>
+          <a:noFill/>
+        </p:spPr>
+        <p:txBody>
+          <a:bodyPr wrap="square" rtlCol="0">
+            <a:spAutoFit/>
+          </a:bodyPr>
+          <a:lstStyle/>
+          <a:p>
+            <a:pPr algn="just"/>
+            <a:r>
+              <a:rPr lang="en-US" sz="2800" b="1" dirty="0" smtClean="0">
+                <a:solidFill>
+                  <a:srgbClr val="333333"/>
+                </a:solidFill>
+                <a:latin typeface="Century Gothic"/>
+              </a:rPr>
+              <a:t>Result: </a:t>
+            </a:r>
+            <a:r>
+              <a:rPr lang="en-US" sz="2800" dirty="0" smtClean="0">
+                <a:solidFill>
+                  <a:srgbClr val="333333"/>
+                </a:solidFill>
+                <a:latin typeface="Century Gothic"/>
+              </a:rPr>
+              <a:t>The model is able to predict the correct seasonality of the words and outputs a coherent local trend. It is not able to integrate changing trend which can be regarded as random movement. The output is a repetitive sequence in the same direction. The reliability of the prediction decreases as we increase the length of the prediction. </a:t>
+            </a:r>
+            <a:endParaRPr lang="en-US" sz="2800" b="1" dirty="0" smtClean="0">
+              <a:solidFill>
+                <a:srgbClr val="333333"/>
+              </a:solidFill>
+              <a:latin typeface="Century Gothic"/>
+            </a:endParaRPr>
+          </a:p>
+          <a:p>
+            <a:pPr algn="just"/>
+            <a:endParaRPr lang="en-US" sz="2800" dirty="0"/>
+          </a:p>
+        </p:txBody>
+      </p:sp>
+      <p:cxnSp>
+        <p:nvCxnSpPr>
+          <p:cNvPr id="58" name="Straight Connector 57"/>
+          <p:cNvCxnSpPr/>
+          <p:nvPr/>
+        </p:nvCxnSpPr>
+        <p:spPr>
+          <a:xfrm>
+            <a:off x="380315" y="31882357"/>
+            <a:ext cx="29388485" cy="31473"/>
+          </a:xfrm>
+          <a:prstGeom prst="line">
+            <a:avLst/>
+          </a:prstGeom>
+          <a:ln>
+            <a:solidFill>
+              <a:schemeClr val="accent3"/>
+            </a:solidFill>
+          </a:ln>
+        </p:spPr>
+        <p:style>
+          <a:lnRef idx="1">
+            <a:schemeClr val="accent1"/>
+          </a:lnRef>
+          <a:fillRef idx="0">
+            <a:schemeClr val="accent1"/>
+          </a:fillRef>
+          <a:effectRef idx="0">
+            <a:schemeClr val="accent1"/>
+          </a:effectRef>
+          <a:fontRef idx="minor">
+            <a:schemeClr val="tx1"/>
+          </a:fontRef>
+        </p:style>
+      </p:cxnSp>
+      <p:cxnSp>
+        <p:nvCxnSpPr>
+          <p:cNvPr id="59" name="Straight Connector 58"/>
+          <p:cNvCxnSpPr/>
+          <p:nvPr/>
+        </p:nvCxnSpPr>
+        <p:spPr>
+          <a:xfrm>
+            <a:off x="15249118" y="32240716"/>
+            <a:ext cx="117795" cy="8956653"/>
+          </a:xfrm>
+          <a:prstGeom prst="line">
+            <a:avLst/>
+          </a:prstGeom>
+          <a:ln>
+            <a:solidFill>
+              <a:schemeClr val="accent3"/>
+            </a:solidFill>
+          </a:ln>
+        </p:spPr>
+        <p:style>
+          <a:lnRef idx="1">
+            <a:schemeClr val="accent1"/>
+          </a:lnRef>
+          <a:fillRef idx="0">
+            <a:schemeClr val="accent1"/>
+          </a:fillRef>
+          <a:effectRef idx="0">
+            <a:schemeClr val="accent1"/>
+          </a:effectRef>
+          <a:fontRef idx="minor">
+            <a:schemeClr val="tx1"/>
+          </a:fontRef>
+        </p:style>
+      </p:cxnSp>
+      <p:sp>
+        <p:nvSpPr>
+          <p:cNvPr id="60" name="TextBox 59"/>
+          <p:cNvSpPr txBox="1"/>
+          <p:nvPr/>
+        </p:nvSpPr>
+        <p:spPr>
+          <a:xfrm>
+            <a:off x="7972751" y="19337303"/>
+            <a:ext cx="6789483" cy="2246769"/>
+          </a:xfrm>
+          <a:prstGeom prst="rect">
+            <a:avLst/>
+          </a:prstGeom>
+          <a:noFill/>
+        </p:spPr>
+        <p:txBody>
+          <a:bodyPr wrap="square" rtlCol="0">
+            <a:spAutoFit/>
+          </a:bodyPr>
+          <a:lstStyle/>
+          <a:p>
+            <a:pPr marL="457200" indent="-457200">
+              <a:buFont typeface="Arial" charset="0"/>
+              <a:buChar char="•"/>
+            </a:pPr>
+            <a:r>
+              <a:rPr lang="en-US" sz="2800" dirty="0" err="1">
+                <a:latin typeface="Century Gothic" charset="0"/>
+                <a:ea typeface="Century Gothic" charset="0"/>
+                <a:cs typeface="Century Gothic" charset="0"/>
+              </a:rPr>
+              <a:t>Dendogram</a:t>
+            </a:r>
+            <a:r>
+              <a:rPr lang="en-US" sz="2800" dirty="0">
+                <a:latin typeface="Century Gothic" charset="0"/>
+                <a:ea typeface="Century Gothic" charset="0"/>
+                <a:cs typeface="Century Gothic" charset="0"/>
+              </a:rPr>
+              <a:t> clustering</a:t>
+            </a:r>
+          </a:p>
+          <a:p>
+            <a:pPr marL="457200" indent="-457200">
+              <a:buFont typeface="Arial" charset="0"/>
+              <a:buChar char="•"/>
+            </a:pPr>
+            <a:r>
+              <a:rPr lang="en-US" sz="2800" dirty="0">
+                <a:latin typeface="Century Gothic" charset="0"/>
+                <a:ea typeface="Century Gothic" charset="0"/>
+                <a:cs typeface="Century Gothic" charset="0"/>
+              </a:rPr>
+              <a:t>Frequency ranking</a:t>
+            </a:r>
+          </a:p>
+          <a:p>
+            <a:pPr marL="457200" indent="-457200">
+              <a:buFont typeface="Arial" charset="0"/>
+              <a:buChar char="•"/>
+            </a:pPr>
+            <a:r>
+              <a:rPr lang="en-US" sz="2800" dirty="0">
+                <a:latin typeface="Century Gothic" charset="0"/>
+                <a:ea typeface="Century Gothic" charset="0"/>
+                <a:cs typeface="Century Gothic" charset="0"/>
+              </a:rPr>
+              <a:t>Manual Search</a:t>
+            </a:r>
+          </a:p>
+          <a:p>
+            <a:pPr marL="457200" indent="-457200">
+              <a:buFont typeface="Arial" charset="0"/>
+              <a:buChar char="•"/>
+            </a:pPr>
+            <a:r>
+              <a:rPr lang="en-US" sz="2800" dirty="0">
+                <a:latin typeface="Century Gothic" charset="0"/>
+                <a:ea typeface="Century Gothic" charset="0"/>
+                <a:cs typeface="Century Gothic" charset="0"/>
+              </a:rPr>
+              <a:t>Search of the </a:t>
+            </a:r>
+            <a:r>
+              <a:rPr lang="en-US" sz="2800" dirty="0" smtClean="0">
+                <a:latin typeface="Century Gothic" charset="0"/>
+                <a:ea typeface="Century Gothic" charset="0"/>
+                <a:cs typeface="Century Gothic" charset="0"/>
+              </a:rPr>
+              <a:t>smoothed</a:t>
+            </a:r>
+          </a:p>
+          <a:p>
+            <a:pPr marL="457200" indent="-457200">
+              <a:buFont typeface="Arial" charset="0"/>
+              <a:buChar char="•"/>
+            </a:pPr>
+            <a:r>
+              <a:rPr lang="en-US" sz="2800" dirty="0" smtClean="0">
+                <a:latin typeface="Century Gothic" charset="0"/>
+                <a:ea typeface="Century Gothic" charset="0"/>
+                <a:cs typeface="Century Gothic" charset="0"/>
+              </a:rPr>
+              <a:t> </a:t>
+            </a:r>
+            <a:r>
+              <a:rPr lang="en-US" sz="2800" dirty="0">
+                <a:latin typeface="Century Gothic" charset="0"/>
+                <a:ea typeface="Century Gothic" charset="0"/>
+                <a:cs typeface="Century Gothic" charset="0"/>
+              </a:rPr>
+              <a:t>out series (rolling mean)</a:t>
+            </a:r>
+          </a:p>
+        </p:txBody>
+      </p:sp>
+      <p:sp>
+        <p:nvSpPr>
+          <p:cNvPr id="62" name="TextBox 61"/>
+          <p:cNvSpPr txBox="1"/>
+          <p:nvPr/>
+        </p:nvSpPr>
+        <p:spPr>
+          <a:xfrm>
+            <a:off x="777317" y="19282104"/>
+            <a:ext cx="6789483" cy="2677656"/>
+          </a:xfrm>
+          <a:prstGeom prst="rect">
+            <a:avLst/>
+          </a:prstGeom>
+          <a:noFill/>
+        </p:spPr>
+        <p:txBody>
+          <a:bodyPr wrap="square" rtlCol="0">
+            <a:spAutoFit/>
+          </a:bodyPr>
+          <a:lstStyle/>
+          <a:p>
+            <a:pPr marL="457200" indent="-457200">
+              <a:buFont typeface="Arial" charset="0"/>
+              <a:buChar char="•"/>
+            </a:pPr>
+            <a:r>
+              <a:rPr lang="en-US" sz="2800" dirty="0">
+                <a:latin typeface="Century Gothic" charset="0"/>
+                <a:ea typeface="Century Gothic" charset="0"/>
+                <a:cs typeface="Century Gothic" charset="0"/>
+              </a:rPr>
+              <a:t>Pearson Correlation : computing similarity between word</a:t>
+            </a:r>
+          </a:p>
+          <a:p>
+            <a:pPr marL="457200" indent="-457200">
+              <a:buFont typeface="Arial" charset="0"/>
+              <a:buChar char="•"/>
+            </a:pPr>
+            <a:r>
+              <a:rPr lang="en-US" sz="2800" dirty="0">
+                <a:latin typeface="Century Gothic" charset="0"/>
+                <a:ea typeface="Century Gothic" charset="0"/>
+                <a:cs typeface="Century Gothic" charset="0"/>
+              </a:rPr>
+              <a:t>Fourier Transform : Finding words with periodicity</a:t>
+            </a:r>
+          </a:p>
+          <a:p>
+            <a:pPr marL="457200" indent="-457200">
+              <a:buFont typeface="Arial" charset="0"/>
+              <a:buChar char="•"/>
+            </a:pPr>
+            <a:r>
+              <a:rPr lang="en-US" sz="2800" dirty="0">
+                <a:latin typeface="Century Gothic" charset="0"/>
+                <a:ea typeface="Century Gothic" charset="0"/>
+                <a:cs typeface="Century Gothic" charset="0"/>
+              </a:rPr>
+              <a:t>Gradient : Finding decreasing and increasing time </a:t>
+            </a:r>
+            <a:r>
+              <a:rPr lang="en-US" sz="2800" dirty="0" smtClean="0">
+                <a:latin typeface="Century Gothic" charset="0"/>
+                <a:ea typeface="Century Gothic" charset="0"/>
+                <a:cs typeface="Century Gothic" charset="0"/>
+              </a:rPr>
+              <a:t>series</a:t>
+            </a:r>
+            <a:endParaRPr lang="en-US" sz="2800" dirty="0">
+              <a:latin typeface="Century Gothic" charset="0"/>
+              <a:ea typeface="Century Gothic" charset="0"/>
+              <a:cs typeface="Century Gothic" charset="0"/>
+            </a:endParaRPr>
+          </a:p>
+        </p:txBody>
+      </p:sp>
+      <p:pic>
+        <p:nvPicPr>
+          <p:cNvPr id="63" name="Picture 62"/>
+          <p:cNvPicPr>
+            <a:picLocks noChangeAspect="1"/>
+          </p:cNvPicPr>
+          <p:nvPr/>
+        </p:nvPicPr>
+        <p:blipFill>
+          <a:blip r:embed="rId13">
+            <a:extLst>
+              <a:ext uri="{28A0092B-C50C-407E-A947-70E740481C1C}">
+                <a14:useLocalDpi xmlns:a14="http://schemas.microsoft.com/office/drawing/2010/main" val="0"/>
+              </a:ext>
+            </a:extLst>
+          </a:blip>
+          <a:stretch>
+            <a:fillRect/>
+          </a:stretch>
+        </p:blipFill>
+        <p:spPr>
+          <a:xfrm>
+            <a:off x="888657" y="27653715"/>
+            <a:ext cx="5775193" cy="3970445"/>
+          </a:xfrm>
+          <a:prstGeom prst="rect">
+            <a:avLst/>
+          </a:prstGeom>
+        </p:spPr>
+      </p:pic>
+      <p:sp>
+        <p:nvSpPr>
+          <p:cNvPr id="65" name="TextBox 64"/>
+          <p:cNvSpPr txBox="1"/>
+          <p:nvPr/>
+        </p:nvSpPr>
+        <p:spPr>
+          <a:xfrm>
+            <a:off x="2205086" y="27177229"/>
+            <a:ext cx="5666081" cy="524620"/>
+          </a:xfrm>
+          <a:prstGeom prst="rect">
+            <a:avLst/>
+          </a:prstGeom>
+          <a:noFill/>
+        </p:spPr>
+        <p:txBody>
+          <a:bodyPr wrap="square" rtlCol="0">
+            <a:spAutoFit/>
+          </a:bodyPr>
+          <a:lstStyle/>
+          <a:p>
+            <a:r>
+              <a:rPr lang="en-US" sz="2800" dirty="0" smtClean="0">
+                <a:latin typeface="Century Gothic" charset="0"/>
+                <a:ea typeface="Century Gothic" charset="0"/>
+                <a:cs typeface="Century Gothic" charset="0"/>
+              </a:rPr>
+              <a:t>Appearing Words</a:t>
+            </a:r>
+            <a:endParaRPr lang="en-US" sz="2800" dirty="0">
+              <a:latin typeface="Century Gothic" charset="0"/>
+              <a:ea typeface="Century Gothic" charset="0"/>
+              <a:cs typeface="Century Gothic" charset="0"/>
+            </a:endParaRPr>
+          </a:p>
+        </p:txBody>
+      </p:sp>
+      <p:pic>
+        <p:nvPicPr>
+          <p:cNvPr id="66" name="Picture 65"/>
+          <p:cNvPicPr>
+            <a:picLocks noChangeAspect="1"/>
+          </p:cNvPicPr>
+          <p:nvPr/>
+        </p:nvPicPr>
+        <p:blipFill>
+          <a:blip r:embed="rId14">
+            <a:extLst>
+              <a:ext uri="{28A0092B-C50C-407E-A947-70E740481C1C}">
+                <a14:useLocalDpi xmlns:a14="http://schemas.microsoft.com/office/drawing/2010/main" val="0"/>
+              </a:ext>
+            </a:extLst>
+          </a:blip>
+          <a:stretch>
+            <a:fillRect/>
+          </a:stretch>
+        </p:blipFill>
+        <p:spPr>
+          <a:xfrm>
+            <a:off x="8350270" y="27712658"/>
+            <a:ext cx="5628760" cy="3869773"/>
+          </a:xfrm>
+          <a:prstGeom prst="rect">
+            <a:avLst/>
+          </a:prstGeom>
+        </p:spPr>
+      </p:pic>
+      <p:sp>
+        <p:nvSpPr>
+          <p:cNvPr id="68" name="TextBox 67"/>
+          <p:cNvSpPr txBox="1"/>
+          <p:nvPr/>
+        </p:nvSpPr>
+        <p:spPr>
+          <a:xfrm>
+            <a:off x="9380709" y="27182067"/>
+            <a:ext cx="3921038" cy="542025"/>
+          </a:xfrm>
+          <a:prstGeom prst="rect">
+            <a:avLst/>
+          </a:prstGeom>
+          <a:noFill/>
+        </p:spPr>
+        <p:txBody>
+          <a:bodyPr wrap="square" rtlCol="0">
+            <a:spAutoFit/>
+          </a:bodyPr>
+          <a:lstStyle/>
+          <a:p>
+            <a:r>
+              <a:rPr lang="en-US" sz="2800" smtClean="0">
+                <a:latin typeface="Century Gothic" charset="0"/>
+                <a:ea typeface="Century Gothic" charset="0"/>
+                <a:cs typeface="Century Gothic" charset="0"/>
+              </a:rPr>
+              <a:t>Disappearing Words</a:t>
+            </a:r>
+            <a:endParaRPr lang="en-US" sz="2800" dirty="0">
+              <a:latin typeface="Century Gothic" charset="0"/>
+              <a:ea typeface="Century Gothic" charset="0"/>
+              <a:cs typeface="Century Gothic" charset="0"/>
+            </a:endParaRPr>
+          </a:p>
+        </p:txBody>
+      </p:sp>
+      <p:sp>
+        <p:nvSpPr>
+          <p:cNvPr id="67" name="TextBox 66"/>
+          <p:cNvSpPr txBox="1"/>
+          <p:nvPr/>
+        </p:nvSpPr>
+        <p:spPr>
+          <a:xfrm>
+            <a:off x="15563357" y="17779484"/>
+            <a:ext cx="6099042" cy="707886"/>
+          </a:xfrm>
+          <a:prstGeom prst="rect">
+            <a:avLst/>
+          </a:prstGeom>
+          <a:noFill/>
+        </p:spPr>
+        <p:txBody>
+          <a:bodyPr wrap="square" rtlCol="0">
+            <a:spAutoFit/>
+          </a:bodyPr>
+          <a:lstStyle/>
+          <a:p>
+            <a:r>
+              <a:rPr lang="en-US" sz="4000" b="1" dirty="0" smtClean="0">
+                <a:latin typeface="Century Gothic" charset="0"/>
+                <a:ea typeface="Century Gothic" charset="0"/>
+                <a:cs typeface="Century Gothic" charset="0"/>
+              </a:rPr>
+              <a:t>Historic Words</a:t>
+            </a:r>
+          </a:p>
+        </p:txBody>
+      </p:sp>
+      <p:cxnSp>
+        <p:nvCxnSpPr>
+          <p:cNvPr id="70" name="Straight Connector 69"/>
+          <p:cNvCxnSpPr/>
+          <p:nvPr/>
+        </p:nvCxnSpPr>
+        <p:spPr>
+          <a:xfrm>
+            <a:off x="15112072" y="18114993"/>
+            <a:ext cx="122854" cy="13085650"/>
+          </a:xfrm>
+          <a:prstGeom prst="line">
+            <a:avLst/>
+          </a:prstGeom>
+          <a:ln>
+            <a:solidFill>
+              <a:schemeClr val="accent3"/>
+            </a:solidFill>
+          </a:ln>
+        </p:spPr>
+        <p:style>
+          <a:lnRef idx="1">
+            <a:schemeClr val="accent1"/>
+          </a:lnRef>
+          <a:fillRef idx="0">
+            <a:schemeClr val="accent1"/>
+          </a:fillRef>
+          <a:effectRef idx="0">
+            <a:schemeClr val="accent1"/>
+          </a:effectRef>
+          <a:fontRef idx="minor">
+            <a:schemeClr val="tx1"/>
+          </a:fontRef>
+        </p:style>
+      </p:cxnSp>
+      <p:sp>
+        <p:nvSpPr>
+          <p:cNvPr id="71" name="TextBox 70"/>
+          <p:cNvSpPr txBox="1"/>
+          <p:nvPr/>
+        </p:nvSpPr>
+        <p:spPr>
+          <a:xfrm>
+            <a:off x="15584764" y="18592927"/>
+            <a:ext cx="6782732" cy="3539430"/>
+          </a:xfrm>
+          <a:prstGeom prst="rect">
+            <a:avLst/>
+          </a:prstGeom>
+          <a:noFill/>
+        </p:spPr>
+        <p:txBody>
+          <a:bodyPr wrap="square" rtlCol="0">
+            <a:spAutoFit/>
+          </a:bodyPr>
+          <a:lstStyle/>
+          <a:p>
+            <a:r>
+              <a:rPr lang="en-US" sz="2800" dirty="0">
+                <a:latin typeface="Century Gothic" charset="0"/>
+                <a:ea typeface="Century Gothic" charset="0"/>
+                <a:cs typeface="Century Gothic" charset="0"/>
+              </a:rPr>
+              <a:t>The time series of certain words </a:t>
+            </a:r>
+          </a:p>
+          <a:p>
+            <a:r>
+              <a:rPr lang="en-US" sz="2800" dirty="0">
+                <a:latin typeface="Century Gothic" charset="0"/>
+                <a:ea typeface="Century Gothic" charset="0"/>
+                <a:cs typeface="Century Gothic" charset="0"/>
+              </a:rPr>
+              <a:t>follow historic events</a:t>
+            </a:r>
+            <a:r>
+              <a:rPr lang="en-US" sz="2800" dirty="0" smtClean="0">
+                <a:latin typeface="Century Gothic" charset="0"/>
+                <a:ea typeface="Century Gothic" charset="0"/>
+                <a:cs typeface="Century Gothic" charset="0"/>
+              </a:rPr>
+              <a:t>.</a:t>
+            </a:r>
+          </a:p>
+          <a:p>
+            <a:r>
+              <a:rPr lang="en-US" sz="2800" dirty="0" smtClean="0">
+                <a:latin typeface="Century Gothic" charset="0"/>
+                <a:ea typeface="Century Gothic" charset="0"/>
+                <a:cs typeface="Century Gothic" charset="0"/>
+              </a:rPr>
+              <a:t>1848: Second republic of France</a:t>
+            </a:r>
+          </a:p>
+          <a:p>
+            <a:r>
+              <a:rPr lang="en-US" sz="2800" dirty="0" smtClean="0">
+                <a:latin typeface="Century Gothic" charset="0"/>
+                <a:ea typeface="Century Gothic" charset="0"/>
+                <a:cs typeface="Century Gothic" charset="0"/>
+              </a:rPr>
+              <a:t>1870: Third republic of France</a:t>
+            </a:r>
+          </a:p>
+          <a:p>
+            <a:r>
+              <a:rPr lang="en-US" sz="2800" dirty="0" smtClean="0">
+                <a:latin typeface="Century Gothic" charset="0"/>
+                <a:ea typeface="Century Gothic" charset="0"/>
+                <a:cs typeface="Century Gothic" charset="0"/>
+              </a:rPr>
+              <a:t>1918: First World War</a:t>
+            </a:r>
+          </a:p>
+          <a:p>
+            <a:r>
+              <a:rPr lang="en-US" sz="2800" dirty="0" smtClean="0">
+                <a:latin typeface="Century Gothic" charset="0"/>
+                <a:ea typeface="Century Gothic" charset="0"/>
+                <a:cs typeface="Century Gothic" charset="0"/>
+              </a:rPr>
+              <a:t>1929 - 31: Financial Crisis</a:t>
+            </a:r>
+          </a:p>
+          <a:p>
+            <a:r>
+              <a:rPr lang="en-US" sz="2800" dirty="0" smtClean="0">
+                <a:latin typeface="Century Gothic" charset="0"/>
+                <a:ea typeface="Century Gothic" charset="0"/>
+                <a:cs typeface="Century Gothic" charset="0"/>
+              </a:rPr>
+              <a:t>1939-1945:  Second World War</a:t>
+            </a:r>
+          </a:p>
+          <a:p>
+            <a:r>
+              <a:rPr lang="en-US" sz="2800" dirty="0" smtClean="0">
+                <a:latin typeface="Century Gothic" charset="0"/>
+                <a:ea typeface="Century Gothic" charset="0"/>
+                <a:cs typeface="Century Gothic" charset="0"/>
+              </a:rPr>
+              <a:t>1955 </a:t>
+            </a:r>
+            <a:r>
+              <a:rPr lang="mr-IN" sz="2800" dirty="0" smtClean="0">
+                <a:latin typeface="Century Gothic" charset="0"/>
+                <a:ea typeface="Century Gothic" charset="0"/>
+                <a:cs typeface="Century Gothic" charset="0"/>
+              </a:rPr>
+              <a:t>–</a:t>
+            </a:r>
+            <a:r>
+              <a:rPr lang="en-US" sz="2800" dirty="0" smtClean="0">
+                <a:latin typeface="Century Gothic" charset="0"/>
+                <a:ea typeface="Century Gothic" charset="0"/>
+                <a:cs typeface="Century Gothic" charset="0"/>
+              </a:rPr>
+              <a:t> 1975: Vietnam War</a:t>
+            </a:r>
+            <a:endParaRPr lang="en-US" sz="2800" dirty="0">
+              <a:latin typeface="Century Gothic" charset="0"/>
+              <a:ea typeface="Century Gothic" charset="0"/>
+              <a:cs typeface="Century Gothic" charset="0"/>
+            </a:endParaRPr>
+          </a:p>
+        </p:txBody>
+      </p:sp>
+      <p:pic>
+        <p:nvPicPr>
+          <p:cNvPr id="72" name="Picture 71"/>
+          <p:cNvPicPr>
+            <a:picLocks noChangeAspect="1"/>
+          </p:cNvPicPr>
+          <p:nvPr/>
+        </p:nvPicPr>
+        <p:blipFill>
+          <a:blip r:embed="rId15">
+            <a:extLst>
+              <a:ext uri="{28A0092B-C50C-407E-A947-70E740481C1C}">
+                <a14:useLocalDpi xmlns:a14="http://schemas.microsoft.com/office/drawing/2010/main" val="0"/>
+              </a:ext>
+            </a:extLst>
+          </a:blip>
+          <a:stretch>
+            <a:fillRect/>
+          </a:stretch>
+        </p:blipFill>
+        <p:spPr>
+          <a:xfrm>
+            <a:off x="22235152" y="18080198"/>
+            <a:ext cx="7242093" cy="4978939"/>
+          </a:xfrm>
+          <a:prstGeom prst="rect">
+            <a:avLst/>
+          </a:prstGeom>
+        </p:spPr>
+      </p:pic>
+      <p:cxnSp>
+        <p:nvCxnSpPr>
+          <p:cNvPr id="75" name="Straight Connector 74"/>
+          <p:cNvCxnSpPr/>
+          <p:nvPr/>
+        </p:nvCxnSpPr>
+        <p:spPr>
+          <a:xfrm>
+            <a:off x="380315" y="17367011"/>
+            <a:ext cx="29388485" cy="31473"/>
+          </a:xfrm>
+          <a:prstGeom prst="line">
+            <a:avLst/>
+          </a:prstGeom>
+          <a:ln>
+            <a:solidFill>
+              <a:schemeClr val="accent3"/>
+            </a:solidFill>
+          </a:ln>
+        </p:spPr>
+        <p:style>
+          <a:lnRef idx="1">
+            <a:schemeClr val="accent1"/>
+          </a:lnRef>
+          <a:fillRef idx="0">
+            <a:schemeClr val="accent1"/>
+          </a:fillRef>
+          <a:effectRef idx="0">
+            <a:schemeClr val="accent1"/>
+          </a:effectRef>
+          <a:fontRef idx="minor">
+            <a:schemeClr val="tx1"/>
+          </a:fontRef>
+        </p:style>
+      </p:cxnSp>
+      <p:cxnSp>
+        <p:nvCxnSpPr>
+          <p:cNvPr id="78" name="Straight Connector 77"/>
+          <p:cNvCxnSpPr/>
+          <p:nvPr/>
+        </p:nvCxnSpPr>
+        <p:spPr>
+          <a:xfrm>
+            <a:off x="15563357" y="23316362"/>
+            <a:ext cx="14205443" cy="15213"/>
+          </a:xfrm>
+          <a:prstGeom prst="line">
+            <a:avLst/>
+          </a:prstGeom>
+          <a:ln>
+            <a:solidFill>
+              <a:schemeClr val="accent3"/>
+            </a:solidFill>
+          </a:ln>
+        </p:spPr>
+        <p:style>
+          <a:lnRef idx="1">
+            <a:schemeClr val="accent1"/>
+          </a:lnRef>
+          <a:fillRef idx="0">
+            <a:schemeClr val="accent1"/>
+          </a:fillRef>
+          <a:effectRef idx="0">
+            <a:schemeClr val="accent1"/>
+          </a:effectRef>
+          <a:fontRef idx="minor">
+            <a:schemeClr val="tx1"/>
+          </a:fontRef>
+        </p:style>
+      </p:cxnSp>
+      <p:sp>
+        <p:nvSpPr>
+          <p:cNvPr id="84" name="TextBox 83"/>
+          <p:cNvSpPr txBox="1"/>
+          <p:nvPr/>
+        </p:nvSpPr>
+        <p:spPr>
+          <a:xfrm>
+            <a:off x="15563356" y="23640731"/>
+            <a:ext cx="6650388" cy="707886"/>
+          </a:xfrm>
+          <a:prstGeom prst="rect">
+            <a:avLst/>
+          </a:prstGeom>
+          <a:noFill/>
+        </p:spPr>
+        <p:txBody>
+          <a:bodyPr wrap="square" rtlCol="0">
+            <a:spAutoFit/>
+          </a:bodyPr>
+          <a:lstStyle/>
+          <a:p>
+            <a:r>
+              <a:rPr lang="en-US" sz="4000" b="1" dirty="0" smtClean="0">
+                <a:latin typeface="Century Gothic" charset="0"/>
+                <a:ea typeface="Century Gothic" charset="0"/>
+                <a:cs typeface="Century Gothic" charset="0"/>
+              </a:rPr>
+              <a:t>Ranking of the words:</a:t>
+            </a:r>
+            <a:endParaRPr lang="en-US" sz="4000" b="1" dirty="0">
+              <a:latin typeface="Century Gothic" charset="0"/>
+              <a:ea typeface="Century Gothic" charset="0"/>
+              <a:cs typeface="Century Gothic" charset="0"/>
+            </a:endParaRPr>
+          </a:p>
+        </p:txBody>
+      </p:sp>
+      <p:sp>
+        <p:nvSpPr>
+          <p:cNvPr id="86" name="TextBox 85"/>
+          <p:cNvSpPr txBox="1"/>
+          <p:nvPr/>
+        </p:nvSpPr>
+        <p:spPr>
+          <a:xfrm>
+            <a:off x="15563356" y="24586752"/>
+            <a:ext cx="14374008" cy="2246769"/>
+          </a:xfrm>
+          <a:prstGeom prst="rect">
+            <a:avLst/>
+          </a:prstGeom>
+          <a:noFill/>
+        </p:spPr>
+        <p:txBody>
+          <a:bodyPr wrap="square" rtlCol="0">
+            <a:spAutoFit/>
+          </a:bodyPr>
+          <a:lstStyle/>
+          <a:p>
+            <a:pPr algn="just"/>
+            <a:r>
+              <a:rPr lang="en-US" sz="2800" dirty="0" smtClean="0">
+                <a:latin typeface="Century Gothic" charset="0"/>
+                <a:ea typeface="Century Gothic" charset="0"/>
+                <a:cs typeface="Century Gothic" charset="0"/>
+              </a:rPr>
+              <a:t>We have analyzed how the set of  15’000 most frequent words evolved over time. We plot on the left the probability of finding the n</a:t>
+            </a:r>
+            <a:r>
+              <a:rPr lang="en-US" sz="2800" baseline="30000" dirty="0" smtClean="0">
+                <a:latin typeface="Century Gothic" charset="0"/>
+                <a:ea typeface="Century Gothic" charset="0"/>
+                <a:cs typeface="Century Gothic" charset="0"/>
+              </a:rPr>
+              <a:t>th</a:t>
+            </a:r>
+            <a:r>
+              <a:rPr lang="en-US" sz="2800" dirty="0" smtClean="0">
+                <a:latin typeface="Century Gothic" charset="0"/>
+                <a:ea typeface="Century Gothic" charset="0"/>
+                <a:cs typeface="Century Gothic" charset="0"/>
+              </a:rPr>
+              <a:t> most frequent word in a given year. Below</a:t>
+            </a:r>
+            <a:r>
+              <a:rPr lang="en-US" sz="2800" dirty="0">
+                <a:latin typeface="Century Gothic" charset="0"/>
+                <a:ea typeface="Century Gothic" charset="0"/>
+                <a:cs typeface="Century Gothic" charset="0"/>
+              </a:rPr>
+              <a:t> </a:t>
+            </a:r>
+            <a:r>
+              <a:rPr lang="en-US" sz="2800" dirty="0" smtClean="0">
+                <a:latin typeface="Century Gothic" charset="0"/>
+                <a:ea typeface="Century Gothic" charset="0"/>
+                <a:cs typeface="Century Gothic" charset="0"/>
+              </a:rPr>
+              <a:t>on the left we see that the 1700 first words are always present (common vocabulary) and then the other words are situation specific. On the right we see the evolution of the ran of certain words over time.</a:t>
+            </a:r>
+          </a:p>
+        </p:txBody>
+      </p:sp>
+      <p:pic>
+        <p:nvPicPr>
+          <p:cNvPr id="87" name="Picture 86"/>
+          <p:cNvPicPr>
+            <a:picLocks noChangeAspect="1"/>
+          </p:cNvPicPr>
+          <p:nvPr/>
+        </p:nvPicPr>
+        <p:blipFill>
+          <a:blip r:embed="rId16">
+            <a:extLst>
+              <a:ext uri="{28A0092B-C50C-407E-A947-70E740481C1C}">
+                <a14:useLocalDpi xmlns:a14="http://schemas.microsoft.com/office/drawing/2010/main" val="0"/>
+              </a:ext>
+            </a:extLst>
+          </a:blip>
+          <a:stretch>
+            <a:fillRect/>
+          </a:stretch>
+        </p:blipFill>
+        <p:spPr>
+          <a:xfrm>
+            <a:off x="15563356" y="27050978"/>
+            <a:ext cx="6596816" cy="4535311"/>
+          </a:xfrm>
+          <a:prstGeom prst="rect">
+            <a:avLst/>
+          </a:prstGeom>
+        </p:spPr>
+      </p:pic>
+      <p:pic>
+        <p:nvPicPr>
+          <p:cNvPr id="88" name="Picture 87"/>
+          <p:cNvPicPr>
+            <a:picLocks noChangeAspect="1"/>
+          </p:cNvPicPr>
+          <p:nvPr/>
+        </p:nvPicPr>
+        <p:blipFill>
+          <a:blip r:embed="rId17">
+            <a:extLst>
+              <a:ext uri="{28A0092B-C50C-407E-A947-70E740481C1C}">
+                <a14:useLocalDpi xmlns:a14="http://schemas.microsoft.com/office/drawing/2010/main" val="0"/>
+              </a:ext>
+            </a:extLst>
+          </a:blip>
+          <a:stretch>
+            <a:fillRect/>
+          </a:stretch>
+        </p:blipFill>
+        <p:spPr>
+          <a:xfrm>
+            <a:off x="23138243" y="26996964"/>
+            <a:ext cx="6630557" cy="4558507"/>
           </a:xfrm>
           <a:prstGeom prst="rect">
             <a:avLst/>

--- a/Presentation/Final_ADA.pptx
+++ b/Presentation/Final_ADA.pptx
@@ -3114,8 +3114,8 @@
         </p:nvSpPr>
         <p:spPr>
           <a:xfrm>
-            <a:off x="380315" y="0"/>
-            <a:ext cx="26278571" cy="1498600"/>
+            <a:off x="162461" y="469251"/>
+            <a:ext cx="26278571" cy="1119415"/>
           </a:xfrm>
           <a:prstGeom prst="rect">
             <a:avLst/>
@@ -3346,7 +3346,150 @@
               </a:rPr>
               <a:t>Prediction</a:t>
             </a:r>
-            <a:endParaRPr kumimoji="0" lang="fr-CH" sz="6000" b="1" i="0" u="none" strike="noStrike" kern="1200" cap="none" spc="0" normalizeH="0" baseline="0" noProof="0" dirty="0">
+            <a:endParaRPr kumimoji="0" lang="fr-CH" sz="6000" b="1" i="0" u="none" strike="noStrike" kern="1200" cap="none" spc="0" normalizeH="0" noProof="0" dirty="0" smtClean="0">
+              <a:ln>
+                <a:noFill/>
+              </a:ln>
+              <a:solidFill>
+                <a:schemeClr val="bg1"/>
+              </a:solidFill>
+              <a:effectLst/>
+              <a:uLnTx/>
+              <a:uFillTx/>
+              <a:latin typeface="Century Gothic"/>
+              <a:ea typeface=""/>
+              <a:cs typeface=""/>
+            </a:endParaRPr>
+          </a:p>
+          <a:p>
+            <a:pPr marL="0" marR="0" lvl="0" indent="0" algn="l" defTabSz="914400" rtl="0" eaLnBrk="1" fontAlgn="auto" latinLnBrk="0" hangingPunct="1">
+              <a:lnSpc>
+                <a:spcPct val="100000"/>
+              </a:lnSpc>
+              <a:spcBef>
+                <a:spcPct val="0"/>
+              </a:spcBef>
+              <a:spcAft>
+                <a:spcPts val="0"/>
+              </a:spcAft>
+              <a:buClrTx/>
+              <a:buSzTx/>
+              <a:buFontTx/>
+              <a:buNone/>
+              <a:tabLst/>
+              <a:defRPr/>
+            </a:pPr>
+            <a:r>
+              <a:rPr lang="fr-CH" sz="4000" b="1" baseline="0" dirty="0" smtClean="0">
+                <a:solidFill>
+                  <a:schemeClr val="bg1"/>
+                </a:solidFill>
+                <a:latin typeface="Century Gothic"/>
+                <a:ea typeface=""/>
+                <a:cs typeface=""/>
+              </a:rPr>
+              <a:t>Axel</a:t>
+            </a:r>
+            <a:r>
+              <a:rPr lang="fr-CH" sz="4000" b="1" dirty="0" smtClean="0">
+                <a:solidFill>
+                  <a:schemeClr val="bg1"/>
+                </a:solidFill>
+                <a:latin typeface="Century Gothic"/>
+                <a:ea typeface=""/>
+                <a:cs typeface=""/>
+              </a:rPr>
+              <a:t> De La Harpe, Thomas Vetterli, </a:t>
+            </a:r>
+            <a:r>
+              <a:rPr lang="fr-CH" sz="4000" b="1" dirty="0" err="1" smtClean="0">
+                <a:solidFill>
+                  <a:schemeClr val="bg1"/>
+                </a:solidFill>
+                <a:latin typeface="Century Gothic"/>
+                <a:ea typeface=""/>
+                <a:cs typeface=""/>
+              </a:rPr>
+              <a:t>Lukman</a:t>
+            </a:r>
+            <a:r>
+              <a:rPr lang="fr-CH" sz="4000" b="1" dirty="0" smtClean="0">
+                <a:solidFill>
+                  <a:schemeClr val="bg1"/>
+                </a:solidFill>
+                <a:latin typeface="Century Gothic"/>
+                <a:ea typeface=""/>
+                <a:cs typeface=""/>
+              </a:rPr>
+              <a:t> </a:t>
+            </a:r>
+            <a:r>
+              <a:rPr lang="fr-CH" sz="4000" b="1" dirty="0" err="1" smtClean="0">
+                <a:solidFill>
+                  <a:schemeClr val="bg1"/>
+                </a:solidFill>
+                <a:latin typeface="Century Gothic"/>
+                <a:ea typeface=""/>
+                <a:cs typeface=""/>
+              </a:rPr>
+              <a:t>Olagoke</a:t>
+            </a:r>
+            <a:r>
+              <a:rPr lang="fr-CH" sz="4000" b="1" dirty="0" smtClean="0">
+                <a:solidFill>
+                  <a:schemeClr val="bg1"/>
+                </a:solidFill>
+                <a:latin typeface="Century Gothic"/>
+                <a:ea typeface=""/>
+                <a:cs typeface=""/>
+              </a:rPr>
+              <a:t> </a:t>
+            </a:r>
+            <a:r>
+              <a:rPr lang="mr-IN" sz="4000" b="1" dirty="0" smtClean="0">
+                <a:solidFill>
+                  <a:schemeClr val="bg1"/>
+                </a:solidFill>
+                <a:latin typeface="Century Gothic"/>
+                <a:ea typeface=""/>
+                <a:cs typeface=""/>
+              </a:rPr>
+              <a:t>–</a:t>
+            </a:r>
+            <a:r>
+              <a:rPr lang="fr-CH" sz="4000" b="1" dirty="0" smtClean="0">
+                <a:solidFill>
+                  <a:schemeClr val="bg1"/>
+                </a:solidFill>
+                <a:latin typeface="Century Gothic"/>
+                <a:ea typeface=""/>
+                <a:cs typeface=""/>
+              </a:rPr>
+              <a:t> </a:t>
+            </a:r>
+            <a:r>
+              <a:rPr lang="fr-CH" sz="4000" b="1" dirty="0" err="1" smtClean="0">
+                <a:solidFill>
+                  <a:schemeClr val="bg1"/>
+                </a:solidFill>
+                <a:latin typeface="Century Gothic"/>
+                <a:ea typeface=""/>
+                <a:cs typeface=""/>
+              </a:rPr>
+              <a:t>January</a:t>
+            </a:r>
+            <a:r>
+              <a:rPr lang="fr-CH" sz="4000" b="1" dirty="0" smtClean="0">
+                <a:solidFill>
+                  <a:schemeClr val="bg1"/>
+                </a:solidFill>
+                <a:latin typeface="Century Gothic"/>
+                <a:ea typeface=""/>
+                <a:cs typeface=""/>
+              </a:rPr>
+              <a:t> 2017</a:t>
+            </a:r>
+            <a:endParaRPr kumimoji="0" lang="fr-CH" sz="4000" b="1" i="0" u="none" strike="noStrike" kern="1200" cap="none" spc="0" normalizeH="0" baseline="0" noProof="0" dirty="0">
               <a:ln>
                 <a:noFill/>
               </a:ln>
@@ -3443,7 +3586,7 @@
         <p:spPr>
           <a:xfrm>
             <a:off x="10956000" y="3083131"/>
-            <a:ext cx="8803968" cy="6924973"/>
+            <a:ext cx="8803968" cy="7232749"/>
           </a:xfrm>
           <a:prstGeom prst="rect">
             <a:avLst/>
@@ -3521,12 +3664,33 @@
               </a:rPr>
               <a:t>punctuation</a:t>
             </a:r>
-            <a:endParaRPr lang="fr-CH" sz="2800" dirty="0" smtClean="0">
-              <a:solidFill>
-                <a:srgbClr val="333333"/>
-              </a:solidFill>
-              <a:latin typeface="Century Gothic"/>
-            </a:endParaRPr>
+            <a:r>
+              <a:rPr lang="fr-CH" sz="2800" dirty="0" smtClean="0">
+                <a:solidFill>
+                  <a:srgbClr val="333333"/>
+                </a:solidFill>
+                <a:latin typeface="Century Gothic"/>
+              </a:rPr>
+              <a:t> / </a:t>
+            </a:r>
+            <a:r>
+              <a:rPr lang="fr-CH" sz="2800" dirty="0" err="1" smtClean="0">
+                <a:solidFill>
+                  <a:srgbClr val="333333"/>
+                </a:solidFill>
+                <a:latin typeface="Century Gothic"/>
+              </a:rPr>
+              <a:t>numbers</a:t>
+            </a:r>
+            <a:r>
+              <a:rPr lang="fr-CH" sz="2800" dirty="0" smtClean="0">
+                <a:solidFill>
+                  <a:srgbClr val="333333"/>
+                </a:solidFill>
+                <a:latin typeface="Century Gothic"/>
+              </a:rPr>
+              <a:t> </a:t>
+            </a:r>
           </a:p>
           <a:p>
             <a:pPr marL="914400" indent="-914400">
@@ -3585,7 +3749,16 @@
                 </a:solidFill>
                 <a:latin typeface="Century Gothic"/>
               </a:rPr>
-              <a:t>Custom NLTK </a:t>
+              <a:t>Custom </a:t>
+            </a:r>
+            <a:r>
+              <a:rPr lang="fr-CH" sz="2800" dirty="0" smtClean="0">
+                <a:solidFill>
+                  <a:srgbClr val="333333"/>
+                </a:solidFill>
+                <a:latin typeface="Century Gothic"/>
+              </a:rPr>
+              <a:t>NLTK </a:t>
             </a:r>
             <a:r>
               <a:rPr lang="fr-CH" sz="2800" dirty="0" err="1" smtClean="0">
@@ -3792,7 +3965,7 @@
                 </a:solidFill>
                 <a:latin typeface="Century Gothic"/>
               </a:rPr>
-              <a:t>Removal</a:t>
+              <a:t>We</a:t>
             </a:r>
             <a:r>
               <a:rPr lang="fr-CH" sz="2800" dirty="0" smtClean="0">
@@ -3801,7 +3974,7 @@
                 </a:solidFill>
                 <a:latin typeface="Century Gothic"/>
               </a:rPr>
-              <a:t> of </a:t>
+              <a:t> </a:t>
             </a:r>
             <a:r>
               <a:rPr lang="fr-CH" sz="2800" dirty="0" err="1" smtClean="0">
@@ -3810,23 +3983,10 @@
                 </a:solidFill>
                 <a:latin typeface="Century Gothic"/>
               </a:rPr>
-              <a:t>words</a:t>
-            </a:r>
-            <a:endParaRPr lang="fr-CH" sz="2800" dirty="0">
-              <a:solidFill>
-                <a:srgbClr val="333333"/>
-              </a:solidFill>
-              <a:latin typeface="Century Gothic"/>
-            </a:endParaRPr>
-          </a:p>
-          <a:p>
-            <a:pPr>
-              <a:buClr>
-                <a:srgbClr val="990000"/>
-              </a:buClr>
-            </a:pPr>
-            <a:r>
-              <a:rPr lang="fr-CH" sz="2800" dirty="0">
+              <a:t>only</a:t>
+            </a:r>
+            <a:r>
+              <a:rPr lang="fr-CH" sz="2800" dirty="0" smtClean="0">
                 <a:solidFill>
                   <a:srgbClr val="333333"/>
                 </a:solidFill>
@@ -3835,13 +3995,22 @@
               <a:t> </a:t>
             </a:r>
             <a:r>
+              <a:rPr lang="fr-CH" sz="2800" dirty="0" err="1" smtClean="0">
+                <a:solidFill>
+                  <a:srgbClr val="333333"/>
+                </a:solidFill>
+                <a:latin typeface="Century Gothic"/>
+              </a:rPr>
+              <a:t>save</a:t>
+            </a:r>
+            <a:r>
               <a:rPr lang="fr-CH" sz="2800" dirty="0" smtClean="0">
                 <a:solidFill>
                   <a:srgbClr val="333333"/>
                 </a:solidFill>
                 <a:latin typeface="Century Gothic"/>
               </a:rPr>
-              <a:t>        </a:t>
+              <a:t> the 3000+ </a:t>
             </a:r>
             <a:r>
               <a:rPr lang="fr-CH" sz="2800" dirty="0" err="1" smtClean="0">
@@ -3850,7 +4019,7 @@
                 </a:solidFill>
                 <a:latin typeface="Century Gothic"/>
               </a:rPr>
-              <a:t>that</a:t>
+              <a:t>most</a:t>
             </a:r>
             <a:r>
               <a:rPr lang="fr-CH" sz="2800" dirty="0" smtClean="0">
@@ -3868,7 +4037,7 @@
                 </a:solidFill>
                 <a:latin typeface="Century Gothic"/>
               </a:rPr>
-              <a:t>were</a:t>
+              <a:t>frequent</a:t>
             </a:r>
             <a:r>
               <a:rPr lang="fr-CH" sz="2800" dirty="0" smtClean="0">
@@ -3877,7 +4046,7 @@
                 </a:solidFill>
                 <a:latin typeface="Century Gothic"/>
               </a:rPr>
-              <a:t> not </a:t>
+              <a:t> </a:t>
             </a:r>
             <a:r>
               <a:rPr lang="fr-CH" sz="2800" dirty="0" err="1" smtClean="0">
@@ -3886,7 +4055,7 @@
                 </a:solidFill>
                 <a:latin typeface="Century Gothic"/>
               </a:rPr>
-              <a:t>present</a:t>
+              <a:t>word</a:t>
             </a:r>
             <a:r>
               <a:rPr lang="fr-CH" sz="2800" dirty="0" smtClean="0">
@@ -3895,7 +4064,7 @@
                 </a:solidFill>
                 <a:latin typeface="Century Gothic"/>
               </a:rPr>
-              <a:t> </a:t>
+              <a:t> per </a:t>
             </a:r>
             <a:r>
               <a:rPr lang="fr-CH" sz="2800" dirty="0" err="1" smtClean="0">
@@ -3904,7 +4073,7 @@
                 </a:solidFill>
                 <a:latin typeface="Century Gothic"/>
               </a:rPr>
-              <a:t>enough</a:t>
+              <a:t>months</a:t>
             </a:r>
             <a:endParaRPr lang="fr-CH" sz="2800" dirty="0" smtClean="0">
               <a:solidFill>
@@ -4024,7 +4193,47 @@
               </a:rPr>
               <a:t>word</a:t>
             </a:r>
-            <a:endParaRPr lang="fr-CH" sz="2800" b="1" dirty="0" smtClean="0">
+            <a:endParaRPr lang="fr-CH" sz="2800" dirty="0" smtClean="0">
+              <a:solidFill>
+                <a:srgbClr val="333333"/>
+              </a:solidFill>
+              <a:latin typeface="Century Gothic"/>
+            </a:endParaRPr>
+          </a:p>
+          <a:p>
+            <a:pPr>
+              <a:buClr>
+                <a:srgbClr val="990000"/>
+              </a:buClr>
+            </a:pPr>
+            <a:r>
+              <a:rPr lang="fr-CH" sz="2800" dirty="0" err="1" smtClean="0">
+                <a:solidFill>
+                  <a:srgbClr val="333333"/>
+                </a:solidFill>
+                <a:latin typeface="Century Gothic"/>
+              </a:rPr>
+              <a:t>Resolution</a:t>
+            </a:r>
+            <a:r>
+              <a:rPr lang="fr-CH" sz="2800" dirty="0" smtClean="0">
+                <a:solidFill>
+                  <a:srgbClr val="333333"/>
+                </a:solidFill>
+                <a:latin typeface="Century Gothic"/>
+              </a:rPr>
+              <a:t>: 1 time point per </a:t>
+            </a:r>
+            <a:r>
+              <a:rPr lang="fr-CH" sz="2800" dirty="0" err="1" smtClean="0">
+                <a:solidFill>
+                  <a:srgbClr val="333333"/>
+                </a:solidFill>
+                <a:latin typeface="Century Gothic"/>
+              </a:rPr>
+              <a:t>month</a:t>
+            </a:r>
+            <a:endParaRPr lang="fr-CH" sz="2800" dirty="0" smtClean="0">
               <a:solidFill>
                 <a:srgbClr val="333333"/>
               </a:solidFill>
@@ -4874,7 +5083,7 @@
         </p:nvSpPr>
         <p:spPr>
           <a:xfrm>
-            <a:off x="21845934" y="3236665"/>
+            <a:off x="21845934" y="2576679"/>
             <a:ext cx="7708161" cy="1384995"/>
           </a:xfrm>
           <a:prstGeom prst="rect">
@@ -4894,17 +5103,78 @@
                 <a:ea typeface="Century Gothic" charset="0"/>
                 <a:cs typeface="Century Gothic" charset="0"/>
               </a:rPr>
-              <a:t>Long Tail Distribution of words:</a:t>
-            </a:r>
-          </a:p>
-          <a:p>
+              <a:t>Long </a:t>
+            </a:r>
             <a:r>
               <a:rPr lang="en-US" sz="2800" dirty="0" smtClean="0">
                 <a:latin typeface="Century Gothic" charset="0"/>
                 <a:ea typeface="Century Gothic" charset="0"/>
                 <a:cs typeface="Century Gothic" charset="0"/>
               </a:rPr>
-              <a:t>Due to our cutoff, we miss a part of the data:</a:t>
+              <a:t>tail </a:t>
+            </a:r>
+            <a:r>
+              <a:rPr lang="en-US" sz="2800" dirty="0">
+                <a:latin typeface="Century Gothic" charset="0"/>
+                <a:ea typeface="Century Gothic" charset="0"/>
+                <a:cs typeface="Century Gothic" charset="0"/>
+              </a:rPr>
+              <a:t>d</a:t>
+            </a:r>
+            <a:r>
+              <a:rPr lang="en-US" sz="2800" dirty="0" smtClean="0">
+                <a:latin typeface="Century Gothic" charset="0"/>
+                <a:ea typeface="Century Gothic" charset="0"/>
+                <a:cs typeface="Century Gothic" charset="0"/>
+              </a:rPr>
+              <a:t>istribution </a:t>
+            </a:r>
+            <a:r>
+              <a:rPr lang="en-US" sz="2800" dirty="0" smtClean="0">
+                <a:latin typeface="Century Gothic" charset="0"/>
+                <a:ea typeface="Century Gothic" charset="0"/>
+                <a:cs typeface="Century Gothic" charset="0"/>
+              </a:rPr>
+              <a:t>of </a:t>
+            </a:r>
+            <a:r>
+              <a:rPr lang="en-US" sz="2800" dirty="0" smtClean="0">
+                <a:latin typeface="Century Gothic" charset="0"/>
+                <a:ea typeface="Century Gothic" charset="0"/>
+                <a:cs typeface="Century Gothic" charset="0"/>
+              </a:rPr>
+              <a:t>word frequency:</a:t>
+            </a:r>
+            <a:endParaRPr lang="en-US" sz="2800" dirty="0" smtClean="0">
+              <a:latin typeface="Century Gothic" charset="0"/>
+              <a:ea typeface="Century Gothic" charset="0"/>
+              <a:cs typeface="Century Gothic" charset="0"/>
+            </a:endParaRPr>
+          </a:p>
+          <a:p>
+            <a:r>
+              <a:rPr lang="en-US" sz="2800" dirty="0" smtClean="0">
+                <a:latin typeface="Century Gothic" charset="0"/>
+                <a:ea typeface="Century Gothic" charset="0"/>
+                <a:cs typeface="Century Gothic" charset="0"/>
+              </a:rPr>
+              <a:t>Due to our </a:t>
+            </a:r>
+            <a:r>
+              <a:rPr lang="en-US" sz="2800" dirty="0" smtClean="0">
+                <a:latin typeface="Century Gothic" charset="0"/>
+                <a:ea typeface="Century Gothic" charset="0"/>
+                <a:cs typeface="Century Gothic" charset="0"/>
+              </a:rPr>
+              <a:t>cutoff frequency, </a:t>
+            </a:r>
+            <a:r>
+              <a:rPr lang="en-US" sz="2800" dirty="0" smtClean="0">
+                <a:latin typeface="Century Gothic" charset="0"/>
+                <a:ea typeface="Century Gothic" charset="0"/>
+                <a:cs typeface="Century Gothic" charset="0"/>
+              </a:rPr>
+              <a:t>we miss a part of the data:</a:t>
             </a:r>
             <a:endParaRPr lang="en-US" sz="2800" dirty="0">
               <a:latin typeface="Century Gothic" charset="0"/>
@@ -4949,146 +5219,16 @@
           </a:fontRef>
         </p:style>
       </p:cxnSp>
-      <p:grpSp>
-        <p:nvGrpSpPr>
-          <p:cNvPr id="8" name="Group 7"/>
-          <p:cNvGrpSpPr/>
+      <p:sp>
+        <p:nvSpPr>
+          <p:cNvPr id="23" name="TextBox 22"/>
+          <p:cNvSpPr txBox="1"/>
           <p:nvPr/>
-        </p:nvGrpSpPr>
-        <p:grpSpPr>
-          <a:xfrm>
-            <a:off x="21437189" y="9838143"/>
-            <a:ext cx="8838023" cy="7295499"/>
-            <a:chOff x="20232009" y="8610461"/>
-            <a:chExt cx="8838023" cy="7295499"/>
-          </a:xfrm>
-        </p:grpSpPr>
-        <p:pic>
-          <p:nvPicPr>
-            <p:cNvPr id="18" name="Picture 17"/>
-            <p:cNvPicPr>
-              <a:picLocks noChangeAspect="1"/>
-            </p:cNvPicPr>
-            <p:nvPr/>
-          </p:nvPicPr>
-          <p:blipFill>
-            <a:blip r:embed="rId7">
-              <a:extLst>
-                <a:ext uri="{28A0092B-C50C-407E-A947-70E740481C1C}">
-                  <a14:useLocalDpi xmlns:a14="http://schemas.microsoft.com/office/drawing/2010/main" val="0"/>
-                </a:ext>
-              </a:extLst>
-            </a:blip>
-            <a:stretch>
-              <a:fillRect/>
-            </a:stretch>
-          </p:blipFill>
-          <p:spPr>
-            <a:xfrm>
-              <a:off x="20232009" y="9829819"/>
-              <a:ext cx="8838023" cy="6076141"/>
-            </a:xfrm>
-            <a:prstGeom prst="rect">
-              <a:avLst/>
-            </a:prstGeom>
-          </p:spPr>
-        </p:pic>
-        <p:sp>
-          <p:nvSpPr>
-            <p:cNvPr id="23" name="TextBox 22"/>
-            <p:cNvSpPr txBox="1"/>
-            <p:nvPr/>
-          </p:nvSpPr>
-          <p:spPr>
-            <a:xfrm>
-              <a:off x="20457219" y="8610461"/>
-              <a:ext cx="8387601" cy="954107"/>
-            </a:xfrm>
-            <a:prstGeom prst="rect">
-              <a:avLst/>
-            </a:prstGeom>
-            <a:noFill/>
-          </p:spPr>
-          <p:txBody>
-            <a:bodyPr wrap="square" rtlCol="0">
-              <a:spAutoFit/>
-            </a:bodyPr>
-            <a:lstStyle/>
-            <a:p>
-              <a:pPr algn="ctr"/>
-              <a:r>
-                <a:rPr lang="en-US" sz="2800" dirty="0" smtClean="0">
-                  <a:latin typeface="Century Gothic" charset="0"/>
-                  <a:ea typeface="Century Gothic" charset="0"/>
-                  <a:cs typeface="Century Gothic" charset="0"/>
-                </a:rPr>
-                <a:t>Number of </a:t>
-              </a:r>
-              <a:r>
-                <a:rPr lang="en-US" sz="2800" dirty="0" err="1" smtClean="0">
-                  <a:latin typeface="Century Gothic" charset="0"/>
-                  <a:ea typeface="Century Gothic" charset="0"/>
-                  <a:cs typeface="Century Gothic" charset="0"/>
-                </a:rPr>
-                <a:t>occurences</a:t>
-              </a:r>
-              <a:r>
-                <a:rPr lang="en-US" sz="2800" dirty="0" smtClean="0">
-                  <a:latin typeface="Century Gothic" charset="0"/>
-                  <a:ea typeface="Century Gothic" charset="0"/>
-                  <a:cs typeface="Century Gothic" charset="0"/>
-                </a:rPr>
-                <a:t> of least frequent word with percentage of the data that was missed</a:t>
-              </a:r>
-              <a:endParaRPr lang="en-US" sz="2800" dirty="0">
-                <a:latin typeface="Century Gothic" charset="0"/>
-                <a:ea typeface="Century Gothic" charset="0"/>
-                <a:cs typeface="Century Gothic" charset="0"/>
-              </a:endParaRPr>
-            </a:p>
-          </p:txBody>
-        </p:sp>
-      </p:grpSp>
-      <p:pic>
-        <p:nvPicPr>
-          <p:cNvPr id="16" name="Picture 15"/>
-          <p:cNvPicPr>
-            <a:picLocks noChangeAspect="1"/>
-          </p:cNvPicPr>
-          <p:nvPr/>
-        </p:nvPicPr>
-        <p:blipFill>
-          <a:blip r:embed="rId8">
-            <a:extLst>
-              <a:ext uri="{28A0092B-C50C-407E-A947-70E740481C1C}">
-                <a14:useLocalDpi xmlns:a14="http://schemas.microsoft.com/office/drawing/2010/main" val="0"/>
-              </a:ext>
-            </a:extLst>
-          </a:blip>
-          <a:stretch>
-            <a:fillRect/>
-          </a:stretch>
-        </p:blipFill>
+        </p:nvSpPr>
         <p:spPr>
           <a:xfrm>
-            <a:off x="16160713" y="11227464"/>
-            <a:ext cx="4750932" cy="3266265"/>
-          </a:xfrm>
-          <a:prstGeom prst="rect">
-            <a:avLst/>
-          </a:prstGeom>
-        </p:spPr>
-      </p:pic>
-      <p:sp>
-        <p:nvSpPr>
-          <p:cNvPr id="17" name="TextBox 16"/>
-          <p:cNvSpPr txBox="1"/>
-          <p:nvPr/>
-        </p:nvSpPr>
-        <p:spPr>
-          <a:xfrm>
-            <a:off x="11060867" y="11340815"/>
-            <a:ext cx="4814133" cy="5693866"/>
+            <a:off x="21055486" y="9903369"/>
+            <a:ext cx="8902820" cy="954107"/>
           </a:xfrm>
           <a:prstGeom prst="rect">
             <a:avLst/>
@@ -5101,17 +5241,83 @@
           </a:bodyPr>
           <a:lstStyle/>
           <a:p>
-            <a:pPr marL="457200" indent="-457200">
+            <a:pPr algn="ctr"/>
+            <a:r>
+              <a:rPr lang="en-US" sz="2800" dirty="0" smtClean="0">
+                <a:latin typeface="Century Gothic" charset="0"/>
+                <a:ea typeface="Century Gothic" charset="0"/>
+                <a:cs typeface="Century Gothic" charset="0"/>
+              </a:rPr>
+              <a:t>Number </a:t>
+            </a:r>
+            <a:r>
+              <a:rPr lang="en-US" sz="2800" smtClean="0">
+                <a:latin typeface="Century Gothic" charset="0"/>
+                <a:ea typeface="Century Gothic" charset="0"/>
+                <a:cs typeface="Century Gothic" charset="0"/>
+              </a:rPr>
+              <a:t>of occurrences of the least </a:t>
+            </a:r>
+            <a:r>
+              <a:rPr lang="en-US" sz="2800" dirty="0" smtClean="0">
+                <a:latin typeface="Century Gothic" charset="0"/>
+                <a:ea typeface="Century Gothic" charset="0"/>
+                <a:cs typeface="Century Gothic" charset="0"/>
+              </a:rPr>
+              <a:t>frequent word with percentage of the data that was missed</a:t>
+            </a:r>
+            <a:endParaRPr lang="en-US" sz="2800" dirty="0">
+              <a:latin typeface="Century Gothic" charset="0"/>
+              <a:ea typeface="Century Gothic" charset="0"/>
+              <a:cs typeface="Century Gothic" charset="0"/>
+            </a:endParaRPr>
+          </a:p>
+        </p:txBody>
+      </p:sp>
+      <p:sp>
+        <p:nvSpPr>
+          <p:cNvPr id="17" name="TextBox 16"/>
+          <p:cNvSpPr txBox="1"/>
+          <p:nvPr/>
+        </p:nvSpPr>
+        <p:spPr>
+          <a:xfrm>
+            <a:off x="11060867" y="11340815"/>
+            <a:ext cx="4864311" cy="5693866"/>
+          </a:xfrm>
+          <a:prstGeom prst="rect">
+            <a:avLst/>
+          </a:prstGeom>
+          <a:noFill/>
+        </p:spPr>
+        <p:txBody>
+          <a:bodyPr wrap="square" rtlCol="0">
+            <a:spAutoFit/>
+          </a:bodyPr>
+          <a:lstStyle/>
+          <a:p>
+            <a:pPr marL="457200" indent="-457200" algn="just">
               <a:buFont typeface="Arial" charset="0"/>
               <a:buChar char="•"/>
             </a:pPr>
+            <a:r>
+              <a:rPr lang="en-US" sz="2800" dirty="0" smtClean="0">
+                <a:latin typeface="Century Gothic" charset="0"/>
+                <a:ea typeface="Century Gothic" charset="0"/>
+                <a:cs typeface="Century Gothic" charset="0"/>
+              </a:rPr>
+              <a:t>Long tail distribution is </a:t>
+            </a:r>
+          </a:p>
+          <a:p>
+            <a:pPr algn="just"/>
             <a:r>
               <a:rPr lang="en-US" sz="2800" dirty="0">
                 <a:latin typeface="Century Gothic" charset="0"/>
                 <a:ea typeface="Century Gothic" charset="0"/>
                 <a:cs typeface="Century Gothic" charset="0"/>
               </a:rPr>
-              <a:t>Power Law distribution </a:t>
+              <a:t> </a:t>
             </a:r>
             <a:r>
               <a:rPr lang="en-US" sz="2800" dirty="0" smtClean="0">
@@ -5119,63 +5325,79 @@
                 <a:ea typeface="Century Gothic" charset="0"/>
                 <a:cs typeface="Century Gothic" charset="0"/>
               </a:rPr>
-              <a:t>is </a:t>
-            </a:r>
-          </a:p>
-          <a:p>
+              <a:t>    linear </a:t>
+            </a:r>
             <a:r>
               <a:rPr lang="en-US" sz="2800" dirty="0">
                 <a:latin typeface="Century Gothic" charset="0"/>
                 <a:ea typeface="Century Gothic" charset="0"/>
                 <a:cs typeface="Century Gothic" charset="0"/>
               </a:rPr>
-              <a:t> </a:t>
-            </a:r>
+              <a:t>in log-</a:t>
+            </a:r>
+            <a:r>
+              <a:rPr lang="en-US" sz="2800" dirty="0" err="1">
+                <a:latin typeface="Century Gothic" charset="0"/>
+                <a:ea typeface="Century Gothic" charset="0"/>
+                <a:cs typeface="Century Gothic" charset="0"/>
+              </a:rPr>
+              <a:t>lin</a:t>
+            </a:r>
+            <a:r>
+              <a:rPr lang="en-US" sz="2800" dirty="0">
+                <a:latin typeface="Century Gothic" charset="0"/>
+                <a:ea typeface="Century Gothic" charset="0"/>
+                <a:cs typeface="Century Gothic" charset="0"/>
+              </a:rPr>
+              <a:t> scale</a:t>
+            </a:r>
+          </a:p>
+          <a:p>
+            <a:pPr marL="457200" indent="-457200" algn="just">
+              <a:buFont typeface="Arial" charset="0"/>
+              <a:buChar char="•"/>
+            </a:pPr>
             <a:r>
               <a:rPr lang="en-US" sz="2800" dirty="0" smtClean="0">
                 <a:latin typeface="Century Gothic" charset="0"/>
                 <a:ea typeface="Century Gothic" charset="0"/>
                 <a:cs typeface="Century Gothic" charset="0"/>
               </a:rPr>
-              <a:t>    linear </a:t>
-            </a:r>
+              <a:t>Linear regression:</a:t>
+            </a:r>
+          </a:p>
+          <a:p>
+            <a:pPr algn="just"/>
             <a:r>
               <a:rPr lang="en-US" sz="2800" dirty="0">
                 <a:latin typeface="Century Gothic" charset="0"/>
                 <a:ea typeface="Century Gothic" charset="0"/>
                 <a:cs typeface="Century Gothic" charset="0"/>
               </a:rPr>
-              <a:t>in log-</a:t>
-            </a:r>
-            <a:r>
-              <a:rPr lang="en-US" sz="2800" dirty="0" err="1">
+              <a:t> </a:t>
+            </a:r>
+            <a:r>
+              <a:rPr lang="en-US" sz="2800" dirty="0" smtClean="0">
                 <a:latin typeface="Century Gothic" charset="0"/>
                 <a:ea typeface="Century Gothic" charset="0"/>
                 <a:cs typeface="Century Gothic" charset="0"/>
               </a:rPr>
-              <a:t>lin</a:t>
-            </a:r>
+              <a:t>    We predict the tail of     the distribution.</a:t>
+            </a:r>
+            <a:endParaRPr lang="en-US" sz="2800" dirty="0">
+              <a:latin typeface="Century Gothic" charset="0"/>
+              <a:ea typeface="Century Gothic" charset="0"/>
+              <a:cs typeface="Century Gothic" charset="0"/>
+            </a:endParaRPr>
+          </a:p>
+          <a:p>
             <a:r>
               <a:rPr lang="en-US" sz="2800" dirty="0">
                 <a:latin typeface="Century Gothic" charset="0"/>
                 <a:ea typeface="Century Gothic" charset="0"/>
                 <a:cs typeface="Century Gothic" charset="0"/>
               </a:rPr>
-              <a:t> scale</a:t>
-            </a:r>
-          </a:p>
-          <a:p>
-            <a:pPr marL="457200" indent="-457200">
-              <a:buFont typeface="Arial" charset="0"/>
-              <a:buChar char="•"/>
-            </a:pPr>
-            <a:r>
-              <a:rPr lang="en-US" sz="2800" dirty="0">
-                <a:latin typeface="Century Gothic" charset="0"/>
-                <a:ea typeface="Century Gothic" charset="0"/>
-                <a:cs typeface="Century Gothic" charset="0"/>
-              </a:rPr>
-              <a:t>Linear Regression of the </a:t>
+              <a:t>      </a:t>
             </a:r>
             <a:endParaRPr lang="en-US" sz="2800" dirty="0" smtClean="0">
               <a:latin typeface="Century Gothic" charset="0"/>
@@ -5184,50 +5406,13 @@
             </a:endParaRPr>
           </a:p>
           <a:p>
-            <a:r>
-              <a:rPr lang="en-US" sz="2800" dirty="0">
-                <a:latin typeface="Century Gothic" charset="0"/>
-                <a:ea typeface="Century Gothic" charset="0"/>
-                <a:cs typeface="Century Gothic" charset="0"/>
-              </a:rPr>
-              <a:t> </a:t>
-            </a:r>
-            <a:r>
-              <a:rPr lang="en-US" sz="2800" dirty="0" smtClean="0">
-                <a:latin typeface="Century Gothic" charset="0"/>
-                <a:ea typeface="Century Gothic" charset="0"/>
-                <a:cs typeface="Century Gothic" charset="0"/>
-              </a:rPr>
-              <a:t>     distribution </a:t>
-            </a:r>
-            <a:r>
-              <a:rPr lang="en-US" sz="2800" dirty="0">
-                <a:latin typeface="Century Gothic" charset="0"/>
-                <a:ea typeface="Century Gothic" charset="0"/>
-                <a:cs typeface="Century Gothic" charset="0"/>
-              </a:rPr>
-              <a:t>to predict</a:t>
-            </a:r>
-          </a:p>
-          <a:p>
-            <a:r>
-              <a:rPr lang="en-US" sz="2800" dirty="0">
-                <a:latin typeface="Century Gothic" charset="0"/>
-                <a:ea typeface="Century Gothic" charset="0"/>
-                <a:cs typeface="Century Gothic" charset="0"/>
-              </a:rPr>
-              <a:t>     the non extracted part</a:t>
-            </a:r>
-          </a:p>
-          <a:p>
-            <a:r>
-              <a:rPr lang="en-US" sz="2800" dirty="0">
-                <a:latin typeface="Century Gothic" charset="0"/>
-                <a:ea typeface="Century Gothic" charset="0"/>
-                <a:cs typeface="Century Gothic" charset="0"/>
-              </a:rPr>
-              <a:t>      </a:t>
-            </a:r>
+            <a:endParaRPr lang="en-US" sz="2800" dirty="0">
+              <a:latin typeface="Century Gothic" charset="0"/>
+              <a:ea typeface="Century Gothic" charset="0"/>
+              <a:cs typeface="Century Gothic" charset="0"/>
+            </a:endParaRPr>
+          </a:p>
+          <a:p>
             <a:endParaRPr lang="en-US" sz="2800" dirty="0" smtClean="0">
               <a:latin typeface="Century Gothic" charset="0"/>
               <a:ea typeface="Century Gothic" charset="0"/>
@@ -5256,13 +5441,6 @@
             </a:endParaRPr>
           </a:p>
           <a:p>
-            <a:endParaRPr lang="en-US" sz="2800" dirty="0" smtClean="0">
-              <a:latin typeface="Century Gothic" charset="0"/>
-              <a:ea typeface="Century Gothic" charset="0"/>
-              <a:cs typeface="Century Gothic" charset="0"/>
-            </a:endParaRPr>
-          </a:p>
-          <a:p>
             <a:endParaRPr lang="en-US" sz="2800" dirty="0">
               <a:latin typeface="Century Gothic" charset="0"/>
               <a:ea typeface="Century Gothic" charset="0"/>
@@ -5270,13 +5448,6 @@
             </a:endParaRPr>
           </a:p>
           <a:p>
-            <a:endParaRPr lang="en-US" sz="2800" dirty="0">
-              <a:latin typeface="Century Gothic" charset="0"/>
-              <a:ea typeface="Century Gothic" charset="0"/>
-              <a:cs typeface="Century Gothic" charset="0"/>
-            </a:endParaRPr>
-          </a:p>
-          <a:p>
             <a:endParaRPr lang="en-US" sz="2800" dirty="0"/>
           </a:p>
         </p:txBody>
@@ -5289,7 +5460,7 @@
         </p:nvSpPr>
         <p:spPr>
           <a:xfrm>
-            <a:off x="11337822" y="14705988"/>
+            <a:off x="10956119" y="14504612"/>
             <a:ext cx="10099367" cy="2677656"/>
           </a:xfrm>
           <a:prstGeom prst="rect">
@@ -5352,7 +5523,7 @@
                 <a:ea typeface="Century Gothic" charset="0"/>
                 <a:cs typeface="Century Gothic" charset="0"/>
               </a:rPr>
-              <a:t>We can see that in theory we did not miss an important </a:t>
+              <a:t>We can see that in theory we did not miss an large</a:t>
             </a:r>
           </a:p>
           <a:p>
@@ -5488,7 +5659,7 @@
         </p:nvGrpSpPr>
         <p:grpSpPr>
           <a:xfrm>
-            <a:off x="777317" y="22411434"/>
+            <a:off x="777317" y="22545246"/>
             <a:ext cx="6073715" cy="4685694"/>
             <a:chOff x="11363634" y="19840490"/>
             <a:chExt cx="6073715" cy="4685694"/>
@@ -5503,7 +5674,7 @@
             <p:nvPr/>
           </p:nvPicPr>
           <p:blipFill>
-            <a:blip r:embed="rId9">
+            <a:blip r:embed="rId7">
               <a:extLst>
                 <a:ext uri="{28A0092B-C50C-407E-A947-70E740481C1C}">
                   <a14:useLocalDpi xmlns:a14="http://schemas.microsoft.com/office/drawing/2010/main" val="0"/>
@@ -5605,7 +5776,7 @@
           <p:nvPr/>
         </p:nvPicPr>
         <p:blipFill>
-          <a:blip r:embed="rId10">
+          <a:blip r:embed="rId8">
             <a:extLst>
               <a:ext uri="{28A0092B-C50C-407E-A947-70E740481C1C}">
                 <a14:useLocalDpi xmlns:a14="http://schemas.microsoft.com/office/drawing/2010/main" val="0"/>
@@ -5618,7 +5789,7 @@
         </p:blipFill>
         <p:spPr>
           <a:xfrm>
-            <a:off x="7972751" y="23013786"/>
+            <a:off x="7972751" y="23147598"/>
             <a:ext cx="5939405" cy="4083342"/>
           </a:xfrm>
           <a:prstGeom prst="rect">
@@ -5634,7 +5805,7 @@
         </p:nvSpPr>
         <p:spPr>
           <a:xfrm>
-            <a:off x="8350270" y="22412834"/>
+            <a:off x="8350270" y="22546646"/>
             <a:ext cx="5981917" cy="523220"/>
           </a:xfrm>
           <a:prstGeom prst="rect">
@@ -5778,7 +5949,7 @@
                 </a:solidFill>
                 <a:latin typeface="Century Gothic"/>
               </a:rPr>
-              <a:t>forecast. it has simply learn to output the previous time value with some minor </a:t>
+              <a:t>forecast. </a:t>
             </a:r>
             <a:r>
               <a:rPr lang="fr-CH" sz="2800" dirty="0" smtClean="0">
@@ -5787,6 +5958,69 @@
                 </a:solidFill>
                 <a:latin typeface="Century Gothic"/>
               </a:rPr>
+              <a:t>It </a:t>
+            </a:r>
+            <a:r>
+              <a:rPr lang="fr-CH" sz="2800" dirty="0" smtClean="0">
+                <a:solidFill>
+                  <a:srgbClr val="333333"/>
+                </a:solidFill>
+                <a:latin typeface="Century Gothic"/>
+              </a:rPr>
+              <a:t>has </a:t>
+            </a:r>
+            <a:r>
+              <a:rPr lang="fr-CH" sz="2800" dirty="0" err="1" smtClean="0">
+                <a:solidFill>
+                  <a:srgbClr val="333333"/>
+                </a:solidFill>
+                <a:latin typeface="Century Gothic"/>
+              </a:rPr>
+              <a:t>simply</a:t>
+            </a:r>
+            <a:r>
+              <a:rPr lang="fr-CH" sz="2800" dirty="0" smtClean="0">
+                <a:solidFill>
+                  <a:srgbClr val="333333"/>
+                </a:solidFill>
+                <a:latin typeface="Century Gothic"/>
+              </a:rPr>
+              <a:t> </a:t>
+            </a:r>
+            <a:r>
+              <a:rPr lang="fr-CH" sz="2800" dirty="0" err="1" smtClean="0">
+                <a:solidFill>
+                  <a:srgbClr val="333333"/>
+                </a:solidFill>
+                <a:latin typeface="Century Gothic"/>
+              </a:rPr>
+              <a:t>learnt</a:t>
+            </a:r>
+            <a:r>
+              <a:rPr lang="fr-CH" sz="2800" dirty="0" smtClean="0">
+                <a:solidFill>
+                  <a:srgbClr val="333333"/>
+                </a:solidFill>
+                <a:latin typeface="Century Gothic"/>
+              </a:rPr>
+              <a:t> </a:t>
+            </a:r>
+            <a:r>
+              <a:rPr lang="fr-CH" sz="2800" dirty="0" smtClean="0">
+                <a:solidFill>
+                  <a:srgbClr val="333333"/>
+                </a:solidFill>
+                <a:latin typeface="Century Gothic"/>
+              </a:rPr>
+              <a:t>to output the previous time value with some minor </a:t>
+            </a:r>
+            <a:r>
+              <a:rPr lang="fr-CH" sz="2800" dirty="0" smtClean="0">
+                <a:solidFill>
+                  <a:srgbClr val="333333"/>
+                </a:solidFill>
+                <a:latin typeface="Century Gothic"/>
+              </a:rPr>
               <a:t>changes. </a:t>
             </a:r>
             <a:r>
@@ -5796,7 +6030,7 @@
                 </a:solidFill>
                 <a:latin typeface="Century Gothic"/>
               </a:rPr>
-              <a:t>In oder words, it </a:t>
+              <a:t>In </a:t>
             </a:r>
             <a:r>
               <a:rPr lang="fr-CH" sz="2800" dirty="0" err="1" smtClean="0">
@@ -5805,6 +6039,33 @@
                 </a:solidFill>
                 <a:latin typeface="Century Gothic"/>
               </a:rPr>
+              <a:t>other</a:t>
+            </a:r>
+            <a:r>
+              <a:rPr lang="fr-CH" sz="2800" dirty="0" smtClean="0">
+                <a:solidFill>
+                  <a:srgbClr val="333333"/>
+                </a:solidFill>
+                <a:latin typeface="Century Gothic"/>
+              </a:rPr>
+              <a:t> </a:t>
+            </a:r>
+            <a:r>
+              <a:rPr lang="fr-CH" sz="2800" dirty="0" smtClean="0">
+                <a:solidFill>
+                  <a:srgbClr val="333333"/>
+                </a:solidFill>
+                <a:latin typeface="Century Gothic"/>
+              </a:rPr>
+              <a:t>words, it </a:t>
+            </a:r>
+            <a:r>
+              <a:rPr lang="fr-CH" sz="2800" dirty="0" err="1" smtClean="0">
+                <a:solidFill>
+                  <a:srgbClr val="333333"/>
+                </a:solidFill>
+                <a:latin typeface="Century Gothic"/>
+              </a:rPr>
               <a:t>simply</a:t>
             </a:r>
             <a:r>
@@ -5841,7 +6102,25 @@
                 </a:solidFill>
                 <a:latin typeface="Century Gothic"/>
               </a:rPr>
-              <a:t>the time serie. It make sense as the model is trying to reduce the error and the previous time value are not </a:t>
+              <a:t>the time serie. It make sense as the model is trying to reduce the error and the previous time </a:t>
+            </a:r>
+            <a:r>
+              <a:rPr lang="fr-CH" sz="2800" dirty="0" smtClean="0">
+                <a:solidFill>
+                  <a:srgbClr val="333333"/>
+                </a:solidFill>
+                <a:latin typeface="Century Gothic"/>
+              </a:rPr>
+              <a:t>value </a:t>
+            </a:r>
+            <a:r>
+              <a:rPr lang="fr-CH" sz="2800" dirty="0" smtClean="0">
+                <a:solidFill>
+                  <a:srgbClr val="333333"/>
+                </a:solidFill>
+                <a:latin typeface="Century Gothic"/>
+              </a:rPr>
+              <a:t>are not </a:t>
             </a:r>
             <a:r>
               <a:rPr lang="fr-CH" sz="2800" dirty="0" err="1" smtClean="0">
@@ -5868,8 +6147,23 @@
                 </a:solidFill>
                 <a:latin typeface="Century Gothic"/>
               </a:rPr>
-              <a:t>far away from the future time value. </a:t>
-            </a:r>
+              <a:t>far away from the future time </a:t>
+            </a:r>
+            <a:r>
+              <a:rPr lang="fr-CH" sz="2800" dirty="0" smtClean="0">
+                <a:solidFill>
+                  <a:srgbClr val="333333"/>
+                </a:solidFill>
+                <a:latin typeface="Century Gothic"/>
+              </a:rPr>
+              <a:t>value. </a:t>
+            </a:r>
+            <a:endParaRPr lang="fr-CH" sz="2800" dirty="0" smtClean="0">
+              <a:solidFill>
+                <a:srgbClr val="333333"/>
+              </a:solidFill>
+              <a:latin typeface="Century Gothic"/>
+            </a:endParaRPr>
           </a:p>
           <a:p>
             <a:pPr marL="914400" indent="-914400" algn="just">
@@ -5951,7 +6245,7 @@
                 </a:solidFill>
                 <a:latin typeface="Century Gothic"/>
               </a:rPr>
-              <a:t>Models: </a:t>
+              <a:t>Model: </a:t>
             </a:r>
             <a:r>
               <a:rPr lang="fr-CH" sz="2800" dirty="0" smtClean="0">
@@ -6005,7 +6299,7 @@
                 </a:solidFill>
                 <a:latin typeface="Century Gothic"/>
               </a:rPr>
-              <a:t>value.</a:t>
+              <a:t>values.</a:t>
             </a:r>
             <a:endParaRPr lang="fr-CH" sz="2800" dirty="0" smtClean="0">
               <a:solidFill>
@@ -6025,7 +6319,7 @@
           <p:nvPr/>
         </p:nvPicPr>
         <p:blipFill>
-          <a:blip r:embed="rId11">
+          <a:blip r:embed="rId9">
             <a:extLst>
               <a:ext uri="{28A0092B-C50C-407E-A947-70E740481C1C}">
                 <a14:useLocalDpi xmlns:a14="http://schemas.microsoft.com/office/drawing/2010/main" val="0"/>
@@ -6055,7 +6349,7 @@
           <p:nvPr/>
         </p:nvPicPr>
         <p:blipFill>
-          <a:blip r:embed="rId12">
+          <a:blip r:embed="rId10">
             <a:extLst>
               <a:ext uri="{28A0092B-C50C-407E-A947-70E740481C1C}">
                 <a14:useLocalDpi xmlns:a14="http://schemas.microsoft.com/office/drawing/2010/main" val="0"/>
@@ -6309,7 +6603,7 @@
                 </a:solidFill>
                 <a:latin typeface="Century Gothic"/>
               </a:rPr>
-              <a:t>The model is able to predict the correct seasonality of the words and outputs a coherent local trend. It is not able to integrate changing trend which can be regarded as random movement. The output is a repetitive sequence in the same direction. The reliability of the prediction decreases as we increase the length of the prediction. </a:t>
+              <a:t>The model is able to predict the correct seasonality of the word and outputs a coherent local trend. It is not able to integrate changing trend which can be regarded as random movement. The output is a repetitive sequence in the same direction. The reliability of the prediction decreases as we increase the length of the prediction. </a:t>
             </a:r>
             <a:endParaRPr lang="en-US" sz="2800" b="1" dirty="0" smtClean="0">
               <a:solidFill>
@@ -6367,8 +6661,8 @@
         </p:nvCxnSpPr>
         <p:spPr>
           <a:xfrm>
-            <a:off x="15249118" y="32240716"/>
-            <a:ext cx="117795" cy="8956653"/>
+            <a:off x="15300192" y="32595544"/>
+            <a:ext cx="66721" cy="9481922"/>
           </a:xfrm>
           <a:prstGeom prst="line">
             <a:avLst/>
@@ -6402,7 +6696,7 @@
         </p:nvSpPr>
         <p:spPr>
           <a:xfrm>
-            <a:off x="7972751" y="19337303"/>
+            <a:off x="7862462" y="19179973"/>
             <a:ext cx="6789483" cy="2246769"/>
           </a:xfrm>
           <a:prstGeom prst="rect">
@@ -6471,12 +6765,22 @@
               <a:buChar char="•"/>
             </a:pPr>
             <a:r>
+              <a:rPr lang="en-US" sz="2800" dirty="0" smtClean="0">
+                <a:latin typeface="Century Gothic" charset="0"/>
+                <a:ea typeface="Century Gothic" charset="0"/>
+                <a:cs typeface="Century Gothic" charset="0"/>
+              </a:rPr>
+              <a:t>Working with smoothed time series :</a:t>
+            </a:r>
+          </a:p>
+          <a:p>
+            <a:r>
               <a:rPr lang="en-US" sz="2800" dirty="0">
                 <a:latin typeface="Century Gothic" charset="0"/>
                 <a:ea typeface="Century Gothic" charset="0"/>
                 <a:cs typeface="Century Gothic" charset="0"/>
               </a:rPr>
-              <a:t>Search of the </a:t>
+              <a:t> </a:t>
             </a:r>
             <a:r>
               <a:rPr lang="en-US" sz="2800" dirty="0" smtClean="0">
@@ -6484,30 +6788,13 @@
                 <a:ea typeface="Century Gothic" charset="0"/>
                 <a:cs typeface="Century Gothic" charset="0"/>
               </a:rPr>
-              <a:t>smoothed</a:t>
-            </a:r>
-          </a:p>
-          <a:p>
-            <a:pPr marL="457200" indent="-457200">
-              <a:buFont typeface="Arial" charset="0"/>
-              <a:buChar char="•"/>
-            </a:pPr>
-            <a:r>
-              <a:rPr lang="en-US" sz="2800" dirty="0" smtClean="0">
-                <a:latin typeface="Century Gothic" charset="0"/>
-                <a:ea typeface="Century Gothic" charset="0"/>
-                <a:cs typeface="Century Gothic" charset="0"/>
-              </a:rPr>
-              <a:t> </a:t>
-            </a:r>
-            <a:r>
-              <a:rPr lang="en-US" sz="2800" dirty="0">
-                <a:latin typeface="Century Gothic" charset="0"/>
-                <a:ea typeface="Century Gothic" charset="0"/>
-                <a:cs typeface="Century Gothic" charset="0"/>
-              </a:rPr>
-              <a:t>out series (rolling mean)</a:t>
-            </a:r>
+              <a:t>    Rolling mean, Interpolation</a:t>
+            </a:r>
+            <a:endParaRPr lang="en-US" sz="2800" dirty="0">
+              <a:latin typeface="Century Gothic" charset="0"/>
+              <a:ea typeface="Century Gothic" charset="0"/>
+              <a:cs typeface="Century Gothic" charset="0"/>
+            </a:endParaRPr>
           </a:p>
         </p:txBody>
       </p:sp>
@@ -6519,7 +6806,7 @@
         </p:nvSpPr>
         <p:spPr>
           <a:xfrm>
-            <a:off x="777317" y="19282104"/>
+            <a:off x="756919" y="19172650"/>
             <a:ext cx="6789483" cy="2677656"/>
           </a:xfrm>
           <a:prstGeom prst="rect">
@@ -6543,8 +6830,53 @@
                 <a:ea typeface="Century Gothic" charset="0"/>
                 <a:cs typeface="Century Gothic" charset="0"/>
               </a:rPr>
-              <a:t>Pearson Correlation : computing similarity between word</a:t>
-            </a:r>
+              <a:t>Pearson </a:t>
+            </a:r>
+            <a:r>
+              <a:rPr lang="en-US" sz="2800" dirty="0" smtClean="0">
+                <a:latin typeface="Century Gothic" charset="0"/>
+                <a:ea typeface="Century Gothic" charset="0"/>
+                <a:cs typeface="Century Gothic" charset="0"/>
+              </a:rPr>
+              <a:t>correlation </a:t>
+            </a:r>
+            <a:r>
+              <a:rPr lang="en-US" sz="2800" dirty="0">
+                <a:latin typeface="Century Gothic" charset="0"/>
+                <a:ea typeface="Century Gothic" charset="0"/>
+                <a:cs typeface="Century Gothic" charset="0"/>
+              </a:rPr>
+              <a:t>: </a:t>
+            </a:r>
+            <a:r>
+              <a:rPr lang="en-US" sz="2800" dirty="0" smtClean="0">
+                <a:latin typeface="Century Gothic" charset="0"/>
+                <a:ea typeface="Century Gothic" charset="0"/>
+                <a:cs typeface="Century Gothic" charset="0"/>
+              </a:rPr>
+              <a:t>Computing </a:t>
+            </a:r>
+            <a:r>
+              <a:rPr lang="en-US" sz="2800" dirty="0">
+                <a:latin typeface="Century Gothic" charset="0"/>
+                <a:ea typeface="Century Gothic" charset="0"/>
+                <a:cs typeface="Century Gothic" charset="0"/>
+              </a:rPr>
+              <a:t>similarity </a:t>
+            </a:r>
+            <a:r>
+              <a:rPr lang="en-US" sz="2800" dirty="0" smtClean="0">
+                <a:latin typeface="Century Gothic" charset="0"/>
+                <a:ea typeface="Century Gothic" charset="0"/>
+                <a:cs typeface="Century Gothic" charset="0"/>
+              </a:rPr>
+              <a:t>between time series</a:t>
+            </a:r>
+            <a:endParaRPr lang="en-US" sz="2800" dirty="0">
+              <a:latin typeface="Century Gothic" charset="0"/>
+              <a:ea typeface="Century Gothic" charset="0"/>
+              <a:cs typeface="Century Gothic" charset="0"/>
+            </a:endParaRPr>
           </a:p>
           <a:p>
             <a:pPr marL="457200" indent="-457200">
@@ -6557,7 +6889,23 @@
                 <a:ea typeface="Century Gothic" charset="0"/>
                 <a:cs typeface="Century Gothic" charset="0"/>
               </a:rPr>
-              <a:t>Fourier Transform : Finding words with periodicity</a:t>
+              <a:t>Fourier t</a:t>
+            </a:r>
+            <a:r>
+              <a:rPr lang="en-US" sz="2800" dirty="0" smtClean="0">
+                <a:latin typeface="Century Gothic" charset="0"/>
+                <a:ea typeface="Century Gothic" charset="0"/>
+                <a:cs typeface="Century Gothic" charset="0"/>
+              </a:rPr>
+              <a:t>ransform </a:t>
+            </a:r>
+            <a:r>
+              <a:rPr lang="en-US" sz="2800" dirty="0">
+                <a:latin typeface="Century Gothic" charset="0"/>
+                <a:ea typeface="Century Gothic" charset="0"/>
+                <a:cs typeface="Century Gothic" charset="0"/>
+              </a:rPr>
+              <a:t>: Finding words with periodicity</a:t>
             </a:r>
           </a:p>
           <a:p>
@@ -6598,7 +6946,7 @@
           <p:nvPr/>
         </p:nvPicPr>
         <p:blipFill>
-          <a:blip r:embed="rId13">
+          <a:blip r:embed="rId11">
             <a:extLst>
               <a:ext uri="{28A0092B-C50C-407E-A947-70E740481C1C}">
                 <a14:useLocalDpi xmlns:a14="http://schemas.microsoft.com/office/drawing/2010/main" val="0"/>
@@ -6611,7 +6959,7 @@
         </p:blipFill>
         <p:spPr>
           <a:xfrm>
-            <a:off x="888657" y="27653715"/>
+            <a:off x="888657" y="27787527"/>
             <a:ext cx="5775193" cy="3970445"/>
           </a:xfrm>
           <a:prstGeom prst="rect">
@@ -6627,7 +6975,7 @@
         </p:nvSpPr>
         <p:spPr>
           <a:xfrm>
-            <a:off x="2205086" y="27177229"/>
+            <a:off x="2205086" y="27311041"/>
             <a:ext cx="5666081" cy="524620"/>
           </a:xfrm>
           <a:prstGeom prst="rect">
@@ -6666,7 +7014,7 @@
           <p:nvPr/>
         </p:nvPicPr>
         <p:blipFill>
-          <a:blip r:embed="rId14">
+          <a:blip r:embed="rId12">
             <a:extLst>
               <a:ext uri="{28A0092B-C50C-407E-A947-70E740481C1C}">
                 <a14:useLocalDpi xmlns:a14="http://schemas.microsoft.com/office/drawing/2010/main" val="0"/>
@@ -6679,7 +7027,7 @@
         </p:blipFill>
         <p:spPr>
           <a:xfrm>
-            <a:off x="8350270" y="27712658"/>
+            <a:off x="8350270" y="27846470"/>
             <a:ext cx="5628760" cy="3869773"/>
           </a:xfrm>
           <a:prstGeom prst="rect">
@@ -6695,7 +7043,7 @@
         </p:nvSpPr>
         <p:spPr>
           <a:xfrm>
-            <a:off x="9380709" y="27182067"/>
+            <a:off x="9380709" y="27315879"/>
             <a:ext cx="3921038" cy="542025"/>
           </a:xfrm>
           <a:prstGeom prst="rect">
@@ -6801,7 +7149,7 @@
         </p:nvSpPr>
         <p:spPr>
           <a:xfrm>
-            <a:off x="15584764" y="18592927"/>
+            <a:off x="15563356" y="18653184"/>
             <a:ext cx="6782732" cy="3539430"/>
           </a:xfrm>
           <a:prstGeom prst="rect">
@@ -6934,7 +7282,7 @@
           <p:nvPr/>
         </p:nvPicPr>
         <p:blipFill>
-          <a:blip r:embed="rId15">
+          <a:blip r:embed="rId13">
             <a:extLst>
               <a:ext uri="{28A0092B-C50C-407E-A947-70E740481C1C}">
                 <a14:useLocalDpi xmlns:a14="http://schemas.microsoft.com/office/drawing/2010/main" val="0"/>
@@ -7072,7 +7420,7 @@
         <p:spPr>
           <a:xfrm>
             <a:off x="15563356" y="24586752"/>
-            <a:ext cx="14374008" cy="2246769"/>
+            <a:ext cx="14486644" cy="2677656"/>
           </a:xfrm>
           <a:prstGeom prst="rect">
             <a:avLst/>
@@ -7092,7 +7440,7 @@
                 <a:ea typeface="Century Gothic" charset="0"/>
                 <a:cs typeface="Century Gothic" charset="0"/>
               </a:rPr>
-              <a:t>We have analyzed how the set of  15’000 most frequent words evolved over time. We plot on the left the probability of finding the n</a:t>
+              <a:t>We have analyzed how the set of 15’000 most frequent words evolved over time. We plot on the left the probability of finding the n</a:t>
             </a:r>
             <a:r>
               <a:rPr lang="en-US" sz="2800" baseline="30000" dirty="0" smtClean="0">
@@ -7108,15 +7456,100 @@
                 <a:ea typeface="Century Gothic" charset="0"/>
                 <a:cs typeface="Century Gothic" charset="0"/>
               </a:rPr>
-              <a:t> most frequent word in a given year. Below</a:t>
-            </a:r>
+              <a:t> most frequent word in a given year. We see that the 1700 first words are always present (working language, P = 1) and then the other words are situation specific, as the curve takes some time to reach 0, we see that the word set in these two journals is very large. On the right we see the evolution of the rank of certain words over time (1 = most frequent).</a:t>
+            </a:r>
+          </a:p>
+        </p:txBody>
+      </p:sp>
+      <p:pic>
+        <p:nvPicPr>
+          <p:cNvPr id="87" name="Picture 86"/>
+          <p:cNvPicPr>
+            <a:picLocks noChangeAspect="1"/>
+          </p:cNvPicPr>
+          <p:nvPr/>
+        </p:nvPicPr>
+        <p:blipFill>
+          <a:blip r:embed="rId14">
+            <a:extLst>
+              <a:ext uri="{28A0092B-C50C-407E-A947-70E740481C1C}">
+                <a14:useLocalDpi xmlns:a14="http://schemas.microsoft.com/office/drawing/2010/main" val="0"/>
+              </a:ext>
+            </a:extLst>
+          </a:blip>
+          <a:stretch>
+            <a:fillRect/>
+          </a:stretch>
+        </p:blipFill>
+        <p:spPr>
+          <a:xfrm>
+            <a:off x="15758941" y="27420421"/>
+            <a:ext cx="6282578" cy="4319272"/>
+          </a:xfrm>
+          <a:prstGeom prst="rect">
+            <a:avLst/>
+          </a:prstGeom>
+        </p:spPr>
+      </p:pic>
+      <p:pic>
+        <p:nvPicPr>
+          <p:cNvPr id="88" name="Picture 87"/>
+          <p:cNvPicPr>
+            <a:picLocks noChangeAspect="1"/>
+          </p:cNvPicPr>
+          <p:nvPr/>
+        </p:nvPicPr>
+        <p:blipFill>
+          <a:blip r:embed="rId15">
+            <a:extLst>
+              <a:ext uri="{28A0092B-C50C-407E-A947-70E740481C1C}">
+                <a14:useLocalDpi xmlns:a14="http://schemas.microsoft.com/office/drawing/2010/main" val="0"/>
+              </a:ext>
+            </a:extLst>
+          </a:blip>
+          <a:stretch>
+            <a:fillRect/>
+          </a:stretch>
+        </p:blipFill>
+        <p:spPr>
+          <a:xfrm>
+            <a:off x="23138244" y="27376880"/>
+            <a:ext cx="6077952" cy="4178591"/>
+          </a:xfrm>
+          <a:prstGeom prst="rect">
+            <a:avLst/>
+          </a:prstGeom>
+        </p:spPr>
+      </p:pic>
+      <p:sp>
+        <p:nvSpPr>
+          <p:cNvPr id="89" name="TextBox 88"/>
+          <p:cNvSpPr txBox="1"/>
+          <p:nvPr/>
+        </p:nvSpPr>
+        <p:spPr>
+          <a:xfrm>
+            <a:off x="888657" y="21947164"/>
+            <a:ext cx="8568400" cy="954107"/>
+          </a:xfrm>
+          <a:prstGeom prst="rect">
+            <a:avLst/>
+          </a:prstGeom>
+          <a:noFill/>
+        </p:spPr>
+        <p:txBody>
+          <a:bodyPr wrap="square" rtlCol="0">
+            <a:spAutoFit/>
+          </a:bodyPr>
+          <a:lstStyle/>
+          <a:p>
             <a:r>
               <a:rPr lang="en-US" sz="2800" dirty="0">
                 <a:latin typeface="Century Gothic" charset="0"/>
                 <a:ea typeface="Century Gothic" charset="0"/>
                 <a:cs typeface="Century Gothic" charset="0"/>
               </a:rPr>
-              <a:t> </a:t>
+              <a:t>We show below a few interesting </a:t>
             </a:r>
             <a:r>
               <a:rPr lang="en-US" sz="2800" dirty="0" smtClean="0">
@@ -7124,14 +7557,22 @@
                 <a:ea typeface="Century Gothic" charset="0"/>
                 <a:cs typeface="Century Gothic" charset="0"/>
               </a:rPr>
-              <a:t>on the left we see that the 1700 first words are always present (common vocabulary) and then the other words are situation specific. On the right we see the evolution of the ran of certain words over time.</a:t>
-            </a:r>
+              <a:t>results:</a:t>
+            </a:r>
+            <a:endParaRPr lang="en-US" sz="2800" dirty="0">
+              <a:latin typeface="Century Gothic" charset="0"/>
+              <a:ea typeface="Century Gothic" charset="0"/>
+              <a:cs typeface="Century Gothic" charset="0"/>
+            </a:endParaRPr>
+          </a:p>
+          <a:p>
+            <a:endParaRPr lang="en-US" sz="2800" dirty="0"/>
           </a:p>
         </p:txBody>
       </p:sp>
       <p:pic>
         <p:nvPicPr>
-          <p:cNvPr id="87" name="Picture 86"/>
+          <p:cNvPr id="91" name="Picture 90"/>
           <p:cNvPicPr>
             <a:picLocks noChangeAspect="1"/>
           </p:cNvPicPr>
@@ -7151,8 +7592,8 @@
         </p:blipFill>
         <p:spPr>
           <a:xfrm>
-            <a:off x="15563356" y="27050978"/>
-            <a:ext cx="6596816" cy="4535311"/>
+            <a:off x="16043464" y="10953172"/>
+            <a:ext cx="5085749" cy="3496452"/>
           </a:xfrm>
           <a:prstGeom prst="rect">
             <a:avLst/>
@@ -7161,7 +7602,7 @@
       </p:pic>
       <p:pic>
         <p:nvPicPr>
-          <p:cNvPr id="88" name="Picture 87"/>
+          <p:cNvPr id="92" name="Picture 91"/>
           <p:cNvPicPr>
             <a:picLocks noChangeAspect="1"/>
           </p:cNvPicPr>
@@ -7181,8 +7622,8 @@
         </p:blipFill>
         <p:spPr>
           <a:xfrm>
-            <a:off x="23138243" y="26996964"/>
-            <a:ext cx="6630557" cy="4558507"/>
+            <a:off x="21707003" y="11080582"/>
+            <a:ext cx="8066918" cy="5546006"/>
           </a:xfrm>
           <a:prstGeom prst="rect">
             <a:avLst/>
